--- a/presentation.pptx
+++ b/presentation.pptx
@@ -10,6 +10,11 @@
     <p:sldId id="258" r:id="rId4"/>
     <p:sldId id="259" r:id="rId5"/>
     <p:sldId id="260" r:id="rId6"/>
+    <p:sldId id="261" r:id="rId7"/>
+    <p:sldId id="263" r:id="rId8"/>
+    <p:sldId id="265" r:id="rId9"/>
+    <p:sldId id="264" r:id="rId10"/>
+    <p:sldId id="262" r:id="rId11"/>
   </p:sldIdLst>
   <p:sldSz cx="12192000" cy="6858000"/>
   <p:notesSz cx="6858000" cy="9144000"/>
@@ -116,6 +121,3138 @@
 </p:presentation>
 </file>
 
+<file path=ppt/diagrams/colors1.xml><?xml version="1.0" encoding="utf-8"?>
+<dgm:colorsDef xmlns:dgm="http://schemas.openxmlformats.org/drawingml/2006/diagram" xmlns:a="http://schemas.openxmlformats.org/drawingml/2006/main" uniqueId="urn:microsoft.com/office/officeart/2005/8/colors/accent1_2">
+  <dgm:title val=""/>
+  <dgm:desc val=""/>
+  <dgm:catLst>
+    <dgm:cat type="accent1" pri="11200"/>
+  </dgm:catLst>
+  <dgm:styleLbl name="node0">
+    <dgm:fillClrLst meth="repeat">
+      <a:schemeClr val="accent1"/>
+    </dgm:fillClrLst>
+    <dgm:linClrLst meth="repeat">
+      <a:schemeClr val="lt1"/>
+    </dgm:linClrLst>
+    <dgm:effectClrLst/>
+    <dgm:txLinClrLst/>
+    <dgm:txFillClrLst/>
+    <dgm:txEffectClrLst/>
+  </dgm:styleLbl>
+  <dgm:styleLbl name="alignNode1">
+    <dgm:fillClrLst meth="repeat">
+      <a:schemeClr val="accent1"/>
+    </dgm:fillClrLst>
+    <dgm:linClrLst meth="repeat">
+      <a:schemeClr val="accent1"/>
+    </dgm:linClrLst>
+    <dgm:effectClrLst/>
+    <dgm:txLinClrLst/>
+    <dgm:txFillClrLst/>
+    <dgm:txEffectClrLst/>
+  </dgm:styleLbl>
+  <dgm:styleLbl name="node1">
+    <dgm:fillClrLst meth="repeat">
+      <a:schemeClr val="accent1"/>
+    </dgm:fillClrLst>
+    <dgm:linClrLst meth="repeat">
+      <a:schemeClr val="lt1"/>
+    </dgm:linClrLst>
+    <dgm:effectClrLst/>
+    <dgm:txLinClrLst/>
+    <dgm:txFillClrLst/>
+    <dgm:txEffectClrLst/>
+  </dgm:styleLbl>
+  <dgm:styleLbl name="lnNode1">
+    <dgm:fillClrLst meth="repeat">
+      <a:schemeClr val="accent1"/>
+    </dgm:fillClrLst>
+    <dgm:linClrLst meth="repeat">
+      <a:schemeClr val="lt1"/>
+    </dgm:linClrLst>
+    <dgm:effectClrLst/>
+    <dgm:txLinClrLst/>
+    <dgm:txFillClrLst/>
+    <dgm:txEffectClrLst/>
+  </dgm:styleLbl>
+  <dgm:styleLbl name="vennNode1">
+    <dgm:fillClrLst meth="repeat">
+      <a:schemeClr val="accent1">
+        <a:alpha val="50000"/>
+      </a:schemeClr>
+    </dgm:fillClrLst>
+    <dgm:linClrLst meth="repeat">
+      <a:schemeClr val="lt1"/>
+    </dgm:linClrLst>
+    <dgm:effectClrLst/>
+    <dgm:txLinClrLst/>
+    <dgm:txFillClrLst/>
+    <dgm:txEffectClrLst/>
+  </dgm:styleLbl>
+  <dgm:styleLbl name="node2">
+    <dgm:fillClrLst meth="repeat">
+      <a:schemeClr val="accent1"/>
+    </dgm:fillClrLst>
+    <dgm:linClrLst meth="repeat">
+      <a:schemeClr val="lt1"/>
+    </dgm:linClrLst>
+    <dgm:effectClrLst/>
+    <dgm:txLinClrLst/>
+    <dgm:txFillClrLst/>
+    <dgm:txEffectClrLst/>
+  </dgm:styleLbl>
+  <dgm:styleLbl name="node3">
+    <dgm:fillClrLst meth="repeat">
+      <a:schemeClr val="accent1"/>
+    </dgm:fillClrLst>
+    <dgm:linClrLst meth="repeat">
+      <a:schemeClr val="lt1"/>
+    </dgm:linClrLst>
+    <dgm:effectClrLst/>
+    <dgm:txLinClrLst/>
+    <dgm:txFillClrLst/>
+    <dgm:txEffectClrLst/>
+  </dgm:styleLbl>
+  <dgm:styleLbl name="node4">
+    <dgm:fillClrLst meth="repeat">
+      <a:schemeClr val="accent1"/>
+    </dgm:fillClrLst>
+    <dgm:linClrLst meth="repeat">
+      <a:schemeClr val="lt1"/>
+    </dgm:linClrLst>
+    <dgm:effectClrLst/>
+    <dgm:txLinClrLst/>
+    <dgm:txFillClrLst/>
+    <dgm:txEffectClrLst/>
+  </dgm:styleLbl>
+  <dgm:styleLbl name="fgImgPlace1">
+    <dgm:fillClrLst meth="repeat">
+      <a:schemeClr val="accent1">
+        <a:tint val="50000"/>
+      </a:schemeClr>
+    </dgm:fillClrLst>
+    <dgm:linClrLst meth="repeat">
+      <a:schemeClr val="lt1"/>
+    </dgm:linClrLst>
+    <dgm:effectClrLst/>
+    <dgm:txLinClrLst/>
+    <dgm:txFillClrLst meth="repeat">
+      <a:schemeClr val="lt1"/>
+    </dgm:txFillClrLst>
+    <dgm:txEffectClrLst/>
+  </dgm:styleLbl>
+  <dgm:styleLbl name="alignImgPlace1">
+    <dgm:fillClrLst meth="repeat">
+      <a:schemeClr val="accent1">
+        <a:tint val="50000"/>
+      </a:schemeClr>
+    </dgm:fillClrLst>
+    <dgm:linClrLst meth="repeat">
+      <a:schemeClr val="lt1"/>
+    </dgm:linClrLst>
+    <dgm:effectClrLst/>
+    <dgm:txLinClrLst/>
+    <dgm:txFillClrLst meth="repeat">
+      <a:schemeClr val="lt1"/>
+    </dgm:txFillClrLst>
+    <dgm:txEffectClrLst/>
+  </dgm:styleLbl>
+  <dgm:styleLbl name="bgImgPlace1">
+    <dgm:fillClrLst meth="repeat">
+      <a:schemeClr val="accent1">
+        <a:tint val="50000"/>
+      </a:schemeClr>
+    </dgm:fillClrLst>
+    <dgm:linClrLst meth="repeat">
+      <a:schemeClr val="lt1"/>
+    </dgm:linClrLst>
+    <dgm:effectClrLst/>
+    <dgm:txLinClrLst/>
+    <dgm:txFillClrLst meth="repeat">
+      <a:schemeClr val="lt1"/>
+    </dgm:txFillClrLst>
+    <dgm:txEffectClrLst/>
+  </dgm:styleLbl>
+  <dgm:styleLbl name="sibTrans2D1">
+    <dgm:fillClrLst meth="repeat">
+      <a:schemeClr val="accent1">
+        <a:tint val="60000"/>
+      </a:schemeClr>
+    </dgm:fillClrLst>
+    <dgm:linClrLst meth="repeat">
+      <a:schemeClr val="accent1">
+        <a:tint val="60000"/>
+      </a:schemeClr>
+    </dgm:linClrLst>
+    <dgm:effectClrLst/>
+    <dgm:txLinClrLst/>
+    <dgm:txFillClrLst/>
+    <dgm:txEffectClrLst/>
+  </dgm:styleLbl>
+  <dgm:styleLbl name="fgSibTrans2D1">
+    <dgm:fillClrLst meth="repeat">
+      <a:schemeClr val="accent1">
+        <a:tint val="60000"/>
+      </a:schemeClr>
+    </dgm:fillClrLst>
+    <dgm:linClrLst meth="repeat">
+      <a:schemeClr val="accent1">
+        <a:tint val="60000"/>
+      </a:schemeClr>
+    </dgm:linClrLst>
+    <dgm:effectClrLst/>
+    <dgm:txLinClrLst/>
+    <dgm:txFillClrLst/>
+    <dgm:txEffectClrLst/>
+  </dgm:styleLbl>
+  <dgm:styleLbl name="bgSibTrans2D1">
+    <dgm:fillClrLst meth="repeat">
+      <a:schemeClr val="accent1">
+        <a:tint val="60000"/>
+      </a:schemeClr>
+    </dgm:fillClrLst>
+    <dgm:linClrLst meth="repeat">
+      <a:schemeClr val="accent1">
+        <a:tint val="60000"/>
+      </a:schemeClr>
+    </dgm:linClrLst>
+    <dgm:effectClrLst/>
+    <dgm:txLinClrLst/>
+    <dgm:txFillClrLst/>
+    <dgm:txEffectClrLst/>
+  </dgm:styleLbl>
+  <dgm:styleLbl name="sibTrans1D1">
+    <dgm:fillClrLst meth="repeat">
+      <a:schemeClr val="accent1"/>
+    </dgm:fillClrLst>
+    <dgm:linClrLst meth="repeat">
+      <a:schemeClr val="accent1"/>
+    </dgm:linClrLst>
+    <dgm:effectClrLst/>
+    <dgm:txLinClrLst/>
+    <dgm:txFillClrLst meth="repeat">
+      <a:schemeClr val="tx1"/>
+    </dgm:txFillClrLst>
+    <dgm:txEffectClrLst/>
+  </dgm:styleLbl>
+  <dgm:styleLbl name="callout">
+    <dgm:fillClrLst meth="repeat">
+      <a:schemeClr val="accent1"/>
+    </dgm:fillClrLst>
+    <dgm:linClrLst meth="repeat">
+      <a:schemeClr val="accent1">
+        <a:tint val="50000"/>
+      </a:schemeClr>
+    </dgm:linClrLst>
+    <dgm:effectClrLst/>
+    <dgm:txLinClrLst/>
+    <dgm:txFillClrLst meth="repeat">
+      <a:schemeClr val="tx1"/>
+    </dgm:txFillClrLst>
+    <dgm:txEffectClrLst/>
+  </dgm:styleLbl>
+  <dgm:styleLbl name="asst0">
+    <dgm:fillClrLst meth="repeat">
+      <a:schemeClr val="accent1"/>
+    </dgm:fillClrLst>
+    <dgm:linClrLst meth="repeat">
+      <a:schemeClr val="lt1"/>
+    </dgm:linClrLst>
+    <dgm:effectClrLst/>
+    <dgm:txLinClrLst/>
+    <dgm:txFillClrLst/>
+    <dgm:txEffectClrLst/>
+  </dgm:styleLbl>
+  <dgm:styleLbl name="asst1">
+    <dgm:fillClrLst meth="repeat">
+      <a:schemeClr val="accent1"/>
+    </dgm:fillClrLst>
+    <dgm:linClrLst meth="repeat">
+      <a:schemeClr val="lt1"/>
+    </dgm:linClrLst>
+    <dgm:effectClrLst/>
+    <dgm:txLinClrLst/>
+    <dgm:txFillClrLst/>
+    <dgm:txEffectClrLst/>
+  </dgm:styleLbl>
+  <dgm:styleLbl name="asst2">
+    <dgm:fillClrLst meth="repeat">
+      <a:schemeClr val="accent1"/>
+    </dgm:fillClrLst>
+    <dgm:linClrLst meth="repeat">
+      <a:schemeClr val="lt1"/>
+    </dgm:linClrLst>
+    <dgm:effectClrLst/>
+    <dgm:txLinClrLst/>
+    <dgm:txFillClrLst/>
+    <dgm:txEffectClrLst/>
+  </dgm:styleLbl>
+  <dgm:styleLbl name="asst3">
+    <dgm:fillClrLst meth="repeat">
+      <a:schemeClr val="accent1"/>
+    </dgm:fillClrLst>
+    <dgm:linClrLst meth="repeat">
+      <a:schemeClr val="lt1"/>
+    </dgm:linClrLst>
+    <dgm:effectClrLst/>
+    <dgm:txLinClrLst/>
+    <dgm:txFillClrLst/>
+    <dgm:txEffectClrLst/>
+  </dgm:styleLbl>
+  <dgm:styleLbl name="asst4">
+    <dgm:fillClrLst meth="repeat">
+      <a:schemeClr val="accent1"/>
+    </dgm:fillClrLst>
+    <dgm:linClrLst meth="repeat">
+      <a:schemeClr val="lt1"/>
+    </dgm:linClrLst>
+    <dgm:effectClrLst/>
+    <dgm:txLinClrLst/>
+    <dgm:txFillClrLst/>
+    <dgm:txEffectClrLst/>
+  </dgm:styleLbl>
+  <dgm:styleLbl name="parChTrans2D1">
+    <dgm:fillClrLst meth="repeat">
+      <a:schemeClr val="accent1">
+        <a:tint val="60000"/>
+      </a:schemeClr>
+    </dgm:fillClrLst>
+    <dgm:linClrLst meth="repeat">
+      <a:schemeClr val="accent1">
+        <a:tint val="60000"/>
+      </a:schemeClr>
+    </dgm:linClrLst>
+    <dgm:effectClrLst/>
+    <dgm:txLinClrLst/>
+    <dgm:txFillClrLst meth="repeat">
+      <a:schemeClr val="lt1"/>
+    </dgm:txFillClrLst>
+    <dgm:txEffectClrLst/>
+  </dgm:styleLbl>
+  <dgm:styleLbl name="parChTrans2D2">
+    <dgm:fillClrLst meth="repeat">
+      <a:schemeClr val="accent1"/>
+    </dgm:fillClrLst>
+    <dgm:linClrLst meth="repeat">
+      <a:schemeClr val="accent1"/>
+    </dgm:linClrLst>
+    <dgm:effectClrLst/>
+    <dgm:txLinClrLst/>
+    <dgm:txFillClrLst meth="repeat">
+      <a:schemeClr val="lt1"/>
+    </dgm:txFillClrLst>
+    <dgm:txEffectClrLst/>
+  </dgm:styleLbl>
+  <dgm:styleLbl name="parChTrans2D3">
+    <dgm:fillClrLst meth="repeat">
+      <a:schemeClr val="accent1"/>
+    </dgm:fillClrLst>
+    <dgm:linClrLst meth="repeat">
+      <a:schemeClr val="accent1"/>
+    </dgm:linClrLst>
+    <dgm:effectClrLst/>
+    <dgm:txLinClrLst/>
+    <dgm:txFillClrLst meth="repeat">
+      <a:schemeClr val="lt1"/>
+    </dgm:txFillClrLst>
+    <dgm:txEffectClrLst/>
+  </dgm:styleLbl>
+  <dgm:styleLbl name="parChTrans2D4">
+    <dgm:fillClrLst meth="repeat">
+      <a:schemeClr val="accent1"/>
+    </dgm:fillClrLst>
+    <dgm:linClrLst meth="repeat">
+      <a:schemeClr val="accent1"/>
+    </dgm:linClrLst>
+    <dgm:effectClrLst/>
+    <dgm:txLinClrLst/>
+    <dgm:txFillClrLst meth="repeat">
+      <a:schemeClr val="lt1"/>
+    </dgm:txFillClrLst>
+    <dgm:txEffectClrLst/>
+  </dgm:styleLbl>
+  <dgm:styleLbl name="parChTrans1D1">
+    <dgm:fillClrLst meth="repeat">
+      <a:schemeClr val="accent1"/>
+    </dgm:fillClrLst>
+    <dgm:linClrLst meth="repeat">
+      <a:schemeClr val="accent1">
+        <a:shade val="60000"/>
+      </a:schemeClr>
+    </dgm:linClrLst>
+    <dgm:effectClrLst/>
+    <dgm:txLinClrLst/>
+    <dgm:txFillClrLst meth="repeat">
+      <a:schemeClr val="tx1"/>
+    </dgm:txFillClrLst>
+    <dgm:txEffectClrLst/>
+  </dgm:styleLbl>
+  <dgm:styleLbl name="parChTrans1D2">
+    <dgm:fillClrLst meth="repeat">
+      <a:schemeClr val="accent1"/>
+    </dgm:fillClrLst>
+    <dgm:linClrLst meth="repeat">
+      <a:schemeClr val="accent1">
+        <a:shade val="60000"/>
+      </a:schemeClr>
+    </dgm:linClrLst>
+    <dgm:effectClrLst/>
+    <dgm:txLinClrLst/>
+    <dgm:txFillClrLst meth="repeat">
+      <a:schemeClr val="tx1"/>
+    </dgm:txFillClrLst>
+    <dgm:txEffectClrLst/>
+  </dgm:styleLbl>
+  <dgm:styleLbl name="parChTrans1D3">
+    <dgm:fillClrLst meth="repeat">
+      <a:schemeClr val="accent1"/>
+    </dgm:fillClrLst>
+    <dgm:linClrLst meth="repeat">
+      <a:schemeClr val="accent1">
+        <a:shade val="80000"/>
+      </a:schemeClr>
+    </dgm:linClrLst>
+    <dgm:effectClrLst/>
+    <dgm:txLinClrLst/>
+    <dgm:txFillClrLst meth="repeat">
+      <a:schemeClr val="tx1"/>
+    </dgm:txFillClrLst>
+    <dgm:txEffectClrLst/>
+  </dgm:styleLbl>
+  <dgm:styleLbl name="parChTrans1D4">
+    <dgm:fillClrLst meth="repeat">
+      <a:schemeClr val="accent1"/>
+    </dgm:fillClrLst>
+    <dgm:linClrLst meth="repeat">
+      <a:schemeClr val="accent1">
+        <a:shade val="80000"/>
+      </a:schemeClr>
+    </dgm:linClrLst>
+    <dgm:effectClrLst/>
+    <dgm:txLinClrLst/>
+    <dgm:txFillClrLst meth="repeat">
+      <a:schemeClr val="tx1"/>
+    </dgm:txFillClrLst>
+    <dgm:txEffectClrLst/>
+  </dgm:styleLbl>
+  <dgm:styleLbl name="fgAcc1">
+    <dgm:fillClrLst meth="repeat">
+      <a:schemeClr val="lt1">
+        <a:alpha val="90000"/>
+      </a:schemeClr>
+    </dgm:fillClrLst>
+    <dgm:linClrLst meth="repeat">
+      <a:schemeClr val="accent1"/>
+    </dgm:linClrLst>
+    <dgm:effectClrLst/>
+    <dgm:txLinClrLst/>
+    <dgm:txFillClrLst meth="repeat">
+      <a:schemeClr val="dk1"/>
+    </dgm:txFillClrLst>
+    <dgm:txEffectClrLst/>
+  </dgm:styleLbl>
+  <dgm:styleLbl name="conFgAcc1">
+    <dgm:fillClrLst meth="repeat">
+      <a:schemeClr val="lt1">
+        <a:alpha val="90000"/>
+      </a:schemeClr>
+    </dgm:fillClrLst>
+    <dgm:linClrLst meth="repeat">
+      <a:schemeClr val="accent1"/>
+    </dgm:linClrLst>
+    <dgm:effectClrLst/>
+    <dgm:txLinClrLst/>
+    <dgm:txFillClrLst meth="repeat">
+      <a:schemeClr val="dk1"/>
+    </dgm:txFillClrLst>
+    <dgm:txEffectClrLst/>
+  </dgm:styleLbl>
+  <dgm:styleLbl name="alignAcc1">
+    <dgm:fillClrLst meth="repeat">
+      <a:schemeClr val="lt1">
+        <a:alpha val="90000"/>
+      </a:schemeClr>
+    </dgm:fillClrLst>
+    <dgm:linClrLst meth="repeat">
+      <a:schemeClr val="accent1"/>
+    </dgm:linClrLst>
+    <dgm:effectClrLst/>
+    <dgm:txLinClrLst/>
+    <dgm:txFillClrLst meth="repeat">
+      <a:schemeClr val="dk1"/>
+    </dgm:txFillClrLst>
+    <dgm:txEffectClrLst/>
+  </dgm:styleLbl>
+  <dgm:styleLbl name="trAlignAcc1">
+    <dgm:fillClrLst meth="repeat">
+      <a:schemeClr val="lt1">
+        <a:alpha val="40000"/>
+      </a:schemeClr>
+    </dgm:fillClrLst>
+    <dgm:linClrLst meth="repeat">
+      <a:schemeClr val="accent1"/>
+    </dgm:linClrLst>
+    <dgm:effectClrLst/>
+    <dgm:txLinClrLst/>
+    <dgm:txFillClrLst meth="repeat">
+      <a:schemeClr val="dk1"/>
+    </dgm:txFillClrLst>
+    <dgm:txEffectClrLst/>
+  </dgm:styleLbl>
+  <dgm:styleLbl name="bgAcc1">
+    <dgm:fillClrLst meth="repeat">
+      <a:schemeClr val="lt1">
+        <a:alpha val="90000"/>
+      </a:schemeClr>
+    </dgm:fillClrLst>
+    <dgm:linClrLst meth="repeat">
+      <a:schemeClr val="accent1"/>
+    </dgm:linClrLst>
+    <dgm:effectClrLst/>
+    <dgm:txLinClrLst/>
+    <dgm:txFillClrLst meth="repeat">
+      <a:schemeClr val="dk1"/>
+    </dgm:txFillClrLst>
+    <dgm:txEffectClrLst/>
+  </dgm:styleLbl>
+  <dgm:styleLbl name="solidFgAcc1">
+    <dgm:fillClrLst meth="repeat">
+      <a:schemeClr val="lt1"/>
+    </dgm:fillClrLst>
+    <dgm:linClrLst meth="repeat">
+      <a:schemeClr val="accent1"/>
+    </dgm:linClrLst>
+    <dgm:effectClrLst/>
+    <dgm:txLinClrLst/>
+    <dgm:txFillClrLst meth="repeat">
+      <a:schemeClr val="dk1"/>
+    </dgm:txFillClrLst>
+    <dgm:txEffectClrLst/>
+  </dgm:styleLbl>
+  <dgm:styleLbl name="solidAlignAcc1">
+    <dgm:fillClrLst meth="repeat">
+      <a:schemeClr val="lt1"/>
+    </dgm:fillClrLst>
+    <dgm:linClrLst meth="repeat">
+      <a:schemeClr val="accent1"/>
+    </dgm:linClrLst>
+    <dgm:effectClrLst/>
+    <dgm:txLinClrLst/>
+    <dgm:txFillClrLst meth="repeat">
+      <a:schemeClr val="dk1"/>
+    </dgm:txFillClrLst>
+    <dgm:txEffectClrLst/>
+  </dgm:styleLbl>
+  <dgm:styleLbl name="solidBgAcc1">
+    <dgm:fillClrLst meth="repeat">
+      <a:schemeClr val="lt1"/>
+    </dgm:fillClrLst>
+    <dgm:linClrLst meth="repeat">
+      <a:schemeClr val="accent1"/>
+    </dgm:linClrLst>
+    <dgm:effectClrLst/>
+    <dgm:txLinClrLst/>
+    <dgm:txFillClrLst meth="repeat">
+      <a:schemeClr val="dk1"/>
+    </dgm:txFillClrLst>
+    <dgm:txEffectClrLst/>
+  </dgm:styleLbl>
+  <dgm:styleLbl name="fgAccFollowNode1">
+    <dgm:fillClrLst meth="repeat">
+      <a:schemeClr val="accent1">
+        <a:alpha val="90000"/>
+        <a:tint val="40000"/>
+      </a:schemeClr>
+    </dgm:fillClrLst>
+    <dgm:linClrLst meth="repeat">
+      <a:schemeClr val="accent1">
+        <a:alpha val="90000"/>
+        <a:tint val="40000"/>
+      </a:schemeClr>
+    </dgm:linClrLst>
+    <dgm:effectClrLst/>
+    <dgm:txLinClrLst/>
+    <dgm:txFillClrLst meth="repeat">
+      <a:schemeClr val="dk1"/>
+    </dgm:txFillClrLst>
+    <dgm:txEffectClrLst/>
+  </dgm:styleLbl>
+  <dgm:styleLbl name="alignAccFollowNode1">
+    <dgm:fillClrLst meth="repeat">
+      <a:schemeClr val="accent1">
+        <a:alpha val="90000"/>
+        <a:tint val="40000"/>
+      </a:schemeClr>
+    </dgm:fillClrLst>
+    <dgm:linClrLst meth="repeat">
+      <a:schemeClr val="accent1">
+        <a:alpha val="90000"/>
+        <a:tint val="40000"/>
+      </a:schemeClr>
+    </dgm:linClrLst>
+    <dgm:effectClrLst/>
+    <dgm:txLinClrLst/>
+    <dgm:txFillClrLst meth="repeat">
+      <a:schemeClr val="dk1"/>
+    </dgm:txFillClrLst>
+    <dgm:txEffectClrLst/>
+  </dgm:styleLbl>
+  <dgm:styleLbl name="bgAccFollowNode1">
+    <dgm:fillClrLst meth="repeat">
+      <a:schemeClr val="accent1">
+        <a:alpha val="90000"/>
+        <a:tint val="40000"/>
+      </a:schemeClr>
+    </dgm:fillClrLst>
+    <dgm:linClrLst meth="repeat">
+      <a:schemeClr val="accent1">
+        <a:alpha val="90000"/>
+        <a:tint val="40000"/>
+      </a:schemeClr>
+    </dgm:linClrLst>
+    <dgm:effectClrLst/>
+    <dgm:txLinClrLst/>
+    <dgm:txFillClrLst meth="repeat">
+      <a:schemeClr val="dk1"/>
+    </dgm:txFillClrLst>
+    <dgm:txEffectClrLst/>
+  </dgm:styleLbl>
+  <dgm:styleLbl name="fgAcc0">
+    <dgm:fillClrLst meth="repeat">
+      <a:schemeClr val="lt1">
+        <a:alpha val="90000"/>
+      </a:schemeClr>
+    </dgm:fillClrLst>
+    <dgm:linClrLst meth="repeat">
+      <a:schemeClr val="accent1"/>
+    </dgm:linClrLst>
+    <dgm:effectClrLst/>
+    <dgm:txLinClrLst/>
+    <dgm:txFillClrLst meth="repeat">
+      <a:schemeClr val="dk1"/>
+    </dgm:txFillClrLst>
+    <dgm:txEffectClrLst/>
+  </dgm:styleLbl>
+  <dgm:styleLbl name="fgAcc2">
+    <dgm:fillClrLst meth="repeat">
+      <a:schemeClr val="lt1">
+        <a:alpha val="90000"/>
+      </a:schemeClr>
+    </dgm:fillClrLst>
+    <dgm:linClrLst meth="repeat">
+      <a:schemeClr val="accent1"/>
+    </dgm:linClrLst>
+    <dgm:effectClrLst/>
+    <dgm:txLinClrLst/>
+    <dgm:txFillClrLst meth="repeat">
+      <a:schemeClr val="dk1"/>
+    </dgm:txFillClrLst>
+    <dgm:txEffectClrLst/>
+  </dgm:styleLbl>
+  <dgm:styleLbl name="fgAcc3">
+    <dgm:fillClrLst meth="repeat">
+      <a:schemeClr val="lt1">
+        <a:alpha val="90000"/>
+      </a:schemeClr>
+    </dgm:fillClrLst>
+    <dgm:linClrLst meth="repeat">
+      <a:schemeClr val="accent1"/>
+    </dgm:linClrLst>
+    <dgm:effectClrLst/>
+    <dgm:txLinClrLst/>
+    <dgm:txFillClrLst meth="repeat">
+      <a:schemeClr val="dk1"/>
+    </dgm:txFillClrLst>
+    <dgm:txEffectClrLst/>
+  </dgm:styleLbl>
+  <dgm:styleLbl name="fgAcc4">
+    <dgm:fillClrLst meth="repeat">
+      <a:schemeClr val="lt1">
+        <a:alpha val="90000"/>
+      </a:schemeClr>
+    </dgm:fillClrLst>
+    <dgm:linClrLst meth="repeat">
+      <a:schemeClr val="accent1"/>
+    </dgm:linClrLst>
+    <dgm:effectClrLst/>
+    <dgm:txLinClrLst/>
+    <dgm:txFillClrLst meth="repeat">
+      <a:schemeClr val="dk1"/>
+    </dgm:txFillClrLst>
+    <dgm:txEffectClrLst/>
+  </dgm:styleLbl>
+  <dgm:styleLbl name="bgShp">
+    <dgm:fillClrLst meth="repeat">
+      <a:schemeClr val="accent1">
+        <a:tint val="40000"/>
+      </a:schemeClr>
+    </dgm:fillClrLst>
+    <dgm:linClrLst meth="repeat">
+      <a:schemeClr val="accent1"/>
+    </dgm:linClrLst>
+    <dgm:effectClrLst/>
+    <dgm:txLinClrLst/>
+    <dgm:txFillClrLst meth="repeat">
+      <a:schemeClr val="dk1"/>
+    </dgm:txFillClrLst>
+    <dgm:txEffectClrLst/>
+  </dgm:styleLbl>
+  <dgm:styleLbl name="dkBgShp">
+    <dgm:fillClrLst meth="repeat">
+      <a:schemeClr val="accent1">
+        <a:shade val="80000"/>
+      </a:schemeClr>
+    </dgm:fillClrLst>
+    <dgm:linClrLst meth="repeat">
+      <a:schemeClr val="accent1"/>
+    </dgm:linClrLst>
+    <dgm:effectClrLst/>
+    <dgm:txLinClrLst/>
+    <dgm:txFillClrLst meth="repeat">
+      <a:schemeClr val="lt1"/>
+    </dgm:txFillClrLst>
+    <dgm:txEffectClrLst/>
+  </dgm:styleLbl>
+  <dgm:styleLbl name="trBgShp">
+    <dgm:fillClrLst meth="repeat">
+      <a:schemeClr val="accent1">
+        <a:tint val="50000"/>
+        <a:alpha val="40000"/>
+      </a:schemeClr>
+    </dgm:fillClrLst>
+    <dgm:linClrLst meth="repeat">
+      <a:schemeClr val="accent1"/>
+    </dgm:linClrLst>
+    <dgm:effectClrLst/>
+    <dgm:txLinClrLst/>
+    <dgm:txFillClrLst meth="repeat">
+      <a:schemeClr val="lt1"/>
+    </dgm:txFillClrLst>
+    <dgm:txEffectClrLst/>
+  </dgm:styleLbl>
+  <dgm:styleLbl name="fgShp">
+    <dgm:fillClrLst meth="repeat">
+      <a:schemeClr val="accent1">
+        <a:tint val="60000"/>
+      </a:schemeClr>
+    </dgm:fillClrLst>
+    <dgm:linClrLst meth="repeat">
+      <a:schemeClr val="lt1"/>
+    </dgm:linClrLst>
+    <dgm:effectClrLst/>
+    <dgm:txLinClrLst/>
+    <dgm:txFillClrLst meth="repeat">
+      <a:schemeClr val="dk1"/>
+    </dgm:txFillClrLst>
+    <dgm:txEffectClrLst/>
+  </dgm:styleLbl>
+  <dgm:styleLbl name="revTx">
+    <dgm:fillClrLst meth="repeat">
+      <a:schemeClr val="lt1">
+        <a:alpha val="0"/>
+      </a:schemeClr>
+    </dgm:fillClrLst>
+    <dgm:linClrLst meth="repeat">
+      <a:schemeClr val="dk1">
+        <a:alpha val="0"/>
+      </a:schemeClr>
+    </dgm:linClrLst>
+    <dgm:effectClrLst/>
+    <dgm:txLinClrLst/>
+    <dgm:txFillClrLst meth="repeat">
+      <a:schemeClr val="tx1"/>
+    </dgm:txFillClrLst>
+    <dgm:txEffectClrLst/>
+  </dgm:styleLbl>
+</dgm:colorsDef>
+</file>
+
+<file path=ppt/diagrams/data1.xml><?xml version="1.0" encoding="utf-8"?>
+<dgm:dataModel xmlns:dgm="http://schemas.openxmlformats.org/drawingml/2006/diagram" xmlns:a="http://schemas.openxmlformats.org/drawingml/2006/main">
+  <dgm:ptLst>
+    <dgm:pt modelId="{381F8AF6-ED66-4734-A466-A84C8FFA6011}" type="doc">
+      <dgm:prSet loTypeId="urn:microsoft.com/office/officeart/2008/layout/LinedList" loCatId="list" qsTypeId="urn:microsoft.com/office/officeart/2005/8/quickstyle/simple1" qsCatId="simple" csTypeId="urn:microsoft.com/office/officeart/2005/8/colors/accent1_2" csCatId="accent1"/>
+      <dgm:spPr/>
+      <dgm:t>
+        <a:bodyPr/>
+        <a:lstStyle/>
+        <a:p>
+          <a:endParaRPr lang="en-US"/>
+        </a:p>
+      </dgm:t>
+    </dgm:pt>
+    <dgm:pt modelId="{07D1C4A2-3650-4E24-9BB9-975BDB49AF60}">
+      <dgm:prSet/>
+      <dgm:spPr/>
+      <dgm:t>
+        <a:bodyPr/>
+        <a:lstStyle/>
+        <a:p>
+          <a:r>
+            <a:rPr lang="en-US"/>
+            <a:t>Regex Improvements</a:t>
+          </a:r>
+        </a:p>
+      </dgm:t>
+    </dgm:pt>
+    <dgm:pt modelId="{F2262D6B-5B48-45E6-8264-4190F9E6C0BD}" type="parTrans" cxnId="{3036B470-96C6-4832-832F-B2B810B97CF1}">
+      <dgm:prSet/>
+      <dgm:spPr/>
+      <dgm:t>
+        <a:bodyPr/>
+        <a:lstStyle/>
+        <a:p>
+          <a:endParaRPr lang="en-US"/>
+        </a:p>
+      </dgm:t>
+    </dgm:pt>
+    <dgm:pt modelId="{8DDCE3E9-DC10-4CCE-B8B3-648321CB774C}" type="sibTrans" cxnId="{3036B470-96C6-4832-832F-B2B810B97CF1}">
+      <dgm:prSet/>
+      <dgm:spPr/>
+      <dgm:t>
+        <a:bodyPr/>
+        <a:lstStyle/>
+        <a:p>
+          <a:endParaRPr lang="en-US"/>
+        </a:p>
+      </dgm:t>
+    </dgm:pt>
+    <dgm:pt modelId="{BC6C870E-6FBA-4475-817A-E65284A264B0}">
+      <dgm:prSet/>
+      <dgm:spPr/>
+      <dgm:t>
+        <a:bodyPr/>
+        <a:lstStyle/>
+        <a:p>
+          <a:r>
+            <a:rPr lang="en-US"/>
+            <a:t>Simplified LINQ Ordering</a:t>
+          </a:r>
+        </a:p>
+      </dgm:t>
+    </dgm:pt>
+    <dgm:pt modelId="{6B873BAE-134B-4F5A-83A6-AE2B2D88838F}" type="parTrans" cxnId="{173E24D9-9AC2-4C79-B4BC-AAECAAD73BAB}">
+      <dgm:prSet/>
+      <dgm:spPr/>
+      <dgm:t>
+        <a:bodyPr/>
+        <a:lstStyle/>
+        <a:p>
+          <a:endParaRPr lang="en-US"/>
+        </a:p>
+      </dgm:t>
+    </dgm:pt>
+    <dgm:pt modelId="{995FE8F5-9386-4249-8336-C7698F9735FA}" type="sibTrans" cxnId="{173E24D9-9AC2-4C79-B4BC-AAECAAD73BAB}">
+      <dgm:prSet/>
+      <dgm:spPr/>
+      <dgm:t>
+        <a:bodyPr/>
+        <a:lstStyle/>
+        <a:p>
+          <a:endParaRPr lang="en-US"/>
+        </a:p>
+      </dgm:t>
+    </dgm:pt>
+    <dgm:pt modelId="{7B7EA14B-FB0B-41C4-8086-E35E6EF261E5}">
+      <dgm:prSet/>
+      <dgm:spPr/>
+      <dgm:t>
+        <a:bodyPr/>
+        <a:lstStyle/>
+        <a:p>
+          <a:r>
+            <a:rPr lang="en-US"/>
+            <a:t>Reflection Improvements</a:t>
+          </a:r>
+        </a:p>
+      </dgm:t>
+    </dgm:pt>
+    <dgm:pt modelId="{A3BF6946-8119-4560-873D-C1BDC56011CA}" type="parTrans" cxnId="{20B65CC9-06FA-4A09-99FA-63CA57A72F1A}">
+      <dgm:prSet/>
+      <dgm:spPr/>
+      <dgm:t>
+        <a:bodyPr/>
+        <a:lstStyle/>
+        <a:p>
+          <a:endParaRPr lang="en-US"/>
+        </a:p>
+      </dgm:t>
+    </dgm:pt>
+    <dgm:pt modelId="{2DB5AA33-ED51-4074-8C68-CDA44CAAF335}" type="sibTrans" cxnId="{20B65CC9-06FA-4A09-99FA-63CA57A72F1A}">
+      <dgm:prSet/>
+      <dgm:spPr/>
+      <dgm:t>
+        <a:bodyPr/>
+        <a:lstStyle/>
+        <a:p>
+          <a:endParaRPr lang="en-US"/>
+        </a:p>
+      </dgm:t>
+    </dgm:pt>
+    <dgm:pt modelId="{25DCD56C-4AF5-49C4-AA3B-7F99953FD031}">
+      <dgm:prSet/>
+      <dgm:spPr/>
+      <dgm:t>
+        <a:bodyPr/>
+        <a:lstStyle/>
+        <a:p>
+          <a:r>
+            <a:rPr lang="en-US"/>
+            <a:t>Nanoseconds In DateTime</a:t>
+          </a:r>
+        </a:p>
+      </dgm:t>
+    </dgm:pt>
+    <dgm:pt modelId="{8C062E8B-8209-4A9F-8A98-2B7075BE7BA2}" type="parTrans" cxnId="{5B43E15B-4F63-40E2-919F-482EDC72E1AB}">
+      <dgm:prSet/>
+      <dgm:spPr/>
+      <dgm:t>
+        <a:bodyPr/>
+        <a:lstStyle/>
+        <a:p>
+          <a:endParaRPr lang="en-US"/>
+        </a:p>
+      </dgm:t>
+    </dgm:pt>
+    <dgm:pt modelId="{54E3786F-A620-43A7-864B-A97D7D595CA7}" type="sibTrans" cxnId="{5B43E15B-4F63-40E2-919F-482EDC72E1AB}">
+      <dgm:prSet/>
+      <dgm:spPr/>
+      <dgm:t>
+        <a:bodyPr/>
+        <a:lstStyle/>
+        <a:p>
+          <a:endParaRPr lang="en-US"/>
+        </a:p>
+      </dgm:t>
+    </dgm:pt>
+    <dgm:pt modelId="{74C33119-9612-48DC-A91C-74284619AE5D}">
+      <dgm:prSet/>
+      <dgm:spPr/>
+      <dgm:t>
+        <a:bodyPr/>
+        <a:lstStyle/>
+        <a:p>
+          <a:r>
+            <a:rPr lang="en-US"/>
+            <a:t>Memory Caching Improvements</a:t>
+          </a:r>
+        </a:p>
+      </dgm:t>
+    </dgm:pt>
+    <dgm:pt modelId="{36BF8438-C9B4-406A-AB22-8CDC8E8F0494}" type="parTrans" cxnId="{66D39B1E-A839-4CE4-9806-536797A6E9AD}">
+      <dgm:prSet/>
+      <dgm:spPr/>
+      <dgm:t>
+        <a:bodyPr/>
+        <a:lstStyle/>
+        <a:p>
+          <a:endParaRPr lang="en-US"/>
+        </a:p>
+      </dgm:t>
+    </dgm:pt>
+    <dgm:pt modelId="{8BF54B89-AB17-404B-BAF8-1D78B93167F2}" type="sibTrans" cxnId="{66D39B1E-A839-4CE4-9806-536797A6E9AD}">
+      <dgm:prSet/>
+      <dgm:spPr/>
+      <dgm:t>
+        <a:bodyPr/>
+        <a:lstStyle/>
+        <a:p>
+          <a:endParaRPr lang="en-US"/>
+        </a:p>
+      </dgm:t>
+    </dgm:pt>
+    <dgm:pt modelId="{5BEE642B-6D3C-4D86-BE15-4901651D4261}" type="pres">
+      <dgm:prSet presAssocID="{381F8AF6-ED66-4734-A466-A84C8FFA6011}" presName="vert0" presStyleCnt="0">
+        <dgm:presLayoutVars>
+          <dgm:dir/>
+          <dgm:animOne val="branch"/>
+          <dgm:animLvl val="lvl"/>
+        </dgm:presLayoutVars>
+      </dgm:prSet>
+      <dgm:spPr/>
+    </dgm:pt>
+    <dgm:pt modelId="{84E32828-4706-445E-9984-C922F0E77B9A}" type="pres">
+      <dgm:prSet presAssocID="{07D1C4A2-3650-4E24-9BB9-975BDB49AF60}" presName="thickLine" presStyleLbl="alignNode1" presStyleIdx="0" presStyleCnt="5"/>
+      <dgm:spPr/>
+    </dgm:pt>
+    <dgm:pt modelId="{0F980581-0671-4FB7-81B3-73143FA8798A}" type="pres">
+      <dgm:prSet presAssocID="{07D1C4A2-3650-4E24-9BB9-975BDB49AF60}" presName="horz1" presStyleCnt="0"/>
+      <dgm:spPr/>
+    </dgm:pt>
+    <dgm:pt modelId="{8B5C5954-9A3B-4749-989A-97BE7B136DA5}" type="pres">
+      <dgm:prSet presAssocID="{07D1C4A2-3650-4E24-9BB9-975BDB49AF60}" presName="tx1" presStyleLbl="revTx" presStyleIdx="0" presStyleCnt="5"/>
+      <dgm:spPr/>
+    </dgm:pt>
+    <dgm:pt modelId="{2B04FF67-89C4-4E84-8F80-F7C986448F22}" type="pres">
+      <dgm:prSet presAssocID="{07D1C4A2-3650-4E24-9BB9-975BDB49AF60}" presName="vert1" presStyleCnt="0"/>
+      <dgm:spPr/>
+    </dgm:pt>
+    <dgm:pt modelId="{502C0E10-35F1-41B2-8FA7-C4DFFB49CD58}" type="pres">
+      <dgm:prSet presAssocID="{BC6C870E-6FBA-4475-817A-E65284A264B0}" presName="thickLine" presStyleLbl="alignNode1" presStyleIdx="1" presStyleCnt="5"/>
+      <dgm:spPr/>
+    </dgm:pt>
+    <dgm:pt modelId="{AB3DC2DC-4911-490E-84ED-4BDF32DA28B2}" type="pres">
+      <dgm:prSet presAssocID="{BC6C870E-6FBA-4475-817A-E65284A264B0}" presName="horz1" presStyleCnt="0"/>
+      <dgm:spPr/>
+    </dgm:pt>
+    <dgm:pt modelId="{4B9CE6FF-5E67-4152-904B-04B12265FCE2}" type="pres">
+      <dgm:prSet presAssocID="{BC6C870E-6FBA-4475-817A-E65284A264B0}" presName="tx1" presStyleLbl="revTx" presStyleIdx="1" presStyleCnt="5"/>
+      <dgm:spPr/>
+    </dgm:pt>
+    <dgm:pt modelId="{11E29D36-399A-4335-82C3-F296D89FE949}" type="pres">
+      <dgm:prSet presAssocID="{BC6C870E-6FBA-4475-817A-E65284A264B0}" presName="vert1" presStyleCnt="0"/>
+      <dgm:spPr/>
+    </dgm:pt>
+    <dgm:pt modelId="{A39AAF7A-08AC-42FB-91A0-C61AD58078D1}" type="pres">
+      <dgm:prSet presAssocID="{7B7EA14B-FB0B-41C4-8086-E35E6EF261E5}" presName="thickLine" presStyleLbl="alignNode1" presStyleIdx="2" presStyleCnt="5"/>
+      <dgm:spPr/>
+    </dgm:pt>
+    <dgm:pt modelId="{787FF08B-A75D-4D00-9C50-1A776FE7506E}" type="pres">
+      <dgm:prSet presAssocID="{7B7EA14B-FB0B-41C4-8086-E35E6EF261E5}" presName="horz1" presStyleCnt="0"/>
+      <dgm:spPr/>
+    </dgm:pt>
+    <dgm:pt modelId="{FB720803-8746-4E58-91B6-8862665D7988}" type="pres">
+      <dgm:prSet presAssocID="{7B7EA14B-FB0B-41C4-8086-E35E6EF261E5}" presName="tx1" presStyleLbl="revTx" presStyleIdx="2" presStyleCnt="5"/>
+      <dgm:spPr/>
+    </dgm:pt>
+    <dgm:pt modelId="{DB96C2AF-0A6D-4147-B04D-F1D835177FC3}" type="pres">
+      <dgm:prSet presAssocID="{7B7EA14B-FB0B-41C4-8086-E35E6EF261E5}" presName="vert1" presStyleCnt="0"/>
+      <dgm:spPr/>
+    </dgm:pt>
+    <dgm:pt modelId="{93BB356D-CD62-4BD9-8F2D-3985BA7F4BEC}" type="pres">
+      <dgm:prSet presAssocID="{25DCD56C-4AF5-49C4-AA3B-7F99953FD031}" presName="thickLine" presStyleLbl="alignNode1" presStyleIdx="3" presStyleCnt="5"/>
+      <dgm:spPr/>
+    </dgm:pt>
+    <dgm:pt modelId="{36CA2717-ADFE-439F-A92F-CCBD5904C142}" type="pres">
+      <dgm:prSet presAssocID="{25DCD56C-4AF5-49C4-AA3B-7F99953FD031}" presName="horz1" presStyleCnt="0"/>
+      <dgm:spPr/>
+    </dgm:pt>
+    <dgm:pt modelId="{83FE9F09-A0B1-47BF-940B-786D6C188236}" type="pres">
+      <dgm:prSet presAssocID="{25DCD56C-4AF5-49C4-AA3B-7F99953FD031}" presName="tx1" presStyleLbl="revTx" presStyleIdx="3" presStyleCnt="5"/>
+      <dgm:spPr/>
+    </dgm:pt>
+    <dgm:pt modelId="{7D973B50-4411-4A91-930F-93B4E19CF611}" type="pres">
+      <dgm:prSet presAssocID="{25DCD56C-4AF5-49C4-AA3B-7F99953FD031}" presName="vert1" presStyleCnt="0"/>
+      <dgm:spPr/>
+    </dgm:pt>
+    <dgm:pt modelId="{8888D7EA-78BF-4EA9-ACE6-61BAE3BB80CF}" type="pres">
+      <dgm:prSet presAssocID="{74C33119-9612-48DC-A91C-74284619AE5D}" presName="thickLine" presStyleLbl="alignNode1" presStyleIdx="4" presStyleCnt="5"/>
+      <dgm:spPr/>
+    </dgm:pt>
+    <dgm:pt modelId="{B18451C2-A812-4626-B21C-77406804CB4D}" type="pres">
+      <dgm:prSet presAssocID="{74C33119-9612-48DC-A91C-74284619AE5D}" presName="horz1" presStyleCnt="0"/>
+      <dgm:spPr/>
+    </dgm:pt>
+    <dgm:pt modelId="{6613585D-EE8D-448F-9AA5-29CD087501DD}" type="pres">
+      <dgm:prSet presAssocID="{74C33119-9612-48DC-A91C-74284619AE5D}" presName="tx1" presStyleLbl="revTx" presStyleIdx="4" presStyleCnt="5"/>
+      <dgm:spPr/>
+    </dgm:pt>
+    <dgm:pt modelId="{9B63B9C0-BBC1-46B9-A915-FC1CD448CC76}" type="pres">
+      <dgm:prSet presAssocID="{74C33119-9612-48DC-A91C-74284619AE5D}" presName="vert1" presStyleCnt="0"/>
+      <dgm:spPr/>
+    </dgm:pt>
+  </dgm:ptLst>
+  <dgm:cxnLst>
+    <dgm:cxn modelId="{66D39B1E-A839-4CE4-9806-536797A6E9AD}" srcId="{381F8AF6-ED66-4734-A466-A84C8FFA6011}" destId="{74C33119-9612-48DC-A91C-74284619AE5D}" srcOrd="4" destOrd="0" parTransId="{36BF8438-C9B4-406A-AB22-8CDC8E8F0494}" sibTransId="{8BF54B89-AB17-404B-BAF8-1D78B93167F2}"/>
+    <dgm:cxn modelId="{5B43E15B-4F63-40E2-919F-482EDC72E1AB}" srcId="{381F8AF6-ED66-4734-A466-A84C8FFA6011}" destId="{25DCD56C-4AF5-49C4-AA3B-7F99953FD031}" srcOrd="3" destOrd="0" parTransId="{8C062E8B-8209-4A9F-8A98-2B7075BE7BA2}" sibTransId="{54E3786F-A620-43A7-864B-A97D7D595CA7}"/>
+    <dgm:cxn modelId="{BF78D75F-E234-4ABF-9222-306CDA8BD3EB}" type="presOf" srcId="{07D1C4A2-3650-4E24-9BB9-975BDB49AF60}" destId="{8B5C5954-9A3B-4749-989A-97BE7B136DA5}" srcOrd="0" destOrd="0" presId="urn:microsoft.com/office/officeart/2008/layout/LinedList"/>
+    <dgm:cxn modelId="{A73F6441-5DD1-4AB9-B2A9-32838DAE4543}" type="presOf" srcId="{25DCD56C-4AF5-49C4-AA3B-7F99953FD031}" destId="{83FE9F09-A0B1-47BF-940B-786D6C188236}" srcOrd="0" destOrd="0" presId="urn:microsoft.com/office/officeart/2008/layout/LinedList"/>
+    <dgm:cxn modelId="{408AB867-B086-4CE7-91A6-48F9B5907DAD}" type="presOf" srcId="{381F8AF6-ED66-4734-A466-A84C8FFA6011}" destId="{5BEE642B-6D3C-4D86-BE15-4901651D4261}" srcOrd="0" destOrd="0" presId="urn:microsoft.com/office/officeart/2008/layout/LinedList"/>
+    <dgm:cxn modelId="{3036B470-96C6-4832-832F-B2B810B97CF1}" srcId="{381F8AF6-ED66-4734-A466-A84C8FFA6011}" destId="{07D1C4A2-3650-4E24-9BB9-975BDB49AF60}" srcOrd="0" destOrd="0" parTransId="{F2262D6B-5B48-45E6-8264-4190F9E6C0BD}" sibTransId="{8DDCE3E9-DC10-4CCE-B8B3-648321CB774C}"/>
+    <dgm:cxn modelId="{1B624272-DDAC-46AD-AFF0-714232D2935F}" type="presOf" srcId="{7B7EA14B-FB0B-41C4-8086-E35E6EF261E5}" destId="{FB720803-8746-4E58-91B6-8862665D7988}" srcOrd="0" destOrd="0" presId="urn:microsoft.com/office/officeart/2008/layout/LinedList"/>
+    <dgm:cxn modelId="{AF86AB88-4B1F-4214-93F5-EE774459CEC0}" type="presOf" srcId="{74C33119-9612-48DC-A91C-74284619AE5D}" destId="{6613585D-EE8D-448F-9AA5-29CD087501DD}" srcOrd="0" destOrd="0" presId="urn:microsoft.com/office/officeart/2008/layout/LinedList"/>
+    <dgm:cxn modelId="{20B65CC9-06FA-4A09-99FA-63CA57A72F1A}" srcId="{381F8AF6-ED66-4734-A466-A84C8FFA6011}" destId="{7B7EA14B-FB0B-41C4-8086-E35E6EF261E5}" srcOrd="2" destOrd="0" parTransId="{A3BF6946-8119-4560-873D-C1BDC56011CA}" sibTransId="{2DB5AA33-ED51-4074-8C68-CDA44CAAF335}"/>
+    <dgm:cxn modelId="{173E24D9-9AC2-4C79-B4BC-AAECAAD73BAB}" srcId="{381F8AF6-ED66-4734-A466-A84C8FFA6011}" destId="{BC6C870E-6FBA-4475-817A-E65284A264B0}" srcOrd="1" destOrd="0" parTransId="{6B873BAE-134B-4F5A-83A6-AE2B2D88838F}" sibTransId="{995FE8F5-9386-4249-8336-C7698F9735FA}"/>
+    <dgm:cxn modelId="{F0C853F0-1DA1-4A40-A41D-5C2AB3FAB618}" type="presOf" srcId="{BC6C870E-6FBA-4475-817A-E65284A264B0}" destId="{4B9CE6FF-5E67-4152-904B-04B12265FCE2}" srcOrd="0" destOrd="0" presId="urn:microsoft.com/office/officeart/2008/layout/LinedList"/>
+    <dgm:cxn modelId="{5CD73F3A-6CD4-49B9-852B-92BB375F87B0}" type="presParOf" srcId="{5BEE642B-6D3C-4D86-BE15-4901651D4261}" destId="{84E32828-4706-445E-9984-C922F0E77B9A}" srcOrd="0" destOrd="0" presId="urn:microsoft.com/office/officeart/2008/layout/LinedList"/>
+    <dgm:cxn modelId="{076455EA-9F58-468C-97CC-4F1DF8C0FF5C}" type="presParOf" srcId="{5BEE642B-6D3C-4D86-BE15-4901651D4261}" destId="{0F980581-0671-4FB7-81B3-73143FA8798A}" srcOrd="1" destOrd="0" presId="urn:microsoft.com/office/officeart/2008/layout/LinedList"/>
+    <dgm:cxn modelId="{0A7CF72D-A730-4A38-9301-EB276467AF62}" type="presParOf" srcId="{0F980581-0671-4FB7-81B3-73143FA8798A}" destId="{8B5C5954-9A3B-4749-989A-97BE7B136DA5}" srcOrd="0" destOrd="0" presId="urn:microsoft.com/office/officeart/2008/layout/LinedList"/>
+    <dgm:cxn modelId="{DD73479B-0468-45E6-BA08-E0745062D2DF}" type="presParOf" srcId="{0F980581-0671-4FB7-81B3-73143FA8798A}" destId="{2B04FF67-89C4-4E84-8F80-F7C986448F22}" srcOrd="1" destOrd="0" presId="urn:microsoft.com/office/officeart/2008/layout/LinedList"/>
+    <dgm:cxn modelId="{3DA16DE8-1048-4E3D-89DE-43AE70519289}" type="presParOf" srcId="{5BEE642B-6D3C-4D86-BE15-4901651D4261}" destId="{502C0E10-35F1-41B2-8FA7-C4DFFB49CD58}" srcOrd="2" destOrd="0" presId="urn:microsoft.com/office/officeart/2008/layout/LinedList"/>
+    <dgm:cxn modelId="{626AF5E7-F129-4DC7-AF76-AF5919AA8A2B}" type="presParOf" srcId="{5BEE642B-6D3C-4D86-BE15-4901651D4261}" destId="{AB3DC2DC-4911-490E-84ED-4BDF32DA28B2}" srcOrd="3" destOrd="0" presId="urn:microsoft.com/office/officeart/2008/layout/LinedList"/>
+    <dgm:cxn modelId="{6E844C1D-A3C6-4AAF-8BAF-0A46E0F1492D}" type="presParOf" srcId="{AB3DC2DC-4911-490E-84ED-4BDF32DA28B2}" destId="{4B9CE6FF-5E67-4152-904B-04B12265FCE2}" srcOrd="0" destOrd="0" presId="urn:microsoft.com/office/officeart/2008/layout/LinedList"/>
+    <dgm:cxn modelId="{60B79097-50DE-4576-B901-6AFC2358C697}" type="presParOf" srcId="{AB3DC2DC-4911-490E-84ED-4BDF32DA28B2}" destId="{11E29D36-399A-4335-82C3-F296D89FE949}" srcOrd="1" destOrd="0" presId="urn:microsoft.com/office/officeart/2008/layout/LinedList"/>
+    <dgm:cxn modelId="{67F951BA-2E11-4107-8C08-530529D8E915}" type="presParOf" srcId="{5BEE642B-6D3C-4D86-BE15-4901651D4261}" destId="{A39AAF7A-08AC-42FB-91A0-C61AD58078D1}" srcOrd="4" destOrd="0" presId="urn:microsoft.com/office/officeart/2008/layout/LinedList"/>
+    <dgm:cxn modelId="{69B8ECB9-B52E-43D5-8CEC-99C91276526F}" type="presParOf" srcId="{5BEE642B-6D3C-4D86-BE15-4901651D4261}" destId="{787FF08B-A75D-4D00-9C50-1A776FE7506E}" srcOrd="5" destOrd="0" presId="urn:microsoft.com/office/officeart/2008/layout/LinedList"/>
+    <dgm:cxn modelId="{02B3D2D2-92D8-4E39-8E67-1AFFD07A3A92}" type="presParOf" srcId="{787FF08B-A75D-4D00-9C50-1A776FE7506E}" destId="{FB720803-8746-4E58-91B6-8862665D7988}" srcOrd="0" destOrd="0" presId="urn:microsoft.com/office/officeart/2008/layout/LinedList"/>
+    <dgm:cxn modelId="{E582C590-D775-42A3-BA2C-055D933C692E}" type="presParOf" srcId="{787FF08B-A75D-4D00-9C50-1A776FE7506E}" destId="{DB96C2AF-0A6D-4147-B04D-F1D835177FC3}" srcOrd="1" destOrd="0" presId="urn:microsoft.com/office/officeart/2008/layout/LinedList"/>
+    <dgm:cxn modelId="{606C55AF-1EA1-4195-B268-C9B5D1DE5893}" type="presParOf" srcId="{5BEE642B-6D3C-4D86-BE15-4901651D4261}" destId="{93BB356D-CD62-4BD9-8F2D-3985BA7F4BEC}" srcOrd="6" destOrd="0" presId="urn:microsoft.com/office/officeart/2008/layout/LinedList"/>
+    <dgm:cxn modelId="{DF5226E5-E82F-4779-9961-CDE281D4A0A3}" type="presParOf" srcId="{5BEE642B-6D3C-4D86-BE15-4901651D4261}" destId="{36CA2717-ADFE-439F-A92F-CCBD5904C142}" srcOrd="7" destOrd="0" presId="urn:microsoft.com/office/officeart/2008/layout/LinedList"/>
+    <dgm:cxn modelId="{9917D3F2-714E-4AFA-BE4F-EB477F6D1BD6}" type="presParOf" srcId="{36CA2717-ADFE-439F-A92F-CCBD5904C142}" destId="{83FE9F09-A0B1-47BF-940B-786D6C188236}" srcOrd="0" destOrd="0" presId="urn:microsoft.com/office/officeart/2008/layout/LinedList"/>
+    <dgm:cxn modelId="{851DE69E-BEB7-485C-A58C-6AD089B3575E}" type="presParOf" srcId="{36CA2717-ADFE-439F-A92F-CCBD5904C142}" destId="{7D973B50-4411-4A91-930F-93B4E19CF611}" srcOrd="1" destOrd="0" presId="urn:microsoft.com/office/officeart/2008/layout/LinedList"/>
+    <dgm:cxn modelId="{7C6B9CAA-EB27-4B25-A79B-C9052CC9E812}" type="presParOf" srcId="{5BEE642B-6D3C-4D86-BE15-4901651D4261}" destId="{8888D7EA-78BF-4EA9-ACE6-61BAE3BB80CF}" srcOrd="8" destOrd="0" presId="urn:microsoft.com/office/officeart/2008/layout/LinedList"/>
+    <dgm:cxn modelId="{F8F3B02F-BB15-4B6E-A5A9-3A4C2972671A}" type="presParOf" srcId="{5BEE642B-6D3C-4D86-BE15-4901651D4261}" destId="{B18451C2-A812-4626-B21C-77406804CB4D}" srcOrd="9" destOrd="0" presId="urn:microsoft.com/office/officeart/2008/layout/LinedList"/>
+    <dgm:cxn modelId="{9433BC48-3A07-43BF-B545-7B59391DA7CA}" type="presParOf" srcId="{B18451C2-A812-4626-B21C-77406804CB4D}" destId="{6613585D-EE8D-448F-9AA5-29CD087501DD}" srcOrd="0" destOrd="0" presId="urn:microsoft.com/office/officeart/2008/layout/LinedList"/>
+    <dgm:cxn modelId="{F2C2E951-11AE-4FB5-BFBE-918D2FD780E6}" type="presParOf" srcId="{B18451C2-A812-4626-B21C-77406804CB4D}" destId="{9B63B9C0-BBC1-46B9-A915-FC1CD448CC76}" srcOrd="1" destOrd="0" presId="urn:microsoft.com/office/officeart/2008/layout/LinedList"/>
+  </dgm:cxnLst>
+  <dgm:bg/>
+  <dgm:whole/>
+  <dgm:extLst>
+    <a:ext uri="http://schemas.microsoft.com/office/drawing/2008/diagram">
+      <dsp:dataModelExt xmlns:dsp="http://schemas.microsoft.com/office/drawing/2008/diagram" relId="rId6" minVer="http://schemas.openxmlformats.org/drawingml/2006/diagram"/>
+    </a:ext>
+  </dgm:extLst>
+</dgm:dataModel>
+</file>
+
+<file path=ppt/diagrams/drawing1.xml><?xml version="1.0" encoding="utf-8"?>
+<dsp:drawing xmlns:dgm="http://schemas.openxmlformats.org/drawingml/2006/diagram" xmlns:dsp="http://schemas.microsoft.com/office/drawing/2008/diagram" xmlns:a="http://schemas.openxmlformats.org/drawingml/2006/main">
+  <dsp:spTree>
+    <dsp:nvGrpSpPr>
+      <dsp:cNvPr id="0" name=""/>
+      <dsp:cNvGrpSpPr/>
+    </dsp:nvGrpSpPr>
+    <dsp:grpSpPr/>
+    <dsp:sp modelId="{84E32828-4706-445E-9984-C922F0E77B9A}">
+      <dsp:nvSpPr>
+        <dsp:cNvPr id="0" name=""/>
+        <dsp:cNvSpPr/>
+      </dsp:nvSpPr>
+      <dsp:spPr>
+        <a:xfrm>
+          <a:off x="0" y="381"/>
+          <a:ext cx="9905998" cy="0"/>
+        </a:xfrm>
+        <a:prstGeom prst="line">
+          <a:avLst/>
+        </a:prstGeom>
+        <a:solidFill>
+          <a:schemeClr val="accent1">
+            <a:hueOff val="0"/>
+            <a:satOff val="0"/>
+            <a:lumOff val="0"/>
+            <a:alphaOff val="0"/>
+          </a:schemeClr>
+        </a:solidFill>
+        <a:ln w="19050" cap="rnd" cmpd="sng" algn="ctr">
+          <a:solidFill>
+            <a:schemeClr val="accent1">
+              <a:hueOff val="0"/>
+              <a:satOff val="0"/>
+              <a:lumOff val="0"/>
+              <a:alphaOff val="0"/>
+            </a:schemeClr>
+          </a:solidFill>
+          <a:prstDash val="solid"/>
+        </a:ln>
+        <a:effectLst/>
+      </dsp:spPr>
+      <dsp:style>
+        <a:lnRef idx="2">
+          <a:scrgbClr r="0" g="0" b="0"/>
+        </a:lnRef>
+        <a:fillRef idx="1">
+          <a:scrgbClr r="0" g="0" b="0"/>
+        </a:fillRef>
+        <a:effectRef idx="0">
+          <a:scrgbClr r="0" g="0" b="0"/>
+        </a:effectRef>
+        <a:fontRef idx="minor">
+          <a:schemeClr val="lt1"/>
+        </a:fontRef>
+      </dsp:style>
+    </dsp:sp>
+    <dsp:sp modelId="{8B5C5954-9A3B-4749-989A-97BE7B136DA5}">
+      <dsp:nvSpPr>
+        <dsp:cNvPr id="0" name=""/>
+        <dsp:cNvSpPr/>
+      </dsp:nvSpPr>
+      <dsp:spPr>
+        <a:xfrm>
+          <a:off x="0" y="381"/>
+          <a:ext cx="9905998" cy="624687"/>
+        </a:xfrm>
+        <a:prstGeom prst="rect">
+          <a:avLst/>
+        </a:prstGeom>
+        <a:noFill/>
+        <a:ln>
+          <a:noFill/>
+        </a:ln>
+        <a:effectLst/>
+      </dsp:spPr>
+      <dsp:style>
+        <a:lnRef idx="0">
+          <a:scrgbClr r="0" g="0" b="0"/>
+        </a:lnRef>
+        <a:fillRef idx="0">
+          <a:scrgbClr r="0" g="0" b="0"/>
+        </a:fillRef>
+        <a:effectRef idx="0">
+          <a:scrgbClr r="0" g="0" b="0"/>
+        </a:effectRef>
+        <a:fontRef idx="minor"/>
+      </dsp:style>
+      <dsp:txBody>
+        <a:bodyPr spcFirstLastPara="0" vert="horz" wrap="square" lIns="106680" tIns="106680" rIns="106680" bIns="106680" numCol="1" spcCol="1270" anchor="t" anchorCtr="0">
+          <a:noAutofit/>
+        </a:bodyPr>
+        <a:lstStyle/>
+        <a:p>
+          <a:pPr marL="0" lvl="0" indent="0" algn="l" defTabSz="1244600">
+            <a:lnSpc>
+              <a:spcPct val="90000"/>
+            </a:lnSpc>
+            <a:spcBef>
+              <a:spcPct val="0"/>
+            </a:spcBef>
+            <a:spcAft>
+              <a:spcPct val="35000"/>
+            </a:spcAft>
+            <a:buNone/>
+          </a:pPr>
+          <a:r>
+            <a:rPr lang="en-US" sz="2800" kern="1200"/>
+            <a:t>Regex Improvements</a:t>
+          </a:r>
+        </a:p>
+      </dsp:txBody>
+      <dsp:txXfrm>
+        <a:off x="0" y="381"/>
+        <a:ext cx="9905998" cy="624687"/>
+      </dsp:txXfrm>
+    </dsp:sp>
+    <dsp:sp modelId="{502C0E10-35F1-41B2-8FA7-C4DFFB49CD58}">
+      <dsp:nvSpPr>
+        <dsp:cNvPr id="0" name=""/>
+        <dsp:cNvSpPr/>
+      </dsp:nvSpPr>
+      <dsp:spPr>
+        <a:xfrm>
+          <a:off x="0" y="625069"/>
+          <a:ext cx="9905998" cy="0"/>
+        </a:xfrm>
+        <a:prstGeom prst="line">
+          <a:avLst/>
+        </a:prstGeom>
+        <a:solidFill>
+          <a:schemeClr val="accent1">
+            <a:hueOff val="0"/>
+            <a:satOff val="0"/>
+            <a:lumOff val="0"/>
+            <a:alphaOff val="0"/>
+          </a:schemeClr>
+        </a:solidFill>
+        <a:ln w="19050" cap="rnd" cmpd="sng" algn="ctr">
+          <a:solidFill>
+            <a:schemeClr val="accent1">
+              <a:hueOff val="0"/>
+              <a:satOff val="0"/>
+              <a:lumOff val="0"/>
+              <a:alphaOff val="0"/>
+            </a:schemeClr>
+          </a:solidFill>
+          <a:prstDash val="solid"/>
+        </a:ln>
+        <a:effectLst/>
+      </dsp:spPr>
+      <dsp:style>
+        <a:lnRef idx="2">
+          <a:scrgbClr r="0" g="0" b="0"/>
+        </a:lnRef>
+        <a:fillRef idx="1">
+          <a:scrgbClr r="0" g="0" b="0"/>
+        </a:fillRef>
+        <a:effectRef idx="0">
+          <a:scrgbClr r="0" g="0" b="0"/>
+        </a:effectRef>
+        <a:fontRef idx="minor">
+          <a:schemeClr val="lt1"/>
+        </a:fontRef>
+      </dsp:style>
+    </dsp:sp>
+    <dsp:sp modelId="{4B9CE6FF-5E67-4152-904B-04B12265FCE2}">
+      <dsp:nvSpPr>
+        <dsp:cNvPr id="0" name=""/>
+        <dsp:cNvSpPr/>
+      </dsp:nvSpPr>
+      <dsp:spPr>
+        <a:xfrm>
+          <a:off x="0" y="625069"/>
+          <a:ext cx="9905998" cy="624687"/>
+        </a:xfrm>
+        <a:prstGeom prst="rect">
+          <a:avLst/>
+        </a:prstGeom>
+        <a:noFill/>
+        <a:ln>
+          <a:noFill/>
+        </a:ln>
+        <a:effectLst/>
+      </dsp:spPr>
+      <dsp:style>
+        <a:lnRef idx="0">
+          <a:scrgbClr r="0" g="0" b="0"/>
+        </a:lnRef>
+        <a:fillRef idx="0">
+          <a:scrgbClr r="0" g="0" b="0"/>
+        </a:fillRef>
+        <a:effectRef idx="0">
+          <a:scrgbClr r="0" g="0" b="0"/>
+        </a:effectRef>
+        <a:fontRef idx="minor"/>
+      </dsp:style>
+      <dsp:txBody>
+        <a:bodyPr spcFirstLastPara="0" vert="horz" wrap="square" lIns="106680" tIns="106680" rIns="106680" bIns="106680" numCol="1" spcCol="1270" anchor="t" anchorCtr="0">
+          <a:noAutofit/>
+        </a:bodyPr>
+        <a:lstStyle/>
+        <a:p>
+          <a:pPr marL="0" lvl="0" indent="0" algn="l" defTabSz="1244600">
+            <a:lnSpc>
+              <a:spcPct val="90000"/>
+            </a:lnSpc>
+            <a:spcBef>
+              <a:spcPct val="0"/>
+            </a:spcBef>
+            <a:spcAft>
+              <a:spcPct val="35000"/>
+            </a:spcAft>
+            <a:buNone/>
+          </a:pPr>
+          <a:r>
+            <a:rPr lang="en-US" sz="2800" kern="1200"/>
+            <a:t>Simplified LINQ Ordering</a:t>
+          </a:r>
+        </a:p>
+      </dsp:txBody>
+      <dsp:txXfrm>
+        <a:off x="0" y="625069"/>
+        <a:ext cx="9905998" cy="624687"/>
+      </dsp:txXfrm>
+    </dsp:sp>
+    <dsp:sp modelId="{A39AAF7A-08AC-42FB-91A0-C61AD58078D1}">
+      <dsp:nvSpPr>
+        <dsp:cNvPr id="0" name=""/>
+        <dsp:cNvSpPr/>
+      </dsp:nvSpPr>
+      <dsp:spPr>
+        <a:xfrm>
+          <a:off x="0" y="1249756"/>
+          <a:ext cx="9905998" cy="0"/>
+        </a:xfrm>
+        <a:prstGeom prst="line">
+          <a:avLst/>
+        </a:prstGeom>
+        <a:solidFill>
+          <a:schemeClr val="accent1">
+            <a:hueOff val="0"/>
+            <a:satOff val="0"/>
+            <a:lumOff val="0"/>
+            <a:alphaOff val="0"/>
+          </a:schemeClr>
+        </a:solidFill>
+        <a:ln w="19050" cap="rnd" cmpd="sng" algn="ctr">
+          <a:solidFill>
+            <a:schemeClr val="accent1">
+              <a:hueOff val="0"/>
+              <a:satOff val="0"/>
+              <a:lumOff val="0"/>
+              <a:alphaOff val="0"/>
+            </a:schemeClr>
+          </a:solidFill>
+          <a:prstDash val="solid"/>
+        </a:ln>
+        <a:effectLst/>
+      </dsp:spPr>
+      <dsp:style>
+        <a:lnRef idx="2">
+          <a:scrgbClr r="0" g="0" b="0"/>
+        </a:lnRef>
+        <a:fillRef idx="1">
+          <a:scrgbClr r="0" g="0" b="0"/>
+        </a:fillRef>
+        <a:effectRef idx="0">
+          <a:scrgbClr r="0" g="0" b="0"/>
+        </a:effectRef>
+        <a:fontRef idx="minor">
+          <a:schemeClr val="lt1"/>
+        </a:fontRef>
+      </dsp:style>
+    </dsp:sp>
+    <dsp:sp modelId="{FB720803-8746-4E58-91B6-8862665D7988}">
+      <dsp:nvSpPr>
+        <dsp:cNvPr id="0" name=""/>
+        <dsp:cNvSpPr/>
+      </dsp:nvSpPr>
+      <dsp:spPr>
+        <a:xfrm>
+          <a:off x="0" y="1249756"/>
+          <a:ext cx="9905998" cy="624687"/>
+        </a:xfrm>
+        <a:prstGeom prst="rect">
+          <a:avLst/>
+        </a:prstGeom>
+        <a:noFill/>
+        <a:ln>
+          <a:noFill/>
+        </a:ln>
+        <a:effectLst/>
+      </dsp:spPr>
+      <dsp:style>
+        <a:lnRef idx="0">
+          <a:scrgbClr r="0" g="0" b="0"/>
+        </a:lnRef>
+        <a:fillRef idx="0">
+          <a:scrgbClr r="0" g="0" b="0"/>
+        </a:fillRef>
+        <a:effectRef idx="0">
+          <a:scrgbClr r="0" g="0" b="0"/>
+        </a:effectRef>
+        <a:fontRef idx="minor"/>
+      </dsp:style>
+      <dsp:txBody>
+        <a:bodyPr spcFirstLastPara="0" vert="horz" wrap="square" lIns="106680" tIns="106680" rIns="106680" bIns="106680" numCol="1" spcCol="1270" anchor="t" anchorCtr="0">
+          <a:noAutofit/>
+        </a:bodyPr>
+        <a:lstStyle/>
+        <a:p>
+          <a:pPr marL="0" lvl="0" indent="0" algn="l" defTabSz="1244600">
+            <a:lnSpc>
+              <a:spcPct val="90000"/>
+            </a:lnSpc>
+            <a:spcBef>
+              <a:spcPct val="0"/>
+            </a:spcBef>
+            <a:spcAft>
+              <a:spcPct val="35000"/>
+            </a:spcAft>
+            <a:buNone/>
+          </a:pPr>
+          <a:r>
+            <a:rPr lang="en-US" sz="2800" kern="1200"/>
+            <a:t>Reflection Improvements</a:t>
+          </a:r>
+        </a:p>
+      </dsp:txBody>
+      <dsp:txXfrm>
+        <a:off x="0" y="1249756"/>
+        <a:ext cx="9905998" cy="624687"/>
+      </dsp:txXfrm>
+    </dsp:sp>
+    <dsp:sp modelId="{93BB356D-CD62-4BD9-8F2D-3985BA7F4BEC}">
+      <dsp:nvSpPr>
+        <dsp:cNvPr id="0" name=""/>
+        <dsp:cNvSpPr/>
+      </dsp:nvSpPr>
+      <dsp:spPr>
+        <a:xfrm>
+          <a:off x="0" y="1874444"/>
+          <a:ext cx="9905998" cy="0"/>
+        </a:xfrm>
+        <a:prstGeom prst="line">
+          <a:avLst/>
+        </a:prstGeom>
+        <a:solidFill>
+          <a:schemeClr val="accent1">
+            <a:hueOff val="0"/>
+            <a:satOff val="0"/>
+            <a:lumOff val="0"/>
+            <a:alphaOff val="0"/>
+          </a:schemeClr>
+        </a:solidFill>
+        <a:ln w="19050" cap="rnd" cmpd="sng" algn="ctr">
+          <a:solidFill>
+            <a:schemeClr val="accent1">
+              <a:hueOff val="0"/>
+              <a:satOff val="0"/>
+              <a:lumOff val="0"/>
+              <a:alphaOff val="0"/>
+            </a:schemeClr>
+          </a:solidFill>
+          <a:prstDash val="solid"/>
+        </a:ln>
+        <a:effectLst/>
+      </dsp:spPr>
+      <dsp:style>
+        <a:lnRef idx="2">
+          <a:scrgbClr r="0" g="0" b="0"/>
+        </a:lnRef>
+        <a:fillRef idx="1">
+          <a:scrgbClr r="0" g="0" b="0"/>
+        </a:fillRef>
+        <a:effectRef idx="0">
+          <a:scrgbClr r="0" g="0" b="0"/>
+        </a:effectRef>
+        <a:fontRef idx="minor">
+          <a:schemeClr val="lt1"/>
+        </a:fontRef>
+      </dsp:style>
+    </dsp:sp>
+    <dsp:sp modelId="{83FE9F09-A0B1-47BF-940B-786D6C188236}">
+      <dsp:nvSpPr>
+        <dsp:cNvPr id="0" name=""/>
+        <dsp:cNvSpPr/>
+      </dsp:nvSpPr>
+      <dsp:spPr>
+        <a:xfrm>
+          <a:off x="0" y="1874444"/>
+          <a:ext cx="9905998" cy="624687"/>
+        </a:xfrm>
+        <a:prstGeom prst="rect">
+          <a:avLst/>
+        </a:prstGeom>
+        <a:noFill/>
+        <a:ln>
+          <a:noFill/>
+        </a:ln>
+        <a:effectLst/>
+      </dsp:spPr>
+      <dsp:style>
+        <a:lnRef idx="0">
+          <a:scrgbClr r="0" g="0" b="0"/>
+        </a:lnRef>
+        <a:fillRef idx="0">
+          <a:scrgbClr r="0" g="0" b="0"/>
+        </a:fillRef>
+        <a:effectRef idx="0">
+          <a:scrgbClr r="0" g="0" b="0"/>
+        </a:effectRef>
+        <a:fontRef idx="minor"/>
+      </dsp:style>
+      <dsp:txBody>
+        <a:bodyPr spcFirstLastPara="0" vert="horz" wrap="square" lIns="106680" tIns="106680" rIns="106680" bIns="106680" numCol="1" spcCol="1270" anchor="t" anchorCtr="0">
+          <a:noAutofit/>
+        </a:bodyPr>
+        <a:lstStyle/>
+        <a:p>
+          <a:pPr marL="0" lvl="0" indent="0" algn="l" defTabSz="1244600">
+            <a:lnSpc>
+              <a:spcPct val="90000"/>
+            </a:lnSpc>
+            <a:spcBef>
+              <a:spcPct val="0"/>
+            </a:spcBef>
+            <a:spcAft>
+              <a:spcPct val="35000"/>
+            </a:spcAft>
+            <a:buNone/>
+          </a:pPr>
+          <a:r>
+            <a:rPr lang="en-US" sz="2800" kern="1200"/>
+            <a:t>Nanoseconds In DateTime</a:t>
+          </a:r>
+        </a:p>
+      </dsp:txBody>
+      <dsp:txXfrm>
+        <a:off x="0" y="1874444"/>
+        <a:ext cx="9905998" cy="624687"/>
+      </dsp:txXfrm>
+    </dsp:sp>
+    <dsp:sp modelId="{8888D7EA-78BF-4EA9-ACE6-61BAE3BB80CF}">
+      <dsp:nvSpPr>
+        <dsp:cNvPr id="0" name=""/>
+        <dsp:cNvSpPr/>
+      </dsp:nvSpPr>
+      <dsp:spPr>
+        <a:xfrm>
+          <a:off x="0" y="2499131"/>
+          <a:ext cx="9905998" cy="0"/>
+        </a:xfrm>
+        <a:prstGeom prst="line">
+          <a:avLst/>
+        </a:prstGeom>
+        <a:solidFill>
+          <a:schemeClr val="accent1">
+            <a:hueOff val="0"/>
+            <a:satOff val="0"/>
+            <a:lumOff val="0"/>
+            <a:alphaOff val="0"/>
+          </a:schemeClr>
+        </a:solidFill>
+        <a:ln w="19050" cap="rnd" cmpd="sng" algn="ctr">
+          <a:solidFill>
+            <a:schemeClr val="accent1">
+              <a:hueOff val="0"/>
+              <a:satOff val="0"/>
+              <a:lumOff val="0"/>
+              <a:alphaOff val="0"/>
+            </a:schemeClr>
+          </a:solidFill>
+          <a:prstDash val="solid"/>
+        </a:ln>
+        <a:effectLst/>
+      </dsp:spPr>
+      <dsp:style>
+        <a:lnRef idx="2">
+          <a:scrgbClr r="0" g="0" b="0"/>
+        </a:lnRef>
+        <a:fillRef idx="1">
+          <a:scrgbClr r="0" g="0" b="0"/>
+        </a:fillRef>
+        <a:effectRef idx="0">
+          <a:scrgbClr r="0" g="0" b="0"/>
+        </a:effectRef>
+        <a:fontRef idx="minor">
+          <a:schemeClr val="lt1"/>
+        </a:fontRef>
+      </dsp:style>
+    </dsp:sp>
+    <dsp:sp modelId="{6613585D-EE8D-448F-9AA5-29CD087501DD}">
+      <dsp:nvSpPr>
+        <dsp:cNvPr id="0" name=""/>
+        <dsp:cNvSpPr/>
+      </dsp:nvSpPr>
+      <dsp:spPr>
+        <a:xfrm>
+          <a:off x="0" y="2499131"/>
+          <a:ext cx="9905998" cy="624687"/>
+        </a:xfrm>
+        <a:prstGeom prst="rect">
+          <a:avLst/>
+        </a:prstGeom>
+        <a:noFill/>
+        <a:ln>
+          <a:noFill/>
+        </a:ln>
+        <a:effectLst/>
+      </dsp:spPr>
+      <dsp:style>
+        <a:lnRef idx="0">
+          <a:scrgbClr r="0" g="0" b="0"/>
+        </a:lnRef>
+        <a:fillRef idx="0">
+          <a:scrgbClr r="0" g="0" b="0"/>
+        </a:fillRef>
+        <a:effectRef idx="0">
+          <a:scrgbClr r="0" g="0" b="0"/>
+        </a:effectRef>
+        <a:fontRef idx="minor"/>
+      </dsp:style>
+      <dsp:txBody>
+        <a:bodyPr spcFirstLastPara="0" vert="horz" wrap="square" lIns="106680" tIns="106680" rIns="106680" bIns="106680" numCol="1" spcCol="1270" anchor="t" anchorCtr="0">
+          <a:noAutofit/>
+        </a:bodyPr>
+        <a:lstStyle/>
+        <a:p>
+          <a:pPr marL="0" lvl="0" indent="0" algn="l" defTabSz="1244600">
+            <a:lnSpc>
+              <a:spcPct val="90000"/>
+            </a:lnSpc>
+            <a:spcBef>
+              <a:spcPct val="0"/>
+            </a:spcBef>
+            <a:spcAft>
+              <a:spcPct val="35000"/>
+            </a:spcAft>
+            <a:buNone/>
+          </a:pPr>
+          <a:r>
+            <a:rPr lang="en-US" sz="2800" kern="1200"/>
+            <a:t>Memory Caching Improvements</a:t>
+          </a:r>
+        </a:p>
+      </dsp:txBody>
+      <dsp:txXfrm>
+        <a:off x="0" y="2499131"/>
+        <a:ext cx="9905998" cy="624687"/>
+      </dsp:txXfrm>
+    </dsp:sp>
+  </dsp:spTree>
+</dsp:drawing>
+</file>
+
+<file path=ppt/diagrams/layout1.xml><?xml version="1.0" encoding="utf-8"?>
+<dgm:layoutDef xmlns:dgm="http://schemas.openxmlformats.org/drawingml/2006/diagram" xmlns:a="http://schemas.openxmlformats.org/drawingml/2006/main" uniqueId="urn:microsoft.com/office/officeart/2008/layout/LinedList">
+  <dgm:title val=""/>
+  <dgm:desc val=""/>
+  <dgm:catLst>
+    <dgm:cat type="hierarchy" pri="8000"/>
+    <dgm:cat type="list" pri="2500"/>
+  </dgm:catLst>
+  <dgm:sampData>
+    <dgm:dataModel>
+      <dgm:ptLst>
+        <dgm:pt modelId="0" type="doc"/>
+        <dgm:pt modelId="1">
+          <dgm:prSet phldr="1"/>
+        </dgm:pt>
+        <dgm:pt modelId="11">
+          <dgm:prSet phldr="1"/>
+        </dgm:pt>
+        <dgm:pt modelId="12">
+          <dgm:prSet phldr="1"/>
+        </dgm:pt>
+        <dgm:pt modelId="13">
+          <dgm:prSet phldr="1"/>
+        </dgm:pt>
+      </dgm:ptLst>
+      <dgm:cxnLst>
+        <dgm:cxn modelId="2" srcId="0" destId="1" srcOrd="0" destOrd="0"/>
+        <dgm:cxn modelId="3" srcId="1" destId="11" srcOrd="0" destOrd="0"/>
+        <dgm:cxn modelId="4" srcId="1" destId="12" srcOrd="1" destOrd="0"/>
+        <dgm:cxn modelId="5" srcId="1" destId="13" srcOrd="2" destOrd="0"/>
+      </dgm:cxnLst>
+      <dgm:bg/>
+      <dgm:whole/>
+    </dgm:dataModel>
+  </dgm:sampData>
+  <dgm:styleData>
+    <dgm:dataModel>
+      <dgm:ptLst>
+        <dgm:pt modelId="0" type="doc"/>
+        <dgm:pt modelId="1">
+          <dgm:prSet phldr="1"/>
+        </dgm:pt>
+        <dgm:pt modelId="11">
+          <dgm:prSet phldr="1"/>
+        </dgm:pt>
+        <dgm:pt modelId="12">
+          <dgm:prSet phldr="1"/>
+        </dgm:pt>
+      </dgm:ptLst>
+      <dgm:cxnLst>
+        <dgm:cxn modelId="2" srcId="0" destId="1" srcOrd="0" destOrd="0"/>
+        <dgm:cxn modelId="3" srcId="1" destId="11" srcOrd="0" destOrd="0"/>
+        <dgm:cxn modelId="4" srcId="1" destId="12" srcOrd="1" destOrd="0"/>
+      </dgm:cxnLst>
+      <dgm:bg/>
+      <dgm:whole/>
+    </dgm:dataModel>
+  </dgm:styleData>
+  <dgm:clrData>
+    <dgm:dataModel>
+      <dgm:ptLst>
+        <dgm:pt modelId="0" type="doc"/>
+        <dgm:pt modelId="1">
+          <dgm:prSet phldr="1"/>
+        </dgm:pt>
+        <dgm:pt modelId="11">
+          <dgm:prSet phldr="1"/>
+        </dgm:pt>
+        <dgm:pt modelId="12">
+          <dgm:prSet phldr="1"/>
+        </dgm:pt>
+      </dgm:ptLst>
+      <dgm:cxnLst>
+        <dgm:cxn modelId="2" srcId="0" destId="1" srcOrd="0" destOrd="0"/>
+        <dgm:cxn modelId="3" srcId="1" destId="11" srcOrd="0" destOrd="0"/>
+        <dgm:cxn modelId="4" srcId="1" destId="12" srcOrd="1" destOrd="0"/>
+      </dgm:cxnLst>
+      <dgm:bg/>
+      <dgm:whole/>
+    </dgm:dataModel>
+  </dgm:clrData>
+  <dgm:layoutNode name="vert0">
+    <dgm:varLst>
+      <dgm:dir/>
+      <dgm:animOne val="branch"/>
+      <dgm:animLvl val="lvl"/>
+    </dgm:varLst>
+    <dgm:choose name="Name0">
+      <dgm:if name="Name1" func="var" arg="dir" op="equ" val="norm">
+        <dgm:alg type="lin">
+          <dgm:param type="linDir" val="fromT"/>
+          <dgm:param type="nodeHorzAlign" val="l"/>
+        </dgm:alg>
+      </dgm:if>
+      <dgm:else name="Name2">
+        <dgm:alg type="lin">
+          <dgm:param type="linDir" val="fromT"/>
+          <dgm:param type="nodeHorzAlign" val="r"/>
+        </dgm:alg>
+      </dgm:else>
+    </dgm:choose>
+    <dgm:shape xmlns:r="http://schemas.openxmlformats.org/officeDocument/2006/relationships" r:blip="">
+      <dgm:adjLst/>
+    </dgm:shape>
+    <dgm:presOf/>
+    <dgm:constrLst>
+      <dgm:constr type="w" for="ch" forName="horz1" refType="w"/>
+      <dgm:constr type="h" for="ch" forName="horz1" refType="h"/>
+      <dgm:constr type="h" for="des" forName="vert1" refType="h"/>
+      <dgm:constr type="h" for="des" forName="tx1" refType="h"/>
+      <dgm:constr type="h" for="des" forName="horz2" refType="h"/>
+      <dgm:constr type="h" for="des" forName="vert2" refType="h"/>
+      <dgm:constr type="h" for="des" forName="horz3" refType="h"/>
+      <dgm:constr type="h" for="des" forName="vert3" refType="h"/>
+      <dgm:constr type="h" for="des" forName="horz4" refType="h"/>
+      <dgm:constr type="h" for="des" ptType="node" refType="h"/>
+      <dgm:constr type="primFontSz" for="des" forName="tx1" op="equ" val="65"/>
+      <dgm:constr type="primFontSz" for="des" forName="tx2" op="equ" val="65"/>
+      <dgm:constr type="primFontSz" for="des" forName="tx3" op="equ" val="65"/>
+      <dgm:constr type="primFontSz" for="des" forName="tx4" op="equ" val="65"/>
+      <dgm:constr type="w" for="des" forName="thickLine" refType="w"/>
+      <dgm:constr type="h" for="des" forName="thickLine"/>
+      <dgm:constr type="h" for="des" forName="thinLine1"/>
+      <dgm:constr type="h" for="des" forName="thinLine2b"/>
+      <dgm:constr type="h" for="des" forName="thinLine3"/>
+      <dgm:constr type="h" for="des" forName="vertSpace2a" refType="h" fact="0.05"/>
+      <dgm:constr type="h" for="des" forName="vertSpace2b" refType="h" refFor="des" refForName="vertSpace2a"/>
+    </dgm:constrLst>
+    <dgm:forEach name="Name3" axis="ch" ptType="node">
+      <dgm:layoutNode name="thickLine" styleLbl="alignNode1">
+        <dgm:alg type="sp"/>
+        <dgm:shape xmlns:r="http://schemas.openxmlformats.org/officeDocument/2006/relationships" type="line" r:blip="">
+          <dgm:adjLst/>
+        </dgm:shape>
+        <dgm:presOf/>
+      </dgm:layoutNode>
+      <dgm:layoutNode name="horz1">
+        <dgm:choose name="Name4">
+          <dgm:if name="Name5" func="var" arg="dir" op="equ" val="norm">
+            <dgm:alg type="lin">
+              <dgm:param type="linDir" val="fromL"/>
+              <dgm:param type="nodeVertAlign" val="t"/>
+            </dgm:alg>
+          </dgm:if>
+          <dgm:else name="Name6">
+            <dgm:alg type="lin">
+              <dgm:param type="linDir" val="fromR"/>
+              <dgm:param type="nodeVertAlign" val="t"/>
+            </dgm:alg>
+          </dgm:else>
+        </dgm:choose>
+        <dgm:shape xmlns:r="http://schemas.openxmlformats.org/officeDocument/2006/relationships" r:blip="">
+          <dgm:adjLst/>
+        </dgm:shape>
+        <dgm:presOf/>
+        <dgm:choose name="Name7">
+          <dgm:if name="Name8" axis="root des" func="maxDepth" op="equ" val="1">
+            <dgm:constrLst>
+              <dgm:constr type="w" for="ch" forName="tx1" refType="w"/>
+            </dgm:constrLst>
+          </dgm:if>
+          <dgm:if name="Name9" axis="root des" func="maxDepth" op="equ" val="2">
+            <dgm:constrLst>
+              <dgm:constr type="w" for="ch" forName="tx1" refType="w" fact="0.2"/>
+              <dgm:constr type="w" for="des" forName="tx2" refType="w" fact="0.785"/>
+              <dgm:constr type="w" for="des" forName="horzSpace2" refType="w" fact="0.015"/>
+              <dgm:constr type="w" for="des" forName="thinLine2b" refType="w" fact="0.8"/>
+            </dgm:constrLst>
+          </dgm:if>
+          <dgm:if name="Name10" axis="root des" func="maxDepth" op="equ" val="3">
+            <dgm:constrLst>
+              <dgm:constr type="w" for="ch" forName="tx1" refType="w" fact="0.2"/>
+              <dgm:constr type="w" for="des" forName="tx2" refType="w" fact="0.385"/>
+              <dgm:constr type="w" for="des" forName="tx3" refType="w" fact="0.385"/>
+              <dgm:constr type="w" for="des" forName="horzSpace2" refType="w" fact="0.015"/>
+              <dgm:constr type="w" for="des" forName="horzSpace3" refType="w" fact="0.015"/>
+              <dgm:constr type="w" for="des" forName="thinLine2b" refType="w" fact="0.8"/>
+              <dgm:constr type="w" for="des" forName="thinLine3" refType="w" fact="0.385"/>
+            </dgm:constrLst>
+          </dgm:if>
+          <dgm:if name="Name11" axis="root des" func="maxDepth" op="gte" val="4">
+            <dgm:constrLst>
+              <dgm:constr type="w" for="ch" forName="tx1" refType="w" fact="0.2"/>
+              <dgm:constr type="w" for="des" forName="tx2" refType="w" fact="0.2516"/>
+              <dgm:constr type="w" for="des" forName="tx3" refType="w" fact="0.2516"/>
+              <dgm:constr type="w" for="des" forName="tx4" refType="w" fact="0.2516"/>
+              <dgm:constr type="w" for="des" forName="horzSpace2" refType="w" fact="0.015"/>
+              <dgm:constr type="w" for="des" forName="horzSpace3" refType="w" fact="0.015"/>
+              <dgm:constr type="w" for="des" forName="horzSpace4" refType="w" fact="0.015"/>
+              <dgm:constr type="w" for="des" forName="thinLine2b" refType="w" fact="0.8"/>
+              <dgm:constr type="w" for="des" forName="thinLine3" refType="w" fact="0.5332"/>
+            </dgm:constrLst>
+          </dgm:if>
+          <dgm:else name="Name12"/>
+        </dgm:choose>
+        <dgm:layoutNode name="tx1" styleLbl="revTx">
+          <dgm:alg type="tx">
+            <dgm:param type="parTxLTRAlign" val="l"/>
+            <dgm:param type="parTxRTLAlign" val="r"/>
+            <dgm:param type="txAnchorVert" val="t"/>
+          </dgm:alg>
+          <dgm:shape xmlns:r="http://schemas.openxmlformats.org/officeDocument/2006/relationships" type="rect" r:blip="">
+            <dgm:adjLst/>
+          </dgm:shape>
+          <dgm:presOf axis="self"/>
+          <dgm:constrLst>
+            <dgm:constr type="tMarg" refType="primFontSz" fact="0.3"/>
+            <dgm:constr type="bMarg" refType="primFontSz" fact="0.3"/>
+            <dgm:constr type="lMarg" refType="primFontSz" fact="0.3"/>
+            <dgm:constr type="rMarg" refType="primFontSz" fact="0.3"/>
+          </dgm:constrLst>
+          <dgm:ruleLst>
+            <dgm:rule type="primFontSz" val="5" fact="NaN" max="NaN"/>
+          </dgm:ruleLst>
+        </dgm:layoutNode>
+        <dgm:layoutNode name="vert1">
+          <dgm:choose name="Name13">
+            <dgm:if name="Name14" func="var" arg="dir" op="equ" val="norm">
+              <dgm:alg type="lin">
+                <dgm:param type="linDir" val="fromT"/>
+                <dgm:param type="nodeHorzAlign" val="l"/>
+              </dgm:alg>
+            </dgm:if>
+            <dgm:else name="Name15">
+              <dgm:alg type="lin">
+                <dgm:param type="linDir" val="fromT"/>
+                <dgm:param type="nodeHorzAlign" val="r"/>
+              </dgm:alg>
+            </dgm:else>
+          </dgm:choose>
+          <dgm:shape xmlns:r="http://schemas.openxmlformats.org/officeDocument/2006/relationships" r:blip="">
+            <dgm:adjLst/>
+          </dgm:shape>
+          <dgm:presOf/>
+          <dgm:forEach name="Name16" axis="ch" ptType="node">
+            <dgm:choose name="Name17">
+              <dgm:if name="Name18" axis="self" ptType="node" func="pos" op="equ" val="1">
+                <dgm:layoutNode name="vertSpace2a">
+                  <dgm:alg type="sp"/>
+                  <dgm:shape xmlns:r="http://schemas.openxmlformats.org/officeDocument/2006/relationships" r:blip="">
+                    <dgm:adjLst/>
+                  </dgm:shape>
+                  <dgm:presOf/>
+                </dgm:layoutNode>
+              </dgm:if>
+              <dgm:else name="Name19"/>
+            </dgm:choose>
+            <dgm:layoutNode name="horz2">
+              <dgm:choose name="Name20">
+                <dgm:if name="Name21" func="var" arg="dir" op="equ" val="norm">
+                  <dgm:alg type="lin">
+                    <dgm:param type="linDir" val="fromL"/>
+                    <dgm:param type="nodeVertAlign" val="t"/>
+                  </dgm:alg>
+                </dgm:if>
+                <dgm:else name="Name22">
+                  <dgm:alg type="lin">
+                    <dgm:param type="linDir" val="fromR"/>
+                    <dgm:param type="nodeVertAlign" val="t"/>
+                  </dgm:alg>
+                </dgm:else>
+              </dgm:choose>
+              <dgm:shape xmlns:r="http://schemas.openxmlformats.org/officeDocument/2006/relationships" r:blip="">
+                <dgm:adjLst/>
+              </dgm:shape>
+              <dgm:presOf/>
+              <dgm:layoutNode name="horzSpace2">
+                <dgm:alg type="sp"/>
+                <dgm:shape xmlns:r="http://schemas.openxmlformats.org/officeDocument/2006/relationships" r:blip="">
+                  <dgm:adjLst/>
+                </dgm:shape>
+                <dgm:presOf/>
+              </dgm:layoutNode>
+              <dgm:layoutNode name="tx2" styleLbl="revTx">
+                <dgm:alg type="tx">
+                  <dgm:param type="parTxLTRAlign" val="l"/>
+                  <dgm:param type="parTxRTLAlign" val="r"/>
+                  <dgm:param type="txAnchorVert" val="t"/>
+                </dgm:alg>
+                <dgm:shape xmlns:r="http://schemas.openxmlformats.org/officeDocument/2006/relationships" type="rect" r:blip="">
+                  <dgm:adjLst/>
+                </dgm:shape>
+                <dgm:presOf axis="self"/>
+                <dgm:constrLst>
+                  <dgm:constr type="tMarg" refType="primFontSz" fact="0.3"/>
+                  <dgm:constr type="bMarg" refType="primFontSz" fact="0.3"/>
+                  <dgm:constr type="lMarg" refType="primFontSz" fact="0.3"/>
+                  <dgm:constr type="rMarg" refType="primFontSz" fact="0.3"/>
+                </dgm:constrLst>
+                <dgm:ruleLst>
+                  <dgm:rule type="primFontSz" val="5" fact="NaN" max="NaN"/>
+                </dgm:ruleLst>
+              </dgm:layoutNode>
+              <dgm:layoutNode name="vert2">
+                <dgm:choose name="Name23">
+                  <dgm:if name="Name24" func="var" arg="dir" op="equ" val="norm">
+                    <dgm:alg type="lin">
+                      <dgm:param type="linDir" val="fromT"/>
+                      <dgm:param type="nodeHorzAlign" val="l"/>
+                    </dgm:alg>
+                  </dgm:if>
+                  <dgm:else name="Name25">
+                    <dgm:alg type="lin">
+                      <dgm:param type="linDir" val="fromT"/>
+                      <dgm:param type="nodeHorzAlign" val="r"/>
+                    </dgm:alg>
+                  </dgm:else>
+                </dgm:choose>
+                <dgm:shape xmlns:r="http://schemas.openxmlformats.org/officeDocument/2006/relationships" r:blip="">
+                  <dgm:adjLst/>
+                </dgm:shape>
+                <dgm:presOf/>
+                <dgm:forEach name="Name26" axis="ch" ptType="node">
+                  <dgm:layoutNode name="horz3">
+                    <dgm:choose name="Name27">
+                      <dgm:if name="Name28" func="var" arg="dir" op="equ" val="norm">
+                        <dgm:alg type="lin">
+                          <dgm:param type="linDir" val="fromL"/>
+                          <dgm:param type="nodeVertAlign" val="t"/>
+                        </dgm:alg>
+                      </dgm:if>
+                      <dgm:else name="Name29">
+                        <dgm:alg type="lin">
+                          <dgm:param type="linDir" val="fromR"/>
+                          <dgm:param type="nodeVertAlign" val="t"/>
+                        </dgm:alg>
+                      </dgm:else>
+                    </dgm:choose>
+                    <dgm:shape xmlns:r="http://schemas.openxmlformats.org/officeDocument/2006/relationships" r:blip="">
+                      <dgm:adjLst/>
+                    </dgm:shape>
+                    <dgm:presOf/>
+                    <dgm:layoutNode name="horzSpace3">
+                      <dgm:alg type="sp"/>
+                      <dgm:shape xmlns:r="http://schemas.openxmlformats.org/officeDocument/2006/relationships" r:blip="">
+                        <dgm:adjLst/>
+                      </dgm:shape>
+                      <dgm:presOf/>
+                    </dgm:layoutNode>
+                    <dgm:layoutNode name="tx3" styleLbl="revTx">
+                      <dgm:alg type="tx">
+                        <dgm:param type="parTxLTRAlign" val="l"/>
+                        <dgm:param type="parTxRTLAlign" val="r"/>
+                        <dgm:param type="txAnchorVert" val="t"/>
+                      </dgm:alg>
+                      <dgm:shape xmlns:r="http://schemas.openxmlformats.org/officeDocument/2006/relationships" type="rect" r:blip="">
+                        <dgm:adjLst/>
+                      </dgm:shape>
+                      <dgm:presOf axis="self"/>
+                      <dgm:constrLst>
+                        <dgm:constr type="tMarg" refType="primFontSz" fact="0.3"/>
+                        <dgm:constr type="bMarg" refType="primFontSz" fact="0.3"/>
+                        <dgm:constr type="lMarg" refType="primFontSz" fact="0.3"/>
+                        <dgm:constr type="rMarg" refType="primFontSz" fact="0.3"/>
+                      </dgm:constrLst>
+                      <dgm:ruleLst>
+                        <dgm:rule type="primFontSz" val="5" fact="NaN" max="NaN"/>
+                      </dgm:ruleLst>
+                    </dgm:layoutNode>
+                    <dgm:layoutNode name="vert3">
+                      <dgm:choose name="Name30">
+                        <dgm:if name="Name31" func="var" arg="dir" op="equ" val="norm">
+                          <dgm:alg type="lin">
+                            <dgm:param type="linDir" val="fromT"/>
+                            <dgm:param type="nodeHorzAlign" val="l"/>
+                          </dgm:alg>
+                        </dgm:if>
+                        <dgm:else name="Name32">
+                          <dgm:alg type="lin">
+                            <dgm:param type="linDir" val="fromT"/>
+                            <dgm:param type="nodeHorzAlign" val="r"/>
+                          </dgm:alg>
+                        </dgm:else>
+                      </dgm:choose>
+                      <dgm:shape xmlns:r="http://schemas.openxmlformats.org/officeDocument/2006/relationships" r:blip="">
+                        <dgm:adjLst/>
+                      </dgm:shape>
+                      <dgm:presOf/>
+                      <dgm:forEach name="Name33" axis="ch" ptType="node">
+                        <dgm:layoutNode name="horz4">
+                          <dgm:choose name="Name34">
+                            <dgm:if name="Name35" func="var" arg="dir" op="equ" val="norm">
+                              <dgm:alg type="lin">
+                                <dgm:param type="linDir" val="fromL"/>
+                                <dgm:param type="nodeVertAlign" val="t"/>
+                              </dgm:alg>
+                            </dgm:if>
+                            <dgm:else name="Name36">
+                              <dgm:alg type="lin">
+                                <dgm:param type="linDir" val="fromR"/>
+                                <dgm:param type="nodeVertAlign" val="t"/>
+                              </dgm:alg>
+                            </dgm:else>
+                          </dgm:choose>
+                          <dgm:shape xmlns:r="http://schemas.openxmlformats.org/officeDocument/2006/relationships" r:blip="">
+                            <dgm:adjLst/>
+                          </dgm:shape>
+                          <dgm:presOf/>
+                          <dgm:layoutNode name="horzSpace4">
+                            <dgm:alg type="sp"/>
+                            <dgm:shape xmlns:r="http://schemas.openxmlformats.org/officeDocument/2006/relationships" r:blip="">
+                              <dgm:adjLst/>
+                            </dgm:shape>
+                            <dgm:presOf/>
+                          </dgm:layoutNode>
+                          <dgm:layoutNode name="tx4" styleLbl="revTx">
+                            <dgm:varLst>
+                              <dgm:bulletEnabled val="1"/>
+                            </dgm:varLst>
+                            <dgm:alg type="tx">
+                              <dgm:param type="parTxLTRAlign" val="l"/>
+                              <dgm:param type="parTxRTLAlign" val="r"/>
+                              <dgm:param type="txAnchorVert" val="t"/>
+                            </dgm:alg>
+                            <dgm:shape xmlns:r="http://schemas.openxmlformats.org/officeDocument/2006/relationships" type="rect" r:blip="">
+                              <dgm:adjLst/>
+                            </dgm:shape>
+                            <dgm:presOf axis="desOrSelf" ptType="node"/>
+                            <dgm:constrLst>
+                              <dgm:constr type="tMarg" refType="primFontSz" fact="0.3"/>
+                              <dgm:constr type="bMarg" refType="primFontSz" fact="0.3"/>
+                              <dgm:constr type="lMarg" refType="primFontSz" fact="0.3"/>
+                              <dgm:constr type="rMarg" refType="primFontSz" fact="0.3"/>
+                            </dgm:constrLst>
+                            <dgm:ruleLst>
+                              <dgm:rule type="primFontSz" val="5" fact="NaN" max="NaN"/>
+                            </dgm:ruleLst>
+                          </dgm:layoutNode>
+                        </dgm:layoutNode>
+                      </dgm:forEach>
+                    </dgm:layoutNode>
+                  </dgm:layoutNode>
+                  <dgm:forEach name="Name37" axis="followSib" ptType="sibTrans" cnt="1">
+                    <dgm:layoutNode name="thinLine3" styleLbl="callout">
+                      <dgm:alg type="sp"/>
+                      <dgm:shape xmlns:r="http://schemas.openxmlformats.org/officeDocument/2006/relationships" type="line" r:blip="">
+                        <dgm:adjLst/>
+                      </dgm:shape>
+                      <dgm:presOf/>
+                    </dgm:layoutNode>
+                  </dgm:forEach>
+                </dgm:forEach>
+              </dgm:layoutNode>
+            </dgm:layoutNode>
+            <dgm:layoutNode name="thinLine2b" styleLbl="callout">
+              <dgm:alg type="sp"/>
+              <dgm:shape xmlns:r="http://schemas.openxmlformats.org/officeDocument/2006/relationships" type="line" r:blip="">
+                <dgm:adjLst/>
+              </dgm:shape>
+              <dgm:presOf/>
+            </dgm:layoutNode>
+            <dgm:layoutNode name="vertSpace2b">
+              <dgm:alg type="sp"/>
+              <dgm:shape xmlns:r="http://schemas.openxmlformats.org/officeDocument/2006/relationships" r:blip="">
+                <dgm:adjLst/>
+              </dgm:shape>
+              <dgm:presOf/>
+            </dgm:layoutNode>
+          </dgm:forEach>
+        </dgm:layoutNode>
+      </dgm:layoutNode>
+    </dgm:forEach>
+  </dgm:layoutNode>
+</dgm:layoutDef>
+</file>
+
+<file path=ppt/diagrams/quickStyle1.xml><?xml version="1.0" encoding="utf-8"?>
+<dgm:styleDef xmlns:dgm="http://schemas.openxmlformats.org/drawingml/2006/diagram" xmlns:a="http://schemas.openxmlformats.org/drawingml/2006/main" uniqueId="urn:microsoft.com/office/officeart/2005/8/quickstyle/simple1">
+  <dgm:title val=""/>
+  <dgm:desc val=""/>
+  <dgm:catLst>
+    <dgm:cat type="simple" pri="10100"/>
+  </dgm:catLst>
+  <dgm:scene3d>
+    <a:camera prst="orthographicFront"/>
+    <a:lightRig rig="threePt" dir="t"/>
+  </dgm:scene3d>
+  <dgm:styleLbl name="node0">
+    <dgm:scene3d>
+      <a:camera prst="orthographicFront"/>
+      <a:lightRig rig="threePt" dir="t"/>
+    </dgm:scene3d>
+    <dgm:sp3d/>
+    <dgm:txPr/>
+    <dgm:style>
+      <a:lnRef idx="2">
+        <a:scrgbClr r="0" g="0" b="0"/>
+      </a:lnRef>
+      <a:fillRef idx="1">
+        <a:scrgbClr r="0" g="0" b="0"/>
+      </a:fillRef>
+      <a:effectRef idx="0">
+        <a:scrgbClr r="0" g="0" b="0"/>
+      </a:effectRef>
+      <a:fontRef idx="minor">
+        <a:schemeClr val="lt1"/>
+      </a:fontRef>
+    </dgm:style>
+  </dgm:styleLbl>
+  <dgm:styleLbl name="lnNode1">
+    <dgm:scene3d>
+      <a:camera prst="orthographicFront"/>
+      <a:lightRig rig="threePt" dir="t"/>
+    </dgm:scene3d>
+    <dgm:sp3d/>
+    <dgm:txPr/>
+    <dgm:style>
+      <a:lnRef idx="2">
+        <a:scrgbClr r="0" g="0" b="0"/>
+      </a:lnRef>
+      <a:fillRef idx="1">
+        <a:scrgbClr r="0" g="0" b="0"/>
+      </a:fillRef>
+      <a:effectRef idx="0">
+        <a:scrgbClr r="0" g="0" b="0"/>
+      </a:effectRef>
+      <a:fontRef idx="minor">
+        <a:schemeClr val="lt1"/>
+      </a:fontRef>
+    </dgm:style>
+  </dgm:styleLbl>
+  <dgm:styleLbl name="vennNode1">
+    <dgm:scene3d>
+      <a:camera prst="orthographicFront"/>
+      <a:lightRig rig="threePt" dir="t"/>
+    </dgm:scene3d>
+    <dgm:sp3d/>
+    <dgm:txPr/>
+    <dgm:style>
+      <a:lnRef idx="2">
+        <a:scrgbClr r="0" g="0" b="0"/>
+      </a:lnRef>
+      <a:fillRef idx="1">
+        <a:scrgbClr r="0" g="0" b="0"/>
+      </a:fillRef>
+      <a:effectRef idx="0">
+        <a:scrgbClr r="0" g="0" b="0"/>
+      </a:effectRef>
+      <a:fontRef idx="minor">
+        <a:schemeClr val="tx1"/>
+      </a:fontRef>
+    </dgm:style>
+  </dgm:styleLbl>
+  <dgm:styleLbl name="alignNode1">
+    <dgm:scene3d>
+      <a:camera prst="orthographicFront"/>
+      <a:lightRig rig="threePt" dir="t"/>
+    </dgm:scene3d>
+    <dgm:sp3d/>
+    <dgm:txPr/>
+    <dgm:style>
+      <a:lnRef idx="2">
+        <a:scrgbClr r="0" g="0" b="0"/>
+      </a:lnRef>
+      <a:fillRef idx="1">
+        <a:scrgbClr r="0" g="0" b="0"/>
+      </a:fillRef>
+      <a:effectRef idx="0">
+        <a:scrgbClr r="0" g="0" b="0"/>
+      </a:effectRef>
+      <a:fontRef idx="minor">
+        <a:schemeClr val="lt1"/>
+      </a:fontRef>
+    </dgm:style>
+  </dgm:styleLbl>
+  <dgm:styleLbl name="node1">
+    <dgm:scene3d>
+      <a:camera prst="orthographicFront"/>
+      <a:lightRig rig="threePt" dir="t"/>
+    </dgm:scene3d>
+    <dgm:sp3d/>
+    <dgm:txPr/>
+    <dgm:style>
+      <a:lnRef idx="2">
+        <a:scrgbClr r="0" g="0" b="0"/>
+      </a:lnRef>
+      <a:fillRef idx="1">
+        <a:scrgbClr r="0" g="0" b="0"/>
+      </a:fillRef>
+      <a:effectRef idx="0">
+        <a:scrgbClr r="0" g="0" b="0"/>
+      </a:effectRef>
+      <a:fontRef idx="minor">
+        <a:schemeClr val="lt1"/>
+      </a:fontRef>
+    </dgm:style>
+  </dgm:styleLbl>
+  <dgm:styleLbl name="node2">
+    <dgm:scene3d>
+      <a:camera prst="orthographicFront"/>
+      <a:lightRig rig="threePt" dir="t"/>
+    </dgm:scene3d>
+    <dgm:sp3d/>
+    <dgm:txPr/>
+    <dgm:style>
+      <a:lnRef idx="2">
+        <a:scrgbClr r="0" g="0" b="0"/>
+      </a:lnRef>
+      <a:fillRef idx="1">
+        <a:scrgbClr r="0" g="0" b="0"/>
+      </a:fillRef>
+      <a:effectRef idx="0">
+        <a:scrgbClr r="0" g="0" b="0"/>
+      </a:effectRef>
+      <a:fontRef idx="minor">
+        <a:schemeClr val="lt1"/>
+      </a:fontRef>
+    </dgm:style>
+  </dgm:styleLbl>
+  <dgm:styleLbl name="node3">
+    <dgm:scene3d>
+      <a:camera prst="orthographicFront"/>
+      <a:lightRig rig="threePt" dir="t"/>
+    </dgm:scene3d>
+    <dgm:sp3d/>
+    <dgm:txPr/>
+    <dgm:style>
+      <a:lnRef idx="2">
+        <a:scrgbClr r="0" g="0" b="0"/>
+      </a:lnRef>
+      <a:fillRef idx="1">
+        <a:scrgbClr r="0" g="0" b="0"/>
+      </a:fillRef>
+      <a:effectRef idx="0">
+        <a:scrgbClr r="0" g="0" b="0"/>
+      </a:effectRef>
+      <a:fontRef idx="minor">
+        <a:schemeClr val="lt1"/>
+      </a:fontRef>
+    </dgm:style>
+  </dgm:styleLbl>
+  <dgm:styleLbl name="node4">
+    <dgm:scene3d>
+      <a:camera prst="orthographicFront"/>
+      <a:lightRig rig="threePt" dir="t"/>
+    </dgm:scene3d>
+    <dgm:sp3d/>
+    <dgm:txPr/>
+    <dgm:style>
+      <a:lnRef idx="2">
+        <a:scrgbClr r="0" g="0" b="0"/>
+      </a:lnRef>
+      <a:fillRef idx="1">
+        <a:scrgbClr r="0" g="0" b="0"/>
+      </a:fillRef>
+      <a:effectRef idx="0">
+        <a:scrgbClr r="0" g="0" b="0"/>
+      </a:effectRef>
+      <a:fontRef idx="minor">
+        <a:schemeClr val="lt1"/>
+      </a:fontRef>
+    </dgm:style>
+  </dgm:styleLbl>
+  <dgm:styleLbl name="fgImgPlace1">
+    <dgm:scene3d>
+      <a:camera prst="orthographicFront"/>
+      <a:lightRig rig="threePt" dir="t"/>
+    </dgm:scene3d>
+    <dgm:sp3d/>
+    <dgm:txPr/>
+    <dgm:style>
+      <a:lnRef idx="2">
+        <a:scrgbClr r="0" g="0" b="0"/>
+      </a:lnRef>
+      <a:fillRef idx="1">
+        <a:scrgbClr r="0" g="0" b="0"/>
+      </a:fillRef>
+      <a:effectRef idx="0">
+        <a:scrgbClr r="0" g="0" b="0"/>
+      </a:effectRef>
+      <a:fontRef idx="minor"/>
+    </dgm:style>
+  </dgm:styleLbl>
+  <dgm:styleLbl name="alignImgPlace1">
+    <dgm:scene3d>
+      <a:camera prst="orthographicFront"/>
+      <a:lightRig rig="threePt" dir="t"/>
+    </dgm:scene3d>
+    <dgm:sp3d/>
+    <dgm:txPr/>
+    <dgm:style>
+      <a:lnRef idx="2">
+        <a:scrgbClr r="0" g="0" b="0"/>
+      </a:lnRef>
+      <a:fillRef idx="1">
+        <a:scrgbClr r="0" g="0" b="0"/>
+      </a:fillRef>
+      <a:effectRef idx="0">
+        <a:scrgbClr r="0" g="0" b="0"/>
+      </a:effectRef>
+      <a:fontRef idx="minor"/>
+    </dgm:style>
+  </dgm:styleLbl>
+  <dgm:styleLbl name="bgImgPlace1">
+    <dgm:scene3d>
+      <a:camera prst="orthographicFront"/>
+      <a:lightRig rig="threePt" dir="t"/>
+    </dgm:scene3d>
+    <dgm:sp3d/>
+    <dgm:txPr/>
+    <dgm:style>
+      <a:lnRef idx="2">
+        <a:scrgbClr r="0" g="0" b="0"/>
+      </a:lnRef>
+      <a:fillRef idx="1">
+        <a:scrgbClr r="0" g="0" b="0"/>
+      </a:fillRef>
+      <a:effectRef idx="0">
+        <a:scrgbClr r="0" g="0" b="0"/>
+      </a:effectRef>
+      <a:fontRef idx="minor"/>
+    </dgm:style>
+  </dgm:styleLbl>
+  <dgm:styleLbl name="sibTrans2D1">
+    <dgm:scene3d>
+      <a:camera prst="orthographicFront"/>
+      <a:lightRig rig="threePt" dir="t"/>
+    </dgm:scene3d>
+    <dgm:sp3d/>
+    <dgm:txPr/>
+    <dgm:style>
+      <a:lnRef idx="0">
+        <a:scrgbClr r="0" g="0" b="0"/>
+      </a:lnRef>
+      <a:fillRef idx="1">
+        <a:scrgbClr r="0" g="0" b="0"/>
+      </a:fillRef>
+      <a:effectRef idx="0">
+        <a:scrgbClr r="0" g="0" b="0"/>
+      </a:effectRef>
+      <a:fontRef idx="minor">
+        <a:schemeClr val="lt1"/>
+      </a:fontRef>
+    </dgm:style>
+  </dgm:styleLbl>
+  <dgm:styleLbl name="fgSibTrans2D1">
+    <dgm:scene3d>
+      <a:camera prst="orthographicFront"/>
+      <a:lightRig rig="threePt" dir="t"/>
+    </dgm:scene3d>
+    <dgm:sp3d/>
+    <dgm:txPr/>
+    <dgm:style>
+      <a:lnRef idx="0">
+        <a:scrgbClr r="0" g="0" b="0"/>
+      </a:lnRef>
+      <a:fillRef idx="1">
+        <a:scrgbClr r="0" g="0" b="0"/>
+      </a:fillRef>
+      <a:effectRef idx="0">
+        <a:scrgbClr r="0" g="0" b="0"/>
+      </a:effectRef>
+      <a:fontRef idx="minor">
+        <a:schemeClr val="lt1"/>
+      </a:fontRef>
+    </dgm:style>
+  </dgm:styleLbl>
+  <dgm:styleLbl name="bgSibTrans2D1">
+    <dgm:scene3d>
+      <a:camera prst="orthographicFront"/>
+      <a:lightRig rig="threePt" dir="t"/>
+    </dgm:scene3d>
+    <dgm:sp3d/>
+    <dgm:txPr/>
+    <dgm:style>
+      <a:lnRef idx="0">
+        <a:scrgbClr r="0" g="0" b="0"/>
+      </a:lnRef>
+      <a:fillRef idx="1">
+        <a:scrgbClr r="0" g="0" b="0"/>
+      </a:fillRef>
+      <a:effectRef idx="0">
+        <a:scrgbClr r="0" g="0" b="0"/>
+      </a:effectRef>
+      <a:fontRef idx="minor">
+        <a:schemeClr val="lt1"/>
+      </a:fontRef>
+    </dgm:style>
+  </dgm:styleLbl>
+  <dgm:styleLbl name="sibTrans1D1">
+    <dgm:scene3d>
+      <a:camera prst="orthographicFront"/>
+      <a:lightRig rig="threePt" dir="t"/>
+    </dgm:scene3d>
+    <dgm:sp3d/>
+    <dgm:txPr/>
+    <dgm:style>
+      <a:lnRef idx="1">
+        <a:scrgbClr r="0" g="0" b="0"/>
+      </a:lnRef>
+      <a:fillRef idx="0">
+        <a:scrgbClr r="0" g="0" b="0"/>
+      </a:fillRef>
+      <a:effectRef idx="0">
+        <a:scrgbClr r="0" g="0" b="0"/>
+      </a:effectRef>
+      <a:fontRef idx="minor"/>
+    </dgm:style>
+  </dgm:styleLbl>
+  <dgm:styleLbl name="callout">
+    <dgm:scene3d>
+      <a:camera prst="orthographicFront"/>
+      <a:lightRig rig="threePt" dir="t"/>
+    </dgm:scene3d>
+    <dgm:sp3d/>
+    <dgm:txPr/>
+    <dgm:style>
+      <a:lnRef idx="2">
+        <a:scrgbClr r="0" g="0" b="0"/>
+      </a:lnRef>
+      <a:fillRef idx="1">
+        <a:scrgbClr r="0" g="0" b="0"/>
+      </a:fillRef>
+      <a:effectRef idx="0">
+        <a:scrgbClr r="0" g="0" b="0"/>
+      </a:effectRef>
+      <a:fontRef idx="minor"/>
+    </dgm:style>
+  </dgm:styleLbl>
+  <dgm:styleLbl name="asst0">
+    <dgm:scene3d>
+      <a:camera prst="orthographicFront"/>
+      <a:lightRig rig="threePt" dir="t"/>
+    </dgm:scene3d>
+    <dgm:sp3d/>
+    <dgm:txPr/>
+    <dgm:style>
+      <a:lnRef idx="2">
+        <a:scrgbClr r="0" g="0" b="0"/>
+      </a:lnRef>
+      <a:fillRef idx="1">
+        <a:scrgbClr r="0" g="0" b="0"/>
+      </a:fillRef>
+      <a:effectRef idx="0">
+        <a:scrgbClr r="0" g="0" b="0"/>
+      </a:effectRef>
+      <a:fontRef idx="minor">
+        <a:schemeClr val="lt1"/>
+      </a:fontRef>
+    </dgm:style>
+  </dgm:styleLbl>
+  <dgm:styleLbl name="asst1">
+    <dgm:scene3d>
+      <a:camera prst="orthographicFront"/>
+      <a:lightRig rig="threePt" dir="t"/>
+    </dgm:scene3d>
+    <dgm:sp3d/>
+    <dgm:txPr/>
+    <dgm:style>
+      <a:lnRef idx="2">
+        <a:scrgbClr r="0" g="0" b="0"/>
+      </a:lnRef>
+      <a:fillRef idx="1">
+        <a:scrgbClr r="0" g="0" b="0"/>
+      </a:fillRef>
+      <a:effectRef idx="0">
+        <a:scrgbClr r="0" g="0" b="0"/>
+      </a:effectRef>
+      <a:fontRef idx="minor">
+        <a:schemeClr val="lt1"/>
+      </a:fontRef>
+    </dgm:style>
+  </dgm:styleLbl>
+  <dgm:styleLbl name="asst2">
+    <dgm:scene3d>
+      <a:camera prst="orthographicFront"/>
+      <a:lightRig rig="threePt" dir="t"/>
+    </dgm:scene3d>
+    <dgm:sp3d/>
+    <dgm:txPr/>
+    <dgm:style>
+      <a:lnRef idx="2">
+        <a:scrgbClr r="0" g="0" b="0"/>
+      </a:lnRef>
+      <a:fillRef idx="1">
+        <a:scrgbClr r="0" g="0" b="0"/>
+      </a:fillRef>
+      <a:effectRef idx="0">
+        <a:scrgbClr r="0" g="0" b="0"/>
+      </a:effectRef>
+      <a:fontRef idx="minor">
+        <a:schemeClr val="lt1"/>
+      </a:fontRef>
+    </dgm:style>
+  </dgm:styleLbl>
+  <dgm:styleLbl name="asst3">
+    <dgm:scene3d>
+      <a:camera prst="orthographicFront"/>
+      <a:lightRig rig="threePt" dir="t"/>
+    </dgm:scene3d>
+    <dgm:sp3d/>
+    <dgm:txPr/>
+    <dgm:style>
+      <a:lnRef idx="2">
+        <a:scrgbClr r="0" g="0" b="0"/>
+      </a:lnRef>
+      <a:fillRef idx="1">
+        <a:scrgbClr r="0" g="0" b="0"/>
+      </a:fillRef>
+      <a:effectRef idx="0">
+        <a:scrgbClr r="0" g="0" b="0"/>
+      </a:effectRef>
+      <a:fontRef idx="minor">
+        <a:schemeClr val="lt1"/>
+      </a:fontRef>
+    </dgm:style>
+  </dgm:styleLbl>
+  <dgm:styleLbl name="asst4">
+    <dgm:scene3d>
+      <a:camera prst="orthographicFront"/>
+      <a:lightRig rig="threePt" dir="t"/>
+    </dgm:scene3d>
+    <dgm:sp3d/>
+    <dgm:txPr/>
+    <dgm:style>
+      <a:lnRef idx="2">
+        <a:scrgbClr r="0" g="0" b="0"/>
+      </a:lnRef>
+      <a:fillRef idx="1">
+        <a:scrgbClr r="0" g="0" b="0"/>
+      </a:fillRef>
+      <a:effectRef idx="0">
+        <a:scrgbClr r="0" g="0" b="0"/>
+      </a:effectRef>
+      <a:fontRef idx="minor">
+        <a:schemeClr val="lt1"/>
+      </a:fontRef>
+    </dgm:style>
+  </dgm:styleLbl>
+  <dgm:styleLbl name="parChTrans2D1">
+    <dgm:scene3d>
+      <a:camera prst="orthographicFront"/>
+      <a:lightRig rig="threePt" dir="t"/>
+    </dgm:scene3d>
+    <dgm:sp3d/>
+    <dgm:txPr/>
+    <dgm:style>
+      <a:lnRef idx="2">
+        <a:scrgbClr r="0" g="0" b="0"/>
+      </a:lnRef>
+      <a:fillRef idx="1">
+        <a:scrgbClr r="0" g="0" b="0"/>
+      </a:fillRef>
+      <a:effectRef idx="0">
+        <a:scrgbClr r="0" g="0" b="0"/>
+      </a:effectRef>
+      <a:fontRef idx="minor">
+        <a:schemeClr val="lt1"/>
+      </a:fontRef>
+    </dgm:style>
+  </dgm:styleLbl>
+  <dgm:styleLbl name="parChTrans2D2">
+    <dgm:scene3d>
+      <a:camera prst="orthographicFront"/>
+      <a:lightRig rig="threePt" dir="t"/>
+    </dgm:scene3d>
+    <dgm:sp3d/>
+    <dgm:txPr/>
+    <dgm:style>
+      <a:lnRef idx="2">
+        <a:scrgbClr r="0" g="0" b="0"/>
+      </a:lnRef>
+      <a:fillRef idx="1">
+        <a:scrgbClr r="0" g="0" b="0"/>
+      </a:fillRef>
+      <a:effectRef idx="0">
+        <a:scrgbClr r="0" g="0" b="0"/>
+      </a:effectRef>
+      <a:fontRef idx="minor">
+        <a:schemeClr val="lt1"/>
+      </a:fontRef>
+    </dgm:style>
+  </dgm:styleLbl>
+  <dgm:styleLbl name="parChTrans2D3">
+    <dgm:scene3d>
+      <a:camera prst="orthographicFront"/>
+      <a:lightRig rig="threePt" dir="t"/>
+    </dgm:scene3d>
+    <dgm:sp3d/>
+    <dgm:txPr/>
+    <dgm:style>
+      <a:lnRef idx="2">
+        <a:scrgbClr r="0" g="0" b="0"/>
+      </a:lnRef>
+      <a:fillRef idx="1">
+        <a:scrgbClr r="0" g="0" b="0"/>
+      </a:fillRef>
+      <a:effectRef idx="0">
+        <a:scrgbClr r="0" g="0" b="0"/>
+      </a:effectRef>
+      <a:fontRef idx="minor">
+        <a:schemeClr val="lt1"/>
+      </a:fontRef>
+    </dgm:style>
+  </dgm:styleLbl>
+  <dgm:styleLbl name="parChTrans2D4">
+    <dgm:scene3d>
+      <a:camera prst="orthographicFront"/>
+      <a:lightRig rig="threePt" dir="t"/>
+    </dgm:scene3d>
+    <dgm:sp3d/>
+    <dgm:txPr/>
+    <dgm:style>
+      <a:lnRef idx="2">
+        <a:scrgbClr r="0" g="0" b="0"/>
+      </a:lnRef>
+      <a:fillRef idx="1">
+        <a:scrgbClr r="0" g="0" b="0"/>
+      </a:fillRef>
+      <a:effectRef idx="0">
+        <a:scrgbClr r="0" g="0" b="0"/>
+      </a:effectRef>
+      <a:fontRef idx="minor">
+        <a:schemeClr val="lt1"/>
+      </a:fontRef>
+    </dgm:style>
+  </dgm:styleLbl>
+  <dgm:styleLbl name="parChTrans1D1">
+    <dgm:scene3d>
+      <a:camera prst="orthographicFront"/>
+      <a:lightRig rig="threePt" dir="t"/>
+    </dgm:scene3d>
+    <dgm:sp3d/>
+    <dgm:txPr/>
+    <dgm:style>
+      <a:lnRef idx="2">
+        <a:scrgbClr r="0" g="0" b="0"/>
+      </a:lnRef>
+      <a:fillRef idx="0">
+        <a:scrgbClr r="0" g="0" b="0"/>
+      </a:fillRef>
+      <a:effectRef idx="0">
+        <a:scrgbClr r="0" g="0" b="0"/>
+      </a:effectRef>
+      <a:fontRef idx="minor"/>
+    </dgm:style>
+  </dgm:styleLbl>
+  <dgm:styleLbl name="parChTrans1D2">
+    <dgm:scene3d>
+      <a:camera prst="orthographicFront"/>
+      <a:lightRig rig="threePt" dir="t"/>
+    </dgm:scene3d>
+    <dgm:sp3d/>
+    <dgm:txPr/>
+    <dgm:style>
+      <a:lnRef idx="2">
+        <a:scrgbClr r="0" g="0" b="0"/>
+      </a:lnRef>
+      <a:fillRef idx="0">
+        <a:scrgbClr r="0" g="0" b="0"/>
+      </a:fillRef>
+      <a:effectRef idx="0">
+        <a:scrgbClr r="0" g="0" b="0"/>
+      </a:effectRef>
+      <a:fontRef idx="minor"/>
+    </dgm:style>
+  </dgm:styleLbl>
+  <dgm:styleLbl name="parChTrans1D3">
+    <dgm:scene3d>
+      <a:camera prst="orthographicFront"/>
+      <a:lightRig rig="threePt" dir="t"/>
+    </dgm:scene3d>
+    <dgm:sp3d/>
+    <dgm:txPr/>
+    <dgm:style>
+      <a:lnRef idx="2">
+        <a:scrgbClr r="0" g="0" b="0"/>
+      </a:lnRef>
+      <a:fillRef idx="0">
+        <a:scrgbClr r="0" g="0" b="0"/>
+      </a:fillRef>
+      <a:effectRef idx="0">
+        <a:scrgbClr r="0" g="0" b="0"/>
+      </a:effectRef>
+      <a:fontRef idx="minor"/>
+    </dgm:style>
+  </dgm:styleLbl>
+  <dgm:styleLbl name="parChTrans1D4">
+    <dgm:scene3d>
+      <a:camera prst="orthographicFront"/>
+      <a:lightRig rig="threePt" dir="t"/>
+    </dgm:scene3d>
+    <dgm:sp3d/>
+    <dgm:txPr/>
+    <dgm:style>
+      <a:lnRef idx="2">
+        <a:scrgbClr r="0" g="0" b="0"/>
+      </a:lnRef>
+      <a:fillRef idx="0">
+        <a:scrgbClr r="0" g="0" b="0"/>
+      </a:fillRef>
+      <a:effectRef idx="0">
+        <a:scrgbClr r="0" g="0" b="0"/>
+      </a:effectRef>
+      <a:fontRef idx="minor"/>
+    </dgm:style>
+  </dgm:styleLbl>
+  <dgm:styleLbl name="fgAcc1">
+    <dgm:scene3d>
+      <a:camera prst="orthographicFront"/>
+      <a:lightRig rig="threePt" dir="t"/>
+    </dgm:scene3d>
+    <dgm:sp3d/>
+    <dgm:txPr/>
+    <dgm:style>
+      <a:lnRef idx="2">
+        <a:scrgbClr r="0" g="0" b="0"/>
+      </a:lnRef>
+      <a:fillRef idx="1">
+        <a:scrgbClr r="0" g="0" b="0"/>
+      </a:fillRef>
+      <a:effectRef idx="0">
+        <a:scrgbClr r="0" g="0" b="0"/>
+      </a:effectRef>
+      <a:fontRef idx="minor"/>
+    </dgm:style>
+  </dgm:styleLbl>
+  <dgm:styleLbl name="conFgAcc1">
+    <dgm:scene3d>
+      <a:camera prst="orthographicFront"/>
+      <a:lightRig rig="threePt" dir="t"/>
+    </dgm:scene3d>
+    <dgm:sp3d/>
+    <dgm:txPr/>
+    <dgm:style>
+      <a:lnRef idx="2">
+        <a:scrgbClr r="0" g="0" b="0"/>
+      </a:lnRef>
+      <a:fillRef idx="1">
+        <a:scrgbClr r="0" g="0" b="0"/>
+      </a:fillRef>
+      <a:effectRef idx="0">
+        <a:scrgbClr r="0" g="0" b="0"/>
+      </a:effectRef>
+      <a:fontRef idx="minor"/>
+    </dgm:style>
+  </dgm:styleLbl>
+  <dgm:styleLbl name="alignAcc1">
+    <dgm:scene3d>
+      <a:camera prst="orthographicFront"/>
+      <a:lightRig rig="threePt" dir="t"/>
+    </dgm:scene3d>
+    <dgm:sp3d/>
+    <dgm:txPr/>
+    <dgm:style>
+      <a:lnRef idx="2">
+        <a:scrgbClr r="0" g="0" b="0"/>
+      </a:lnRef>
+      <a:fillRef idx="1">
+        <a:scrgbClr r="0" g="0" b="0"/>
+      </a:fillRef>
+      <a:effectRef idx="0">
+        <a:scrgbClr r="0" g="0" b="0"/>
+      </a:effectRef>
+      <a:fontRef idx="minor"/>
+    </dgm:style>
+  </dgm:styleLbl>
+  <dgm:styleLbl name="trAlignAcc1">
+    <dgm:scene3d>
+      <a:camera prst="orthographicFront"/>
+      <a:lightRig rig="threePt" dir="t"/>
+    </dgm:scene3d>
+    <dgm:sp3d/>
+    <dgm:txPr/>
+    <dgm:style>
+      <a:lnRef idx="1">
+        <a:scrgbClr r="0" g="0" b="0"/>
+      </a:lnRef>
+      <a:fillRef idx="1">
+        <a:scrgbClr r="0" g="0" b="0"/>
+      </a:fillRef>
+      <a:effectRef idx="0">
+        <a:scrgbClr r="0" g="0" b="0"/>
+      </a:effectRef>
+      <a:fontRef idx="minor"/>
+    </dgm:style>
+  </dgm:styleLbl>
+  <dgm:styleLbl name="bgAcc1">
+    <dgm:scene3d>
+      <a:camera prst="orthographicFront"/>
+      <a:lightRig rig="threePt" dir="t"/>
+    </dgm:scene3d>
+    <dgm:sp3d/>
+    <dgm:txPr/>
+    <dgm:style>
+      <a:lnRef idx="2">
+        <a:scrgbClr r="0" g="0" b="0"/>
+      </a:lnRef>
+      <a:fillRef idx="1">
+        <a:scrgbClr r="0" g="0" b="0"/>
+      </a:fillRef>
+      <a:effectRef idx="0">
+        <a:scrgbClr r="0" g="0" b="0"/>
+      </a:effectRef>
+      <a:fontRef idx="minor"/>
+    </dgm:style>
+  </dgm:styleLbl>
+  <dgm:styleLbl name="solidFgAcc1">
+    <dgm:scene3d>
+      <a:camera prst="orthographicFront"/>
+      <a:lightRig rig="threePt" dir="t"/>
+    </dgm:scene3d>
+    <dgm:sp3d/>
+    <dgm:txPr/>
+    <dgm:style>
+      <a:lnRef idx="2">
+        <a:scrgbClr r="0" g="0" b="0"/>
+      </a:lnRef>
+      <a:fillRef idx="1">
+        <a:scrgbClr r="0" g="0" b="0"/>
+      </a:fillRef>
+      <a:effectRef idx="0">
+        <a:scrgbClr r="0" g="0" b="0"/>
+      </a:effectRef>
+      <a:fontRef idx="minor"/>
+    </dgm:style>
+  </dgm:styleLbl>
+  <dgm:styleLbl name="solidAlignAcc1">
+    <dgm:scene3d>
+      <a:camera prst="orthographicFront"/>
+      <a:lightRig rig="threePt" dir="t"/>
+    </dgm:scene3d>
+    <dgm:sp3d/>
+    <dgm:txPr/>
+    <dgm:style>
+      <a:lnRef idx="2">
+        <a:scrgbClr r="0" g="0" b="0"/>
+      </a:lnRef>
+      <a:fillRef idx="1">
+        <a:scrgbClr r="0" g="0" b="0"/>
+      </a:fillRef>
+      <a:effectRef idx="0">
+        <a:scrgbClr r="0" g="0" b="0"/>
+      </a:effectRef>
+      <a:fontRef idx="minor"/>
+    </dgm:style>
+  </dgm:styleLbl>
+  <dgm:styleLbl name="solidBgAcc1">
+    <dgm:scene3d>
+      <a:camera prst="orthographicFront"/>
+      <a:lightRig rig="threePt" dir="t"/>
+    </dgm:scene3d>
+    <dgm:sp3d/>
+    <dgm:txPr/>
+    <dgm:style>
+      <a:lnRef idx="2">
+        <a:scrgbClr r="0" g="0" b="0"/>
+      </a:lnRef>
+      <a:fillRef idx="1">
+        <a:scrgbClr r="0" g="0" b="0"/>
+      </a:fillRef>
+      <a:effectRef idx="0">
+        <a:scrgbClr r="0" g="0" b="0"/>
+      </a:effectRef>
+      <a:fontRef idx="minor"/>
+    </dgm:style>
+  </dgm:styleLbl>
+  <dgm:styleLbl name="fgAccFollowNode1">
+    <dgm:scene3d>
+      <a:camera prst="orthographicFront"/>
+      <a:lightRig rig="threePt" dir="t"/>
+    </dgm:scene3d>
+    <dgm:sp3d/>
+    <dgm:txPr/>
+    <dgm:style>
+      <a:lnRef idx="2">
+        <a:scrgbClr r="0" g="0" b="0"/>
+      </a:lnRef>
+      <a:fillRef idx="1">
+        <a:scrgbClr r="0" g="0" b="0"/>
+      </a:fillRef>
+      <a:effectRef idx="0">
+        <a:scrgbClr r="0" g="0" b="0"/>
+      </a:effectRef>
+      <a:fontRef idx="minor"/>
+    </dgm:style>
+  </dgm:styleLbl>
+  <dgm:styleLbl name="alignAccFollowNode1">
+    <dgm:scene3d>
+      <a:camera prst="orthographicFront"/>
+      <a:lightRig rig="threePt" dir="t"/>
+    </dgm:scene3d>
+    <dgm:sp3d/>
+    <dgm:txPr/>
+    <dgm:style>
+      <a:lnRef idx="2">
+        <a:scrgbClr r="0" g="0" b="0"/>
+      </a:lnRef>
+      <a:fillRef idx="1">
+        <a:scrgbClr r="0" g="0" b="0"/>
+      </a:fillRef>
+      <a:effectRef idx="0">
+        <a:scrgbClr r="0" g="0" b="0"/>
+      </a:effectRef>
+      <a:fontRef idx="minor"/>
+    </dgm:style>
+  </dgm:styleLbl>
+  <dgm:styleLbl name="bgAccFollowNode1">
+    <dgm:scene3d>
+      <a:camera prst="orthographicFront"/>
+      <a:lightRig rig="threePt" dir="t"/>
+    </dgm:scene3d>
+    <dgm:sp3d/>
+    <dgm:txPr/>
+    <dgm:style>
+      <a:lnRef idx="2">
+        <a:scrgbClr r="0" g="0" b="0"/>
+      </a:lnRef>
+      <a:fillRef idx="1">
+        <a:scrgbClr r="0" g="0" b="0"/>
+      </a:fillRef>
+      <a:effectRef idx="0">
+        <a:scrgbClr r="0" g="0" b="0"/>
+      </a:effectRef>
+      <a:fontRef idx="minor"/>
+    </dgm:style>
+  </dgm:styleLbl>
+  <dgm:styleLbl name="fgAcc0">
+    <dgm:scene3d>
+      <a:camera prst="orthographicFront"/>
+      <a:lightRig rig="threePt" dir="t"/>
+    </dgm:scene3d>
+    <dgm:sp3d/>
+    <dgm:txPr/>
+    <dgm:style>
+      <a:lnRef idx="2">
+        <a:scrgbClr r="0" g="0" b="0"/>
+      </a:lnRef>
+      <a:fillRef idx="1">
+        <a:scrgbClr r="0" g="0" b="0"/>
+      </a:fillRef>
+      <a:effectRef idx="0">
+        <a:scrgbClr r="0" g="0" b="0"/>
+      </a:effectRef>
+      <a:fontRef idx="minor"/>
+    </dgm:style>
+  </dgm:styleLbl>
+  <dgm:styleLbl name="fgAcc2">
+    <dgm:scene3d>
+      <a:camera prst="orthographicFront"/>
+      <a:lightRig rig="threePt" dir="t"/>
+    </dgm:scene3d>
+    <dgm:sp3d/>
+    <dgm:txPr/>
+    <dgm:style>
+      <a:lnRef idx="2">
+        <a:scrgbClr r="0" g="0" b="0"/>
+      </a:lnRef>
+      <a:fillRef idx="1">
+        <a:scrgbClr r="0" g="0" b="0"/>
+      </a:fillRef>
+      <a:effectRef idx="0">
+        <a:scrgbClr r="0" g="0" b="0"/>
+      </a:effectRef>
+      <a:fontRef idx="minor"/>
+    </dgm:style>
+  </dgm:styleLbl>
+  <dgm:styleLbl name="fgAcc3">
+    <dgm:scene3d>
+      <a:camera prst="orthographicFront"/>
+      <a:lightRig rig="threePt" dir="t"/>
+    </dgm:scene3d>
+    <dgm:sp3d/>
+    <dgm:txPr/>
+    <dgm:style>
+      <a:lnRef idx="2">
+        <a:scrgbClr r="0" g="0" b="0"/>
+      </a:lnRef>
+      <a:fillRef idx="1">
+        <a:scrgbClr r="0" g="0" b="0"/>
+      </a:fillRef>
+      <a:effectRef idx="0">
+        <a:scrgbClr r="0" g="0" b="0"/>
+      </a:effectRef>
+      <a:fontRef idx="minor"/>
+    </dgm:style>
+  </dgm:styleLbl>
+  <dgm:styleLbl name="fgAcc4">
+    <dgm:scene3d>
+      <a:camera prst="orthographicFront"/>
+      <a:lightRig rig="threePt" dir="t"/>
+    </dgm:scene3d>
+    <dgm:sp3d/>
+    <dgm:txPr/>
+    <dgm:style>
+      <a:lnRef idx="2">
+        <a:scrgbClr r="0" g="0" b="0"/>
+      </a:lnRef>
+      <a:fillRef idx="1">
+        <a:scrgbClr r="0" g="0" b="0"/>
+      </a:fillRef>
+      <a:effectRef idx="0">
+        <a:scrgbClr r="0" g="0" b="0"/>
+      </a:effectRef>
+      <a:fontRef idx="minor"/>
+    </dgm:style>
+  </dgm:styleLbl>
+  <dgm:styleLbl name="bgShp">
+    <dgm:scene3d>
+      <a:camera prst="orthographicFront"/>
+      <a:lightRig rig="threePt" dir="t"/>
+    </dgm:scene3d>
+    <dgm:sp3d/>
+    <dgm:txPr/>
+    <dgm:style>
+      <a:lnRef idx="0">
+        <a:scrgbClr r="0" g="0" b="0"/>
+      </a:lnRef>
+      <a:fillRef idx="1">
+        <a:scrgbClr r="0" g="0" b="0"/>
+      </a:fillRef>
+      <a:effectRef idx="0">
+        <a:scrgbClr r="0" g="0" b="0"/>
+      </a:effectRef>
+      <a:fontRef idx="minor"/>
+    </dgm:style>
+  </dgm:styleLbl>
+  <dgm:styleLbl name="dkBgShp">
+    <dgm:scene3d>
+      <a:camera prst="orthographicFront"/>
+      <a:lightRig rig="threePt" dir="t"/>
+    </dgm:scene3d>
+    <dgm:sp3d/>
+    <dgm:txPr/>
+    <dgm:style>
+      <a:lnRef idx="0">
+        <a:scrgbClr r="0" g="0" b="0"/>
+      </a:lnRef>
+      <a:fillRef idx="1">
+        <a:scrgbClr r="0" g="0" b="0"/>
+      </a:fillRef>
+      <a:effectRef idx="0">
+        <a:scrgbClr r="0" g="0" b="0"/>
+      </a:effectRef>
+      <a:fontRef idx="minor"/>
+    </dgm:style>
+  </dgm:styleLbl>
+  <dgm:styleLbl name="trBgShp">
+    <dgm:scene3d>
+      <a:camera prst="orthographicFront"/>
+      <a:lightRig rig="threePt" dir="t"/>
+    </dgm:scene3d>
+    <dgm:sp3d/>
+    <dgm:txPr/>
+    <dgm:style>
+      <a:lnRef idx="0">
+        <a:scrgbClr r="0" g="0" b="0"/>
+      </a:lnRef>
+      <a:fillRef idx="1">
+        <a:scrgbClr r="0" g="0" b="0"/>
+      </a:fillRef>
+      <a:effectRef idx="0">
+        <a:scrgbClr r="0" g="0" b="0"/>
+      </a:effectRef>
+      <a:fontRef idx="minor"/>
+    </dgm:style>
+  </dgm:styleLbl>
+  <dgm:styleLbl name="fgShp">
+    <dgm:scene3d>
+      <a:camera prst="orthographicFront"/>
+      <a:lightRig rig="threePt" dir="t"/>
+    </dgm:scene3d>
+    <dgm:sp3d/>
+    <dgm:txPr/>
+    <dgm:style>
+      <a:lnRef idx="2">
+        <a:scrgbClr r="0" g="0" b="0"/>
+      </a:lnRef>
+      <a:fillRef idx="1">
+        <a:scrgbClr r="0" g="0" b="0"/>
+      </a:fillRef>
+      <a:effectRef idx="0">
+        <a:scrgbClr r="0" g="0" b="0"/>
+      </a:effectRef>
+      <a:fontRef idx="minor"/>
+    </dgm:style>
+  </dgm:styleLbl>
+  <dgm:styleLbl name="revTx">
+    <dgm:scene3d>
+      <a:camera prst="orthographicFront"/>
+      <a:lightRig rig="threePt" dir="t"/>
+    </dgm:scene3d>
+    <dgm:sp3d/>
+    <dgm:txPr/>
+    <dgm:style>
+      <a:lnRef idx="0">
+        <a:scrgbClr r="0" g="0" b="0"/>
+      </a:lnRef>
+      <a:fillRef idx="0">
+        <a:scrgbClr r="0" g="0" b="0"/>
+      </a:fillRef>
+      <a:effectRef idx="0">
+        <a:scrgbClr r="0" g="0" b="0"/>
+      </a:effectRef>
+      <a:fontRef idx="minor"/>
+    </dgm:style>
+  </dgm:styleLbl>
+</dgm:styleDef>
+</file>
+
 <file path=ppt/slideLayouts/slideLayout1.xml><?xml version="1.0" encoding="utf-8"?>
 <p:sldLayout xmlns:a="http://schemas.openxmlformats.org/drawingml/2006/main" xmlns:r="http://schemas.openxmlformats.org/officeDocument/2006/relationships" xmlns:p="http://schemas.openxmlformats.org/presentationml/2006/main" type="title" preserve="1">
   <p:cSld name="Title Slide">
@@ -318,7 +3455,7 @@
           <a:p>
             <a:fld id="{B0BFFBC4-14A8-4F86-81E4-E15E62CBC2ED}" type="datetimeFigureOut">
               <a:rPr lang="en-US" smtClean="0"/>
-              <a:t>12/5/2022</a:t>
+              <a:t>12/6/2022</a:t>
             </a:fld>
             <a:endParaRPr lang="en-US"/>
           </a:p>
@@ -609,7 +3746,7 @@
           <a:p>
             <a:fld id="{B0BFFBC4-14A8-4F86-81E4-E15E62CBC2ED}" type="datetimeFigureOut">
               <a:rPr lang="en-US" smtClean="0"/>
-              <a:t>12/5/2022</a:t>
+              <a:t>12/6/2022</a:t>
             </a:fld>
             <a:endParaRPr lang="en-US"/>
           </a:p>
@@ -857,7 +3994,7 @@
           <a:p>
             <a:fld id="{B0BFFBC4-14A8-4F86-81E4-E15E62CBC2ED}" type="datetimeFigureOut">
               <a:rPr lang="en-US" smtClean="0"/>
-              <a:t>12/5/2022</a:t>
+              <a:t>12/6/2022</a:t>
             </a:fld>
             <a:endParaRPr lang="en-US"/>
           </a:p>
@@ -1393,7 +4530,7 @@
           <a:p>
             <a:fld id="{B0BFFBC4-14A8-4F86-81E4-E15E62CBC2ED}" type="datetimeFigureOut">
               <a:rPr lang="en-US" smtClean="0"/>
-              <a:t>12/5/2022</a:t>
+              <a:t>12/6/2022</a:t>
             </a:fld>
             <a:endParaRPr lang="en-US"/>
           </a:p>
@@ -1641,7 +4778,7 @@
           <a:p>
             <a:fld id="{B0BFFBC4-14A8-4F86-81E4-E15E62CBC2ED}" type="datetimeFigureOut">
               <a:rPr lang="en-US" smtClean="0"/>
-              <a:t>12/5/2022</a:t>
+              <a:t>12/6/2022</a:t>
             </a:fld>
             <a:endParaRPr lang="en-US"/>
           </a:p>
@@ -2184,7 +5321,7 @@
           <a:p>
             <a:fld id="{B0BFFBC4-14A8-4F86-81E4-E15E62CBC2ED}" type="datetimeFigureOut">
               <a:rPr lang="en-US" smtClean="0"/>
-              <a:t>12/5/2022</a:t>
+              <a:t>12/6/2022</a:t>
             </a:fld>
             <a:endParaRPr lang="en-US"/>
           </a:p>
@@ -2494,7 +5631,7 @@
           <a:p>
             <a:fld id="{B0BFFBC4-14A8-4F86-81E4-E15E62CBC2ED}" type="datetimeFigureOut">
               <a:rPr lang="en-US" smtClean="0"/>
-              <a:t>12/5/2022</a:t>
+              <a:t>12/6/2022</a:t>
             </a:fld>
             <a:endParaRPr lang="en-US"/>
           </a:p>
@@ -2669,7 +5806,7 @@
           <a:p>
             <a:fld id="{B0BFFBC4-14A8-4F86-81E4-E15E62CBC2ED}" type="datetimeFigureOut">
               <a:rPr lang="en-US" smtClean="0"/>
-              <a:t>12/5/2022</a:t>
+              <a:t>12/6/2022</a:t>
             </a:fld>
             <a:endParaRPr lang="en-US"/>
           </a:p>
@@ -2849,7 +5986,7 @@
           <a:p>
             <a:fld id="{B0BFFBC4-14A8-4F86-81E4-E15E62CBC2ED}" type="datetimeFigureOut">
               <a:rPr lang="en-US" smtClean="0"/>
-              <a:t>12/5/2022</a:t>
+              <a:t>12/6/2022</a:t>
             </a:fld>
             <a:endParaRPr lang="en-US"/>
           </a:p>
@@ -3019,7 +6156,7 @@
           <a:p>
             <a:fld id="{B0BFFBC4-14A8-4F86-81E4-E15E62CBC2ED}" type="datetimeFigureOut">
               <a:rPr lang="en-US" smtClean="0"/>
-              <a:t>12/5/2022</a:t>
+              <a:t>12/6/2022</a:t>
             </a:fld>
             <a:endParaRPr lang="en-US"/>
           </a:p>
@@ -3265,7 +6402,7 @@
           <a:p>
             <a:fld id="{B0BFFBC4-14A8-4F86-81E4-E15E62CBC2ED}" type="datetimeFigureOut">
               <a:rPr lang="en-US" smtClean="0"/>
-              <a:t>12/5/2022</a:t>
+              <a:t>12/6/2022</a:t>
             </a:fld>
             <a:endParaRPr lang="en-US"/>
           </a:p>
@@ -3557,7 +6694,7 @@
           <a:p>
             <a:fld id="{B0BFFBC4-14A8-4F86-81E4-E15E62CBC2ED}" type="datetimeFigureOut">
               <a:rPr lang="en-US" smtClean="0"/>
-              <a:t>12/5/2022</a:t>
+              <a:t>12/6/2022</a:t>
             </a:fld>
             <a:endParaRPr lang="en-US"/>
           </a:p>
@@ -3987,7 +7124,7 @@
           <a:p>
             <a:fld id="{B0BFFBC4-14A8-4F86-81E4-E15E62CBC2ED}" type="datetimeFigureOut">
               <a:rPr lang="en-US" smtClean="0"/>
-              <a:t>12/5/2022</a:t>
+              <a:t>12/6/2022</a:t>
             </a:fld>
             <a:endParaRPr lang="en-US"/>
           </a:p>
@@ -4110,7 +7247,7 @@
           <a:p>
             <a:fld id="{B0BFFBC4-14A8-4F86-81E4-E15E62CBC2ED}" type="datetimeFigureOut">
               <a:rPr lang="en-US" smtClean="0"/>
-              <a:t>12/5/2022</a:t>
+              <a:t>12/6/2022</a:t>
             </a:fld>
             <a:endParaRPr lang="en-US"/>
           </a:p>
@@ -4205,7 +7342,7 @@
           <a:p>
             <a:fld id="{B0BFFBC4-14A8-4F86-81E4-E15E62CBC2ED}" type="datetimeFigureOut">
               <a:rPr lang="en-US" smtClean="0"/>
-              <a:t>12/5/2022</a:t>
+              <a:t>12/6/2022</a:t>
             </a:fld>
             <a:endParaRPr lang="en-US"/>
           </a:p>
@@ -4488,7 +7625,7 @@
           <a:p>
             <a:fld id="{B0BFFBC4-14A8-4F86-81E4-E15E62CBC2ED}" type="datetimeFigureOut">
               <a:rPr lang="en-US" smtClean="0"/>
-              <a:t>12/5/2022</a:t>
+              <a:t>12/6/2022</a:t>
             </a:fld>
             <a:endParaRPr lang="en-US"/>
           </a:p>
@@ -4779,7 +7916,7 @@
           <a:p>
             <a:fld id="{B0BFFBC4-14A8-4F86-81E4-E15E62CBC2ED}" type="datetimeFigureOut">
               <a:rPr lang="en-US" smtClean="0"/>
-              <a:t>12/5/2022</a:t>
+              <a:t>12/6/2022</a:t>
             </a:fld>
             <a:endParaRPr lang="en-US"/>
           </a:p>
@@ -5010,7 +8147,7 @@
           <a:p>
             <a:fld id="{B0BFFBC4-14A8-4F86-81E4-E15E62CBC2ED}" type="datetimeFigureOut">
               <a:rPr lang="en-US" smtClean="0"/>
-              <a:t>12/5/2022</a:t>
+              <a:t>12/6/2022</a:t>
             </a:fld>
             <a:endParaRPr lang="en-US"/>
           </a:p>
@@ -5739,6 +8876,473 @@
 </p:sld>
 </file>
 
+<file path=ppt/slides/slide10.xml><?xml version="1.0" encoding="utf-8"?>
+<p:sld xmlns:a="http://schemas.openxmlformats.org/drawingml/2006/main" xmlns:r="http://schemas.openxmlformats.org/officeDocument/2006/relationships" xmlns:p="http://schemas.openxmlformats.org/presentationml/2006/main">
+  <p:cSld>
+    <p:bg>
+      <p:bgPr>
+        <a:blipFill rotWithShape="1">
+          <a:blip r:embed="rId2">
+            <a:duotone>
+              <a:schemeClr val="bg2">
+                <a:shade val="28000"/>
+                <a:satMod val="94000"/>
+                <a:lumMod val="20000"/>
+              </a:schemeClr>
+              <a:schemeClr val="bg2">
+                <a:tint val="94000"/>
+                <a:shade val="84000"/>
+                <a:satMod val="148000"/>
+                <a:lumMod val="114000"/>
+              </a:schemeClr>
+            </a:duotone>
+          </a:blip>
+          <a:stretch/>
+        </a:blipFill>
+        <a:effectLst/>
+      </p:bgPr>
+    </p:bg>
+    <p:spTree>
+      <p:nvGrpSpPr>
+        <p:cNvPr id="1" name=""/>
+        <p:cNvGrpSpPr/>
+        <p:nvPr/>
+      </p:nvGrpSpPr>
+      <p:grpSpPr>
+        <a:xfrm>
+          <a:off x="0" y="0"/>
+          <a:ext cx="0" cy="0"/>
+          <a:chOff x="0" y="0"/>
+          <a:chExt cx="0" cy="0"/>
+        </a:xfrm>
+      </p:grpSpPr>
+      <p:sp>
+        <p:nvSpPr>
+          <p:cNvPr id="5" name="Title 4">
+            <a:extLst>
+              <a:ext uri="{FF2B5EF4-FFF2-40B4-BE49-F238E27FC236}">
+                <a16:creationId xmlns:a16="http://schemas.microsoft.com/office/drawing/2014/main" id="{44A9DCBB-734A-77D3-9518-0455FB4CD0E9}"/>
+              </a:ext>
+            </a:extLst>
+          </p:cNvPr>
+          <p:cNvSpPr>
+            <a:spLocks noGrp="1"/>
+          </p:cNvSpPr>
+          <p:nvPr>
+            <p:ph type="ctrTitle"/>
+          </p:nvPr>
+        </p:nvSpPr>
+        <p:spPr>
+          <a:xfrm>
+            <a:off x="974179" y="714375"/>
+            <a:ext cx="3332955" cy="5076826"/>
+          </a:xfrm>
+        </p:spPr>
+        <p:txBody>
+          <a:bodyPr vert="horz" lIns="91440" tIns="45720" rIns="91440" bIns="45720" rtlCol="0" anchor="ctr">
+            <a:normAutofit/>
+          </a:bodyPr>
+          <a:lstStyle/>
+          <a:p>
+            <a:pPr algn="l"/>
+            <a:r>
+              <a:rPr lang="en-US" sz="4000">
+                <a:gradFill flip="none" rotWithShape="1">
+                  <a:gsLst>
+                    <a:gs pos="0">
+                      <a:schemeClr val="tx1"/>
+                    </a:gs>
+                    <a:gs pos="100000">
+                      <a:schemeClr val="tx1">
+                        <a:lumMod val="65000"/>
+                      </a:schemeClr>
+                    </a:gs>
+                  </a:gsLst>
+                  <a:lin ang="5580000" scaled="0"/>
+                  <a:tileRect/>
+                </a:gradFill>
+                <a:effectLst>
+                  <a:glow rad="38100">
+                    <a:schemeClr val="bg1">
+                      <a:lumMod val="65000"/>
+                      <a:lumOff val="35000"/>
+                      <a:alpha val="40000"/>
+                    </a:schemeClr>
+                  </a:glow>
+                  <a:outerShdw blurRad="28575" dist="38100" dir="14040000" algn="tl" rotWithShape="0">
+                    <a:srgbClr val="000000">
+                      <a:alpha val="25000"/>
+                    </a:srgbClr>
+                  </a:outerShdw>
+                </a:effectLst>
+              </a:rPr>
+              <a:t>What is NEXT? .NET 7</a:t>
+            </a:r>
+          </a:p>
+        </p:txBody>
+      </p:sp>
+      <p:sp>
+        <p:nvSpPr>
+          <p:cNvPr id="16" name="Rectangle 10">
+            <a:extLst>
+              <a:ext uri="{FF2B5EF4-FFF2-40B4-BE49-F238E27FC236}">
+                <a16:creationId xmlns:a16="http://schemas.microsoft.com/office/drawing/2014/main" id="{375136A9-49F9-4DA0-A741-F065B0FA091D}"/>
+              </a:ext>
+              <a:ext uri="{C183D7F6-B498-43B3-948B-1728B52AA6E4}">
+                <adec:decorative xmlns:adec="http://schemas.microsoft.com/office/drawing/2017/decorative" val="1"/>
+              </a:ext>
+            </a:extLst>
+          </p:cNvPr>
+          <p:cNvSpPr>
+            <a:spLocks noGrp="1" noRot="1" noChangeAspect="1" noMove="1" noResize="1" noEditPoints="1" noAdjustHandles="1" noChangeArrowheads="1" noChangeShapeType="1" noTextEdit="1"/>
+          </p:cNvSpPr>
+          <p:nvPr>
+            <p:extLst>
+              <p:ext uri="{386F3935-93C4-4BCD-93E2-E3B085C9AB24}">
+                <p16:designElem xmlns:p16="http://schemas.microsoft.com/office/powerpoint/2015/main" val="1"/>
+              </p:ext>
+            </p:extLst>
+          </p:nvPr>
+        </p:nvSpPr>
+        <p:spPr>
+          <a:xfrm>
+            <a:off x="4633356" y="0"/>
+            <a:ext cx="7558643" cy="6858000"/>
+          </a:xfrm>
+          <a:prstGeom prst="rect">
+            <a:avLst/>
+          </a:prstGeom>
+          <a:solidFill>
+            <a:schemeClr val="bg2"/>
+          </a:solidFill>
+          <a:ln>
+            <a:noFill/>
+          </a:ln>
+          <a:effectLst>
+            <a:innerShdw blurRad="63500" dist="50800" dir="10800000">
+              <a:prstClr val="black">
+                <a:alpha val="50000"/>
+              </a:prstClr>
+            </a:innerShdw>
+          </a:effectLst>
+        </p:spPr>
+        <p:style>
+          <a:lnRef idx="2">
+            <a:schemeClr val="accent1">
+              <a:shade val="50000"/>
+            </a:schemeClr>
+          </a:lnRef>
+          <a:fillRef idx="1">
+            <a:schemeClr val="accent1"/>
+          </a:fillRef>
+          <a:effectRef idx="0">
+            <a:schemeClr val="accent1"/>
+          </a:effectRef>
+          <a:fontRef idx="minor">
+            <a:schemeClr val="lt1"/>
+          </a:fontRef>
+        </p:style>
+        <p:txBody>
+          <a:bodyPr rtlCol="0" anchor="ctr"/>
+          <a:lstStyle/>
+          <a:p>
+            <a:pPr algn="ctr"/>
+            <a:endParaRPr lang="en-US" dirty="0"/>
+          </a:p>
+        </p:txBody>
+      </p:sp>
+      <p:sp>
+        <p:nvSpPr>
+          <p:cNvPr id="17" name="Rectangle 12">
+            <a:extLst>
+              <a:ext uri="{FF2B5EF4-FFF2-40B4-BE49-F238E27FC236}">
+                <a16:creationId xmlns:a16="http://schemas.microsoft.com/office/drawing/2014/main" id="{B912F6C7-0423-4B6F-AECE-710C848918FD}"/>
+              </a:ext>
+              <a:ext uri="{C183D7F6-B498-43B3-948B-1728B52AA6E4}">
+                <adec:decorative xmlns:adec="http://schemas.microsoft.com/office/drawing/2017/decorative" val="1"/>
+              </a:ext>
+            </a:extLst>
+          </p:cNvPr>
+          <p:cNvSpPr>
+            <a:spLocks noGrp="1" noRot="1" noChangeAspect="1" noMove="1" noResize="1" noEditPoints="1" noAdjustHandles="1" noChangeArrowheads="1" noChangeShapeType="1" noTextEdit="1"/>
+          </p:cNvSpPr>
+          <p:nvPr>
+            <p:extLst>
+              <p:ext uri="{386F3935-93C4-4BCD-93E2-E3B085C9AB24}">
+                <p16:designElem xmlns:p16="http://schemas.microsoft.com/office/powerpoint/2015/main" val="1"/>
+              </p:ext>
+            </p:extLst>
+          </p:nvPr>
+        </p:nvSpPr>
+        <p:spPr>
+          <a:xfrm rot="5400000" flipH="1">
+            <a:off x="1446539" y="3195797"/>
+            <a:ext cx="6858000" cy="466406"/>
+          </a:xfrm>
+          <a:prstGeom prst="rect">
+            <a:avLst/>
+          </a:prstGeom>
+          <a:gradFill>
+            <a:gsLst>
+              <a:gs pos="0">
+                <a:srgbClr val="363D46">
+                  <a:alpha val="0"/>
+                </a:srgbClr>
+              </a:gs>
+              <a:gs pos="100000">
+                <a:srgbClr val="363D46">
+                  <a:lumMod val="75000"/>
+                </a:srgbClr>
+              </a:gs>
+            </a:gsLst>
+            <a:lin ang="5400000" scaled="0"/>
+          </a:gradFill>
+          <a:ln>
+            <a:noFill/>
+          </a:ln>
+          <a:effectLst/>
+        </p:spPr>
+        <p:style>
+          <a:lnRef idx="2">
+            <a:schemeClr val="accent1">
+              <a:shade val="50000"/>
+            </a:schemeClr>
+          </a:lnRef>
+          <a:fillRef idx="1">
+            <a:schemeClr val="accent1"/>
+          </a:fillRef>
+          <a:effectRef idx="0">
+            <a:schemeClr val="accent1"/>
+          </a:effectRef>
+          <a:fontRef idx="minor">
+            <a:schemeClr val="lt1"/>
+          </a:fontRef>
+        </p:style>
+        <p:txBody>
+          <a:bodyPr rot="0" spcFirstLastPara="0" vertOverflow="overflow" horzOverflow="overflow" vert="horz" wrap="square" lIns="91440" tIns="45720" rIns="91440" bIns="45720" numCol="1" spcCol="0" rtlCol="0" fromWordArt="0" anchor="ctr" anchorCtr="0" forceAA="0" compatLnSpc="1">
+            <a:prstTxWarp prst="textNoShape">
+              <a:avLst/>
+            </a:prstTxWarp>
+            <a:noAutofit/>
+          </a:bodyPr>
+          <a:lstStyle/>
+          <a:p>
+            <a:pPr algn="ctr"/>
+            <a:endParaRPr lang="en-US"/>
+          </a:p>
+        </p:txBody>
+      </p:sp>
+      <p:cxnSp>
+        <p:nvCxnSpPr>
+          <p:cNvPr id="15" name="Straight Connector 14">
+            <a:extLst>
+              <a:ext uri="{FF2B5EF4-FFF2-40B4-BE49-F238E27FC236}">
+                <a16:creationId xmlns:a16="http://schemas.microsoft.com/office/drawing/2014/main" id="{A7208205-03EE-4EC8-9C34-59270C1880D8}"/>
+              </a:ext>
+              <a:ext uri="{C183D7F6-B498-43B3-948B-1728B52AA6E4}">
+                <adec:decorative xmlns:adec="http://schemas.microsoft.com/office/drawing/2017/decorative" val="1"/>
+              </a:ext>
+            </a:extLst>
+          </p:cNvPr>
+          <p:cNvCxnSpPr>
+            <a:cxnSpLocks noGrp="1" noRot="1" noChangeAspect="1" noMove="1" noResize="1" noEditPoints="1" noAdjustHandles="1" noChangeArrowheads="1" noChangeShapeType="1"/>
+          </p:cNvCxnSpPr>
+          <p:nvPr>
+            <p:extLst>
+              <p:ext uri="{386F3935-93C4-4BCD-93E2-E3B085C9AB24}">
+                <p16:designElem xmlns:p16="http://schemas.microsoft.com/office/powerpoint/2015/main" val="1"/>
+              </p:ext>
+            </p:extLst>
+          </p:nvPr>
+        </p:nvCxnSpPr>
+        <p:spPr>
+          <a:xfrm>
+            <a:off x="4642336" y="0"/>
+            <a:ext cx="0" cy="6858000"/>
+          </a:xfrm>
+          <a:prstGeom prst="line">
+            <a:avLst/>
+          </a:prstGeom>
+          <a:solidFill>
+            <a:srgbClr val="FFFFFF"/>
+          </a:solidFill>
+          <a:ln w="38100" cap="flat">
+            <a:gradFill flip="none" rotWithShape="1">
+              <a:gsLst>
+                <a:gs pos="0">
+                  <a:srgbClr val="363D46"/>
+                </a:gs>
+                <a:gs pos="100000">
+                  <a:srgbClr val="363D46">
+                    <a:lumMod val="75000"/>
+                  </a:srgbClr>
+                </a:gs>
+              </a:gsLst>
+              <a:lin ang="5400000" scaled="0"/>
+              <a:tileRect/>
+            </a:gradFill>
+            <a:miter lim="800000"/>
+          </a:ln>
+          <a:effectLst>
+            <a:innerShdw blurRad="57150" dist="38100" dir="14460000">
+              <a:srgbClr val="000000">
+                <a:alpha val="70000"/>
+              </a:srgbClr>
+            </a:innerShdw>
+          </a:effectLst>
+        </p:spPr>
+        <p:style>
+          <a:lnRef idx="2">
+            <a:schemeClr val="accent1">
+              <a:shade val="50000"/>
+            </a:schemeClr>
+          </a:lnRef>
+          <a:fillRef idx="1">
+            <a:schemeClr val="accent1"/>
+          </a:fillRef>
+          <a:effectRef idx="0">
+            <a:schemeClr val="accent1"/>
+          </a:effectRef>
+          <a:fontRef idx="minor">
+            <a:schemeClr val="lt1"/>
+          </a:fontRef>
+        </p:style>
+      </p:cxnSp>
+      <p:sp>
+        <p:nvSpPr>
+          <p:cNvPr id="6" name="Content Placeholder 5">
+            <a:extLst>
+              <a:ext uri="{FF2B5EF4-FFF2-40B4-BE49-F238E27FC236}">
+                <a16:creationId xmlns:a16="http://schemas.microsoft.com/office/drawing/2014/main" id="{DAB2B000-CDF8-68A8-34CF-431A7FA6FCE4}"/>
+              </a:ext>
+            </a:extLst>
+          </p:cNvPr>
+          <p:cNvSpPr>
+            <a:spLocks noGrp="1"/>
+          </p:cNvSpPr>
+          <p:nvPr>
+            <p:ph type="subTitle" idx="1"/>
+          </p:nvPr>
+        </p:nvSpPr>
+        <p:spPr>
+          <a:xfrm>
+            <a:off x="4973046" y="714375"/>
+            <a:ext cx="6253751" cy="5076825"/>
+          </a:xfrm>
+        </p:spPr>
+        <p:txBody>
+          <a:bodyPr vert="horz" lIns="91440" tIns="45720" rIns="91440" bIns="45720" rtlCol="0" anchor="ctr">
+            <a:normAutofit/>
+          </a:bodyPr>
+          <a:lstStyle/>
+          <a:p>
+            <a:pPr algn="l">
+              <a:buClr>
+                <a:schemeClr val="tx1"/>
+              </a:buClr>
+              <a:buFont typeface="Arial"/>
+              <a:buChar char="•"/>
+            </a:pPr>
+            <a:r>
+              <a:rPr lang="en-US" dirty="0"/>
+              <a:t>Rate Limiting</a:t>
+            </a:r>
+          </a:p>
+          <a:p>
+            <a:pPr algn="l">
+              <a:buClr>
+                <a:schemeClr val="tx1"/>
+              </a:buClr>
+              <a:buFont typeface="Arial"/>
+              <a:buChar char="•"/>
+            </a:pPr>
+            <a:r>
+              <a:rPr lang="en-US" dirty="0"/>
+              <a:t>Output Caching</a:t>
+            </a:r>
+          </a:p>
+          <a:p>
+            <a:pPr algn="l">
+              <a:buClr>
+                <a:schemeClr val="tx1"/>
+              </a:buClr>
+              <a:buFont typeface="Arial"/>
+              <a:buChar char="•"/>
+            </a:pPr>
+            <a:r>
+              <a:rPr lang="en-US" dirty="0"/>
+              <a:t>Built-in HTTP/3 Support</a:t>
+            </a:r>
+          </a:p>
+          <a:p>
+            <a:pPr algn="l">
+              <a:buClr>
+                <a:schemeClr val="tx1"/>
+              </a:buClr>
+              <a:buFont typeface="Arial"/>
+              <a:buChar char="•"/>
+            </a:pPr>
+            <a:r>
+              <a:rPr lang="en-US" dirty="0" err="1"/>
+              <a:t>gRPC</a:t>
+            </a:r>
+            <a:r>
+              <a:rPr lang="en-US" dirty="0"/>
+              <a:t> - JSON Transcoding</a:t>
+            </a:r>
+          </a:p>
+          <a:p>
+            <a:pPr algn="l">
+              <a:buClr>
+                <a:schemeClr val="tx1"/>
+              </a:buClr>
+              <a:buFont typeface="Arial"/>
+              <a:buChar char="•"/>
+            </a:pPr>
+            <a:r>
+              <a:rPr lang="en-US" dirty="0" err="1"/>
+              <a:t>Blazor</a:t>
+            </a:r>
+            <a:endParaRPr lang="en-US" dirty="0"/>
+          </a:p>
+          <a:p>
+            <a:pPr algn="l">
+              <a:buClr>
+                <a:schemeClr val="tx1"/>
+              </a:buClr>
+              <a:buFont typeface="Arial"/>
+              <a:buChar char="•"/>
+            </a:pPr>
+            <a:r>
+              <a:rPr lang="en-US" dirty="0"/>
+              <a:t>Entity Framework Core 7</a:t>
+            </a:r>
+          </a:p>
+          <a:p>
+            <a:pPr algn="l">
+              <a:buClr>
+                <a:schemeClr val="tx1"/>
+              </a:buClr>
+              <a:buFont typeface="Arial"/>
+              <a:buChar char="•"/>
+            </a:pPr>
+            <a:endParaRPr lang="en-US" dirty="0"/>
+          </a:p>
+        </p:txBody>
+      </p:sp>
+    </p:spTree>
+    <p:extLst>
+      <p:ext uri="{BB962C8B-B14F-4D97-AF65-F5344CB8AC3E}">
+        <p14:creationId xmlns:p14="http://schemas.microsoft.com/office/powerpoint/2010/main" val="3525233029"/>
+      </p:ext>
+    </p:extLst>
+  </p:cSld>
+  <p:clrMapOvr>
+    <a:masterClrMapping/>
+  </p:clrMapOvr>
+</p:sld>
+</file>
+
 <file path=ppt/slides/slide2.xml><?xml version="1.0" encoding="utf-8"?>
 <p:sld xmlns:a="http://schemas.openxmlformats.org/drawingml/2006/main" xmlns:r="http://schemas.openxmlformats.org/officeDocument/2006/relationships" xmlns:p="http://schemas.openxmlformats.org/presentationml/2006/main">
   <p:cSld>
@@ -5778,10 +9382,9 @@
           <a:lstStyle/>
           <a:p>
             <a:r>
-              <a:rPr lang="en-US"/>
+              <a:rPr lang="en-US" dirty="0"/>
               <a:t>C# 11	</a:t>
             </a:r>
-            <a:endParaRPr lang="en-US" dirty="0"/>
           </a:p>
         </p:txBody>
       </p:sp>
@@ -5798,7 +9401,7 @@
             <a:spLocks noGrp="1"/>
           </p:cNvSpPr>
           <p:nvPr>
-            <p:ph idx="1"/>
+            <p:ph sz="half" idx="1"/>
           </p:nvPr>
         </p:nvSpPr>
         <p:spPr/>
@@ -5835,6 +9438,103 @@
             <a:r>
               <a:rPr lang="en-US" dirty="0"/>
               <a:t>UTF-8 string literals</a:t>
+            </a:r>
+          </a:p>
+          <a:p>
+            <a:r>
+              <a:rPr lang="en-US" dirty="0" err="1"/>
+              <a:t>Lıst</a:t>
+            </a:r>
+            <a:r>
+              <a:rPr lang="en-US" dirty="0"/>
+              <a:t> Patterns</a:t>
+            </a:r>
+          </a:p>
+        </p:txBody>
+      </p:sp>
+      <p:sp>
+        <p:nvSpPr>
+          <p:cNvPr id="4" name="Content Placeholder 3">
+            <a:extLst>
+              <a:ext uri="{FF2B5EF4-FFF2-40B4-BE49-F238E27FC236}">
+                <a16:creationId xmlns:a16="http://schemas.microsoft.com/office/drawing/2014/main" id="{D8E833A1-6A2F-90A4-01EF-35CA5791F4EF}"/>
+              </a:ext>
+            </a:extLst>
+          </p:cNvPr>
+          <p:cNvSpPr>
+            <a:spLocks noGrp="1"/>
+          </p:cNvSpPr>
+          <p:nvPr>
+            <p:ph sz="half" idx="2"/>
+          </p:nvPr>
+        </p:nvSpPr>
+        <p:spPr/>
+        <p:txBody>
+          <a:bodyPr/>
+          <a:lstStyle/>
+          <a:p>
+            <a:r>
+              <a:rPr lang="en-US" dirty="0"/>
+              <a:t>File-local types</a:t>
+            </a:r>
+          </a:p>
+          <a:p>
+            <a:r>
+              <a:rPr lang="en-US" dirty="0"/>
+              <a:t>Auto-</a:t>
+            </a:r>
+            <a:r>
+              <a:rPr lang="en-US" b="1" dirty="0"/>
+              <a:t>default</a:t>
+            </a:r>
+            <a:r>
+              <a:rPr lang="en-US" dirty="0"/>
+              <a:t> structs</a:t>
+            </a:r>
+          </a:p>
+          <a:p>
+            <a:r>
+              <a:rPr lang="en-US" dirty="0"/>
+              <a:t>Extended </a:t>
+            </a:r>
+            <a:r>
+              <a:rPr lang="en-US" b="1" dirty="0" err="1"/>
+              <a:t>nameof</a:t>
+            </a:r>
+            <a:r>
+              <a:rPr lang="en-US" dirty="0"/>
+              <a:t> scope</a:t>
+            </a:r>
+          </a:p>
+          <a:p>
+            <a:r>
+              <a:rPr lang="en-US" dirty="0"/>
+              <a:t>Numeric </a:t>
+            </a:r>
+            <a:r>
+              <a:rPr lang="en-US" b="1" dirty="0" err="1"/>
+              <a:t>IntPtr</a:t>
+            </a:r>
+            <a:r>
+              <a:rPr lang="en-US" dirty="0"/>
+              <a:t> and </a:t>
+            </a:r>
+            <a:r>
+              <a:rPr lang="en-US" b="1" dirty="0" err="1"/>
+              <a:t>UIntPtr</a:t>
+            </a:r>
+            <a:endParaRPr lang="en-US" b="1" dirty="0"/>
+          </a:p>
+          <a:p>
+            <a:r>
+              <a:rPr lang="en-US" dirty="0"/>
+              <a:t>ref fields and ref scoped variables</a:t>
+            </a:r>
+          </a:p>
+          <a:p>
+            <a:r>
+              <a:rPr lang="en-US" dirty="0"/>
+              <a:t>Improved method group conversion to delegate</a:t>
             </a:r>
           </a:p>
         </p:txBody>
@@ -6286,6 +9986,580 @@
     <p:extLst>
       <p:ext uri="{BB962C8B-B14F-4D97-AF65-F5344CB8AC3E}">
         <p14:creationId xmlns:p14="http://schemas.microsoft.com/office/powerpoint/2010/main" val="1519734264"/>
+      </p:ext>
+    </p:extLst>
+  </p:cSld>
+  <p:clrMapOvr>
+    <a:masterClrMapping/>
+  </p:clrMapOvr>
+</p:sld>
+</file>
+
+<file path=ppt/slides/slide6.xml><?xml version="1.0" encoding="utf-8"?>
+<p:sld xmlns:a="http://schemas.openxmlformats.org/drawingml/2006/main" xmlns:r="http://schemas.openxmlformats.org/officeDocument/2006/relationships" xmlns:p="http://schemas.openxmlformats.org/presentationml/2006/main">
+  <p:cSld>
+    <p:spTree>
+      <p:nvGrpSpPr>
+        <p:cNvPr id="1" name=""/>
+        <p:cNvGrpSpPr/>
+        <p:nvPr/>
+      </p:nvGrpSpPr>
+      <p:grpSpPr>
+        <a:xfrm>
+          <a:off x="0" y="0"/>
+          <a:ext cx="0" cy="0"/>
+          <a:chOff x="0" y="0"/>
+          <a:chExt cx="0" cy="0"/>
+        </a:xfrm>
+      </p:grpSpPr>
+      <p:sp>
+        <p:nvSpPr>
+          <p:cNvPr id="2" name="Title 1">
+            <a:extLst>
+              <a:ext uri="{FF2B5EF4-FFF2-40B4-BE49-F238E27FC236}">
+                <a16:creationId xmlns:a16="http://schemas.microsoft.com/office/drawing/2014/main" id="{D623E922-A87F-1DF3-B73D-F1818EA403A4}"/>
+              </a:ext>
+            </a:extLst>
+          </p:cNvPr>
+          <p:cNvSpPr>
+            <a:spLocks noGrp="1"/>
+          </p:cNvSpPr>
+          <p:nvPr>
+            <p:ph type="title"/>
+          </p:nvPr>
+        </p:nvSpPr>
+        <p:spPr/>
+        <p:txBody>
+          <a:bodyPr/>
+          <a:lstStyle/>
+          <a:p>
+            <a:r>
+              <a:rPr lang="en-US" dirty="0"/>
+              <a:t>C# 11</a:t>
+            </a:r>
+          </a:p>
+        </p:txBody>
+      </p:sp>
+      <p:sp>
+        <p:nvSpPr>
+          <p:cNvPr id="3" name="Content Placeholder 2">
+            <a:extLst>
+              <a:ext uri="{FF2B5EF4-FFF2-40B4-BE49-F238E27FC236}">
+                <a16:creationId xmlns:a16="http://schemas.microsoft.com/office/drawing/2014/main" id="{688C2330-5C1B-BCF4-09F7-71A11C2F6AAF}"/>
+              </a:ext>
+            </a:extLst>
+          </p:cNvPr>
+          <p:cNvSpPr>
+            <a:spLocks noGrp="1"/>
+          </p:cNvSpPr>
+          <p:nvPr>
+            <p:ph idx="1"/>
+          </p:nvPr>
+        </p:nvSpPr>
+        <p:spPr/>
+        <p:txBody>
+          <a:bodyPr/>
+          <a:lstStyle/>
+          <a:p>
+            <a:r>
+              <a:rPr lang="en-US" dirty="0"/>
+              <a:t>String match </a:t>
+            </a:r>
+            <a:r>
+              <a:rPr lang="en-US" dirty="0" err="1"/>
+              <a:t>için</a:t>
+            </a:r>
+            <a:r>
+              <a:rPr lang="en-US" dirty="0"/>
+              <a:t> </a:t>
+            </a:r>
+            <a:r>
+              <a:rPr lang="en-US" dirty="0" err="1"/>
+              <a:t>kullandığımız</a:t>
+            </a:r>
+            <a:r>
+              <a:rPr lang="en-US" dirty="0"/>
+              <a:t> </a:t>
+            </a:r>
+            <a:r>
+              <a:rPr lang="en-US" dirty="0" err="1"/>
+              <a:t>patternlerı</a:t>
+            </a:r>
+            <a:r>
+              <a:rPr lang="en-US" dirty="0"/>
+              <a:t> </a:t>
+            </a:r>
+            <a:r>
+              <a:rPr lang="en-US" b="1" dirty="0"/>
+              <a:t>Span&lt;char&gt;</a:t>
+            </a:r>
+            <a:r>
+              <a:rPr lang="en-US" dirty="0"/>
+              <a:t> yada </a:t>
+            </a:r>
+            <a:r>
+              <a:rPr lang="en-US" b="1" dirty="0" err="1"/>
+              <a:t>ReadOnlySpan</a:t>
+            </a:r>
+            <a:r>
+              <a:rPr lang="en-US" b="1" dirty="0"/>
+              <a:t>&lt;char&gt; </a:t>
+            </a:r>
+            <a:r>
+              <a:rPr lang="en-US" dirty="0" err="1"/>
+              <a:t>içinde</a:t>
+            </a:r>
+            <a:r>
+              <a:rPr lang="en-US" dirty="0"/>
+              <a:t> </a:t>
+            </a:r>
+            <a:r>
+              <a:rPr lang="en-US" dirty="0" err="1"/>
+              <a:t>kullanabiliyoruz</a:t>
+            </a:r>
+            <a:r>
+              <a:rPr lang="en-US" dirty="0"/>
+              <a:t>.</a:t>
+            </a:r>
+          </a:p>
+          <a:p>
+            <a:r>
+              <a:rPr lang="en-US" dirty="0"/>
+              <a:t>Regex </a:t>
+            </a:r>
+            <a:r>
+              <a:rPr lang="en-US" dirty="0" err="1"/>
+              <a:t>Kullanımı</a:t>
+            </a:r>
+            <a:r>
+              <a:rPr lang="en-US" dirty="0"/>
+              <a:t> </a:t>
+            </a:r>
+            <a:r>
+              <a:rPr lang="en-US" dirty="0" err="1"/>
+              <a:t>sevenler</a:t>
+            </a:r>
+            <a:r>
+              <a:rPr lang="en-US" dirty="0"/>
+              <a:t> </a:t>
+            </a:r>
+            <a:r>
+              <a:rPr lang="en-US" dirty="0" err="1"/>
+              <a:t>için</a:t>
+            </a:r>
+            <a:endParaRPr lang="en-US" dirty="0"/>
+          </a:p>
+        </p:txBody>
+      </p:sp>
+      <p:sp>
+        <p:nvSpPr>
+          <p:cNvPr id="4" name="Text Placeholder 3">
+            <a:extLst>
+              <a:ext uri="{FF2B5EF4-FFF2-40B4-BE49-F238E27FC236}">
+                <a16:creationId xmlns:a16="http://schemas.microsoft.com/office/drawing/2014/main" id="{4DB15D61-AA11-4EF4-BF0A-314392BA25EF}"/>
+              </a:ext>
+            </a:extLst>
+          </p:cNvPr>
+          <p:cNvSpPr>
+            <a:spLocks noGrp="1"/>
+          </p:cNvSpPr>
+          <p:nvPr>
+            <p:ph type="body" sz="half" idx="2"/>
+          </p:nvPr>
+        </p:nvSpPr>
+        <p:spPr/>
+        <p:txBody>
+          <a:bodyPr/>
+          <a:lstStyle/>
+          <a:p>
+            <a:r>
+              <a:rPr lang="en-US" dirty="0"/>
+              <a:t>Pattern match </a:t>
+            </a:r>
+            <a:r>
+              <a:rPr lang="en-US" b="1" dirty="0"/>
+              <a:t>Span&lt;char&gt;</a:t>
+            </a:r>
+            <a:r>
+              <a:rPr lang="en-US" dirty="0"/>
+              <a:t> or </a:t>
+            </a:r>
+            <a:r>
+              <a:rPr lang="en-US" b="1" dirty="0" err="1"/>
+              <a:t>ReadOnlySpan</a:t>
+            </a:r>
+            <a:r>
+              <a:rPr lang="en-US" b="1" dirty="0"/>
+              <a:t>&lt;char&gt;</a:t>
+            </a:r>
+            <a:r>
+              <a:rPr lang="en-US" dirty="0"/>
+              <a:t> on a constant string</a:t>
+            </a:r>
+          </a:p>
+        </p:txBody>
+      </p:sp>
+    </p:spTree>
+    <p:extLst>
+      <p:ext uri="{BB962C8B-B14F-4D97-AF65-F5344CB8AC3E}">
+        <p14:creationId xmlns:p14="http://schemas.microsoft.com/office/powerpoint/2010/main" val="957665842"/>
+      </p:ext>
+    </p:extLst>
+  </p:cSld>
+  <p:clrMapOvr>
+    <a:masterClrMapping/>
+  </p:clrMapOvr>
+</p:sld>
+</file>
+
+<file path=ppt/slides/slide7.xml><?xml version="1.0" encoding="utf-8"?>
+<p:sld xmlns:a="http://schemas.openxmlformats.org/drawingml/2006/main" xmlns:r="http://schemas.openxmlformats.org/officeDocument/2006/relationships" xmlns:p="http://schemas.openxmlformats.org/presentationml/2006/main">
+  <p:cSld>
+    <p:bg>
+      <p:bgPr>
+        <a:blipFill rotWithShape="1">
+          <a:blip r:embed="rId2">
+            <a:duotone>
+              <a:schemeClr val="bg2">
+                <a:shade val="28000"/>
+                <a:satMod val="94000"/>
+                <a:lumMod val="20000"/>
+              </a:schemeClr>
+              <a:schemeClr val="bg2">
+                <a:tint val="94000"/>
+                <a:shade val="84000"/>
+                <a:satMod val="148000"/>
+                <a:lumMod val="114000"/>
+              </a:schemeClr>
+            </a:duotone>
+          </a:blip>
+          <a:stretch/>
+        </a:blipFill>
+        <a:effectLst/>
+      </p:bgPr>
+    </p:bg>
+    <p:spTree>
+      <p:nvGrpSpPr>
+        <p:cNvPr id="1" name=""/>
+        <p:cNvGrpSpPr/>
+        <p:nvPr/>
+      </p:nvGrpSpPr>
+      <p:grpSpPr>
+        <a:xfrm>
+          <a:off x="0" y="0"/>
+          <a:ext cx="0" cy="0"/>
+          <a:chOff x="0" y="0"/>
+          <a:chExt cx="0" cy="0"/>
+        </a:xfrm>
+      </p:grpSpPr>
+      <p:pic>
+        <p:nvPicPr>
+          <p:cNvPr id="5" name="Picture 4" descr="Sky at sea">
+            <a:extLst>
+              <a:ext uri="{FF2B5EF4-FFF2-40B4-BE49-F238E27FC236}">
+                <a16:creationId xmlns:a16="http://schemas.microsoft.com/office/drawing/2014/main" id="{34B540B4-40BE-1030-485A-2FEA50BE9977}"/>
+              </a:ext>
+            </a:extLst>
+          </p:cNvPr>
+          <p:cNvPicPr>
+            <a:picLocks noChangeAspect="1"/>
+          </p:cNvPicPr>
+          <p:nvPr/>
+        </p:nvPicPr>
+        <p:blipFill rotWithShape="1">
+          <a:blip r:embed="rId3">
+            <a:duotone>
+              <a:prstClr val="black"/>
+              <a:schemeClr val="bg1">
+                <a:tint val="45000"/>
+                <a:satMod val="400000"/>
+              </a:schemeClr>
+            </a:duotone>
+            <a:alphaModFix amt="15000"/>
+          </a:blip>
+          <a:srcRect t="15730"/>
+          <a:stretch/>
+        </p:blipFill>
+        <p:spPr>
+          <a:xfrm>
+            <a:off x="20" y="10"/>
+            <a:ext cx="12191980" cy="6857990"/>
+          </a:xfrm>
+          <a:prstGeom prst="rect">
+            <a:avLst/>
+          </a:prstGeom>
+        </p:spPr>
+      </p:pic>
+      <p:sp>
+        <p:nvSpPr>
+          <p:cNvPr id="2" name="Title 1">
+            <a:extLst>
+              <a:ext uri="{FF2B5EF4-FFF2-40B4-BE49-F238E27FC236}">
+                <a16:creationId xmlns:a16="http://schemas.microsoft.com/office/drawing/2014/main" id="{FAD90F08-8553-8A54-BC5E-1D25BD2E2CDC}"/>
+              </a:ext>
+            </a:extLst>
+          </p:cNvPr>
+          <p:cNvSpPr>
+            <a:spLocks noGrp="1"/>
+          </p:cNvSpPr>
+          <p:nvPr>
+            <p:ph type="title"/>
+          </p:nvPr>
+        </p:nvSpPr>
+        <p:spPr>
+          <a:xfrm>
+            <a:off x="1141413" y="609600"/>
+            <a:ext cx="9905998" cy="1905000"/>
+          </a:xfrm>
+        </p:spPr>
+        <p:txBody>
+          <a:bodyPr>
+            <a:normAutofit/>
+          </a:bodyPr>
+          <a:lstStyle/>
+          <a:p>
+            <a:r>
+              <a:rPr lang="en-US"/>
+              <a:t>C# 11 - Warning WAVES</a:t>
+            </a:r>
+            <a:endParaRPr lang="en-US" dirty="0"/>
+          </a:p>
+        </p:txBody>
+      </p:sp>
+      <p:sp>
+        <p:nvSpPr>
+          <p:cNvPr id="3" name="Content Placeholder 2">
+            <a:extLst>
+              <a:ext uri="{FF2B5EF4-FFF2-40B4-BE49-F238E27FC236}">
+                <a16:creationId xmlns:a16="http://schemas.microsoft.com/office/drawing/2014/main" id="{C7C05E1C-14AE-ECFC-1539-245FF7169FB8}"/>
+              </a:ext>
+            </a:extLst>
+          </p:cNvPr>
+          <p:cNvSpPr>
+            <a:spLocks noGrp="1"/>
+          </p:cNvSpPr>
+          <p:nvPr>
+            <p:ph idx="1"/>
+          </p:nvPr>
+        </p:nvSpPr>
+        <p:spPr>
+          <a:xfrm>
+            <a:off x="1141413" y="2666999"/>
+            <a:ext cx="9905998" cy="3124201"/>
+          </a:xfrm>
+        </p:spPr>
+        <p:txBody>
+          <a:bodyPr>
+            <a:normAutofit/>
+          </a:bodyPr>
+          <a:lstStyle/>
+          <a:p>
+            <a:r>
+              <a:rPr lang="en-US">
+                <a:hlinkClick r:id="rId4"/>
+              </a:rPr>
+              <a:t>C# Compiler warning waves | Microsoft Learn</a:t>
+            </a:r>
+            <a:endParaRPr lang="en-US" dirty="0"/>
+          </a:p>
+        </p:txBody>
+      </p:sp>
+    </p:spTree>
+    <p:extLst>
+      <p:ext uri="{BB962C8B-B14F-4D97-AF65-F5344CB8AC3E}">
+        <p14:creationId xmlns:p14="http://schemas.microsoft.com/office/powerpoint/2010/main" val="1277692249"/>
+      </p:ext>
+    </p:extLst>
+  </p:cSld>
+  <p:clrMapOvr>
+    <a:masterClrMapping/>
+  </p:clrMapOvr>
+</p:sld>
+</file>
+
+<file path=ppt/slides/slide8.xml><?xml version="1.0" encoding="utf-8"?>
+<p:sld xmlns:a="http://schemas.openxmlformats.org/drawingml/2006/main" xmlns:r="http://schemas.openxmlformats.org/officeDocument/2006/relationships" xmlns:p="http://schemas.openxmlformats.org/presentationml/2006/main">
+  <p:cSld>
+    <p:spTree>
+      <p:nvGrpSpPr>
+        <p:cNvPr id="1" name=""/>
+        <p:cNvGrpSpPr/>
+        <p:nvPr/>
+      </p:nvGrpSpPr>
+      <p:grpSpPr>
+        <a:xfrm>
+          <a:off x="0" y="0"/>
+          <a:ext cx="0" cy="0"/>
+          <a:chOff x="0" y="0"/>
+          <a:chExt cx="0" cy="0"/>
+        </a:xfrm>
+      </p:grpSpPr>
+      <p:sp>
+        <p:nvSpPr>
+          <p:cNvPr id="2" name="Title 1">
+            <a:extLst>
+              <a:ext uri="{FF2B5EF4-FFF2-40B4-BE49-F238E27FC236}">
+                <a16:creationId xmlns:a16="http://schemas.microsoft.com/office/drawing/2014/main" id="{1942D17D-33C7-8DBB-065E-A5CB70C88625}"/>
+              </a:ext>
+            </a:extLst>
+          </p:cNvPr>
+          <p:cNvSpPr>
+            <a:spLocks noGrp="1"/>
+          </p:cNvSpPr>
+          <p:nvPr>
+            <p:ph type="title"/>
+          </p:nvPr>
+        </p:nvSpPr>
+        <p:spPr/>
+        <p:txBody>
+          <a:bodyPr/>
+          <a:lstStyle/>
+          <a:p>
+            <a:r>
+              <a:rPr lang="en-US" dirty="0"/>
+              <a:t>INTERESTING CHANGES</a:t>
+            </a:r>
+          </a:p>
+        </p:txBody>
+      </p:sp>
+      <p:graphicFrame>
+        <p:nvGraphicFramePr>
+          <p:cNvPr id="16" name="Content Placeholder 3">
+            <a:extLst>
+              <a:ext uri="{FF2B5EF4-FFF2-40B4-BE49-F238E27FC236}">
+                <a16:creationId xmlns:a16="http://schemas.microsoft.com/office/drawing/2014/main" id="{4B5AC148-537F-34AE-A22C-30164888A4B2}"/>
+              </a:ext>
+            </a:extLst>
+          </p:cNvPr>
+          <p:cNvGraphicFramePr>
+            <a:graphicFrameLocks noGrp="1"/>
+          </p:cNvGraphicFramePr>
+          <p:nvPr>
+            <p:ph idx="1"/>
+          </p:nvPr>
+        </p:nvGraphicFramePr>
+        <p:xfrm>
+          <a:off x="1141413" y="2666999"/>
+          <a:ext cx="9905998" cy="3124201"/>
+        </p:xfrm>
+        <a:graphic>
+          <a:graphicData uri="http://schemas.openxmlformats.org/drawingml/2006/diagram">
+            <dgm:relIds xmlns:dgm="http://schemas.openxmlformats.org/drawingml/2006/diagram" xmlns:r="http://schemas.openxmlformats.org/officeDocument/2006/relationships" r:dm="rId2" r:lo="rId3" r:qs="rId4" r:cs="rId5"/>
+          </a:graphicData>
+        </a:graphic>
+      </p:graphicFrame>
+    </p:spTree>
+    <p:extLst>
+      <p:ext uri="{BB962C8B-B14F-4D97-AF65-F5344CB8AC3E}">
+        <p14:creationId xmlns:p14="http://schemas.microsoft.com/office/powerpoint/2010/main" val="1743242279"/>
+      </p:ext>
+    </p:extLst>
+  </p:cSld>
+  <p:clrMapOvr>
+    <a:masterClrMapping/>
+  </p:clrMapOvr>
+</p:sld>
+</file>
+
+<file path=ppt/slides/slide9.xml><?xml version="1.0" encoding="utf-8"?>
+<p:sld xmlns:a="http://schemas.openxmlformats.org/drawingml/2006/main" xmlns:r="http://schemas.openxmlformats.org/officeDocument/2006/relationships" xmlns:p="http://schemas.openxmlformats.org/presentationml/2006/main">
+  <p:cSld>
+    <p:spTree>
+      <p:nvGrpSpPr>
+        <p:cNvPr id="1" name=""/>
+        <p:cNvGrpSpPr/>
+        <p:nvPr/>
+      </p:nvGrpSpPr>
+      <p:grpSpPr>
+        <a:xfrm>
+          <a:off x="0" y="0"/>
+          <a:ext cx="0" cy="0"/>
+          <a:chOff x="0" y="0"/>
+          <a:chExt cx="0" cy="0"/>
+        </a:xfrm>
+      </p:grpSpPr>
+      <p:sp>
+        <p:nvSpPr>
+          <p:cNvPr id="2" name="Title 1">
+            <a:extLst>
+              <a:ext uri="{FF2B5EF4-FFF2-40B4-BE49-F238E27FC236}">
+                <a16:creationId xmlns:a16="http://schemas.microsoft.com/office/drawing/2014/main" id="{E581D2CB-7FF4-4E92-E77D-C8EC71DDF9A0}"/>
+              </a:ext>
+            </a:extLst>
+          </p:cNvPr>
+          <p:cNvSpPr>
+            <a:spLocks noGrp="1"/>
+          </p:cNvSpPr>
+          <p:nvPr>
+            <p:ph type="title"/>
+          </p:nvPr>
+        </p:nvSpPr>
+        <p:spPr/>
+        <p:txBody>
+          <a:bodyPr/>
+          <a:lstStyle/>
+          <a:p>
+            <a:r>
+              <a:rPr lang="en-US"/>
+              <a:t>SUPPORT</a:t>
+            </a:r>
+            <a:endParaRPr lang="en-US" dirty="0"/>
+          </a:p>
+        </p:txBody>
+      </p:sp>
+      <p:sp>
+        <p:nvSpPr>
+          <p:cNvPr id="3" name="Content Placeholder 2">
+            <a:extLst>
+              <a:ext uri="{FF2B5EF4-FFF2-40B4-BE49-F238E27FC236}">
+                <a16:creationId xmlns:a16="http://schemas.microsoft.com/office/drawing/2014/main" id="{D7714FAD-2098-DAA0-6C1D-D4CDC18FA360}"/>
+              </a:ext>
+            </a:extLst>
+          </p:cNvPr>
+          <p:cNvSpPr>
+            <a:spLocks noGrp="1"/>
+          </p:cNvSpPr>
+          <p:nvPr>
+            <p:ph idx="1"/>
+          </p:nvPr>
+        </p:nvSpPr>
+        <p:spPr/>
+        <p:txBody>
+          <a:bodyPr/>
+          <a:lstStyle/>
+          <a:p>
+            <a:r>
+              <a:rPr lang="en-US" dirty="0"/>
+              <a:t>.NET 5 No longer Supported</a:t>
+            </a:r>
+          </a:p>
+          <a:p>
+            <a:r>
+              <a:rPr lang="en-US" dirty="0"/>
+              <a:t>.NET 6 Long Term Support 3 years</a:t>
+            </a:r>
+          </a:p>
+          <a:p>
+            <a:r>
+              <a:rPr lang="en-US" dirty="0"/>
+              <a:t>.NET 7 Standard Term Support 18 Ay</a:t>
+            </a:r>
+          </a:p>
+          <a:p>
+            <a:r>
+              <a:rPr lang="en-US" dirty="0"/>
+              <a:t>.NET 8 November 2023 LTS</a:t>
+            </a:r>
+          </a:p>
+          <a:p>
+            <a:endParaRPr lang="en-US" dirty="0"/>
+          </a:p>
+        </p:txBody>
+      </p:sp>
+    </p:spTree>
+    <p:extLst>
+      <p:ext uri="{BB962C8B-B14F-4D97-AF65-F5344CB8AC3E}">
+        <p14:creationId xmlns:p14="http://schemas.microsoft.com/office/powerpoint/2010/main" val="1178468233"/>
       </p:ext>
     </p:extLst>
   </p:cSld>

--- a/presentation.pptx
+++ b/presentation.pptx
@@ -1,11 +1,11 @@
 
 <file path=ppt/presentation.xml><?xml version="1.0" encoding="utf-8"?>
-<p:presentation xmlns:a="http://schemas.openxmlformats.org/drawingml/2006/main" xmlns:r="http://schemas.openxmlformats.org/officeDocument/2006/relationships" xmlns:p="http://schemas.openxmlformats.org/presentationml/2006/main" saveSubsetFonts="1">
+<p:presentation xmlns:a="http://schemas.openxmlformats.org/drawingml/2006/main" xmlns:r="http://schemas.openxmlformats.org/officeDocument/2006/relationships" xmlns:p="http://schemas.openxmlformats.org/presentationml/2006/main" embedTrueTypeFonts="1" saveSubsetFonts="1">
   <p:sldMasterIdLst>
     <p:sldMasterId id="2147483678" r:id="rId1"/>
   </p:sldMasterIdLst>
   <p:notesMasterIdLst>
-    <p:notesMasterId r:id="rId32"/>
+    <p:notesMasterId r:id="rId34"/>
   </p:notesMasterIdLst>
   <p:sldIdLst>
     <p:sldId id="256" r:id="rId2"/>
@@ -37,10 +37,35 @@
     <p:sldId id="284" r:id="rId28"/>
     <p:sldId id="285" r:id="rId29"/>
     <p:sldId id="286" r:id="rId30"/>
-    <p:sldId id="287" r:id="rId31"/>
+    <p:sldId id="288" r:id="rId31"/>
+    <p:sldId id="289" r:id="rId32"/>
+    <p:sldId id="287" r:id="rId33"/>
   </p:sldIdLst>
   <p:sldSz cx="12192000" cy="6858000"/>
   <p:notesSz cx="6858000" cy="9144000"/>
+  <p:embeddedFontLst>
+    <p:embeddedFont>
+      <p:font typeface="Calibri" panose="020F0502020204030204" pitchFamily="34" charset="0"/>
+      <p:regular r:id="rId35"/>
+      <p:bold r:id="rId36"/>
+      <p:italic r:id="rId37"/>
+      <p:boldItalic r:id="rId38"/>
+    </p:embeddedFont>
+    <p:embeddedFont>
+      <p:font typeface="Century Gothic" panose="020B0502020202020204" pitchFamily="34" charset="0"/>
+      <p:regular r:id="rId39"/>
+      <p:bold r:id="rId40"/>
+      <p:italic r:id="rId41"/>
+      <p:boldItalic r:id="rId42"/>
+    </p:embeddedFont>
+    <p:embeddedFont>
+      <p:font typeface="Roboto" panose="02000000000000000000" pitchFamily="2" charset="0"/>
+      <p:regular r:id="rId43"/>
+      <p:bold r:id="rId44"/>
+      <p:italic r:id="rId45"/>
+      <p:boldItalic r:id="rId46"/>
+    </p:embeddedFont>
+  </p:embeddedFontLst>
   <p:defaultTextStyle>
     <a:defPPr>
       <a:defRPr lang="en-US"/>
@@ -6165,6 +6190,2765 @@
           <a:bodyPr/>
           <a:lstStyle/>
           <a:p>
+            <a:r>
+              <a:rPr lang="en-US" b="0" i="0" dirty="0">
+                <a:solidFill>
+                  <a:srgbClr val="000000"/>
+                </a:solidFill>
+                <a:effectLst/>
+                <a:latin typeface="Roboto" panose="02000000000000000000" pitchFamily="2" charset="0"/>
+              </a:rPr>
+              <a:t>- </a:t>
+            </a:r>
+            <a:r>
+              <a:rPr lang="en-US" b="0" i="0" dirty="0" err="1">
+                <a:solidFill>
+                  <a:srgbClr val="000000"/>
+                </a:solidFill>
+                <a:effectLst/>
+                <a:latin typeface="Roboto" panose="02000000000000000000" pitchFamily="2" charset="0"/>
+              </a:rPr>
+              <a:t>AddPolicy</a:t>
+            </a:r>
+            <a:r>
+              <a:rPr lang="en-US" b="0" i="0" dirty="0">
+                <a:solidFill>
+                  <a:srgbClr val="000000"/>
+                </a:solidFill>
+                <a:effectLst/>
+                <a:latin typeface="Roboto" panose="02000000000000000000" pitchFamily="2" charset="0"/>
+              </a:rPr>
+              <a:t> </a:t>
+            </a:r>
+            <a:r>
+              <a:rPr lang="en-US" b="0" i="0" dirty="0" err="1">
+                <a:solidFill>
+                  <a:srgbClr val="000000"/>
+                </a:solidFill>
+                <a:effectLst/>
+                <a:latin typeface="Roboto" panose="02000000000000000000" pitchFamily="2" charset="0"/>
+              </a:rPr>
+              <a:t>yöntemi</a:t>
+            </a:r>
+            <a:r>
+              <a:rPr lang="en-US" b="0" i="0" dirty="0">
+                <a:solidFill>
+                  <a:srgbClr val="000000"/>
+                </a:solidFill>
+                <a:effectLst/>
+                <a:latin typeface="Roboto" panose="02000000000000000000" pitchFamily="2" charset="0"/>
+              </a:rPr>
+              <a:t> </a:t>
+            </a:r>
+            <a:r>
+              <a:rPr lang="en-US" b="0" i="0" dirty="0" err="1">
+                <a:solidFill>
+                  <a:srgbClr val="000000"/>
+                </a:solidFill>
+                <a:effectLst/>
+                <a:latin typeface="Roboto" panose="02000000000000000000" pitchFamily="2" charset="0"/>
+              </a:rPr>
+              <a:t>ayrıca</a:t>
+            </a:r>
+            <a:r>
+              <a:rPr lang="en-US" b="0" i="0" dirty="0">
+                <a:solidFill>
+                  <a:srgbClr val="000000"/>
+                </a:solidFill>
+                <a:effectLst/>
+                <a:latin typeface="Roboto" panose="02000000000000000000" pitchFamily="2" charset="0"/>
+              </a:rPr>
+              <a:t> </a:t>
+            </a:r>
+            <a:r>
+              <a:rPr lang="en-US" b="0" i="0" dirty="0" err="1">
+                <a:solidFill>
+                  <a:srgbClr val="000000"/>
+                </a:solidFill>
+                <a:effectLst/>
+                <a:latin typeface="Roboto" panose="02000000000000000000" pitchFamily="2" charset="0"/>
+              </a:rPr>
+              <a:t>IRateLimiterPolicy</a:t>
+            </a:r>
+            <a:r>
+              <a:rPr lang="en-US" b="0" i="0" dirty="0">
+                <a:solidFill>
+                  <a:srgbClr val="000000"/>
+                </a:solidFill>
+                <a:effectLst/>
+                <a:latin typeface="Roboto" panose="02000000000000000000" pitchFamily="2" charset="0"/>
+              </a:rPr>
+              <a:t>&lt;</a:t>
+            </a:r>
+            <a:r>
+              <a:rPr lang="en-US" b="0" i="0" dirty="0" err="1">
+                <a:solidFill>
+                  <a:srgbClr val="000000"/>
+                </a:solidFill>
+                <a:effectLst/>
+                <a:latin typeface="Roboto" panose="02000000000000000000" pitchFamily="2" charset="0"/>
+              </a:rPr>
+              <a:t>TPartitionKey</a:t>
+            </a:r>
+            <a:r>
+              <a:rPr lang="en-US" b="0" i="0" dirty="0">
+                <a:solidFill>
+                  <a:srgbClr val="000000"/>
+                </a:solidFill>
+                <a:effectLst/>
+                <a:latin typeface="Roboto" panose="02000000000000000000" pitchFamily="2" charset="0"/>
+              </a:rPr>
+              <a:t>&gt; </a:t>
+            </a:r>
+            <a:r>
+              <a:rPr lang="en-US" b="0" i="0" dirty="0" err="1">
+                <a:solidFill>
+                  <a:srgbClr val="000000"/>
+                </a:solidFill>
+                <a:effectLst/>
+                <a:latin typeface="Roboto" panose="02000000000000000000" pitchFamily="2" charset="0"/>
+              </a:rPr>
+              <a:t>kullanan</a:t>
+            </a:r>
+            <a:r>
+              <a:rPr lang="en-US" b="0" i="0" dirty="0">
+                <a:solidFill>
+                  <a:srgbClr val="000000"/>
+                </a:solidFill>
+                <a:effectLst/>
+                <a:latin typeface="Roboto" panose="02000000000000000000" pitchFamily="2" charset="0"/>
+              </a:rPr>
+              <a:t> 2 </a:t>
+            </a:r>
+            <a:r>
+              <a:rPr lang="en-US" b="0" i="0" dirty="0" err="1">
+                <a:solidFill>
+                  <a:srgbClr val="000000"/>
+                </a:solidFill>
+                <a:effectLst/>
+                <a:latin typeface="Roboto" panose="02000000000000000000" pitchFamily="2" charset="0"/>
+              </a:rPr>
+              <a:t>aşırı</a:t>
+            </a:r>
+            <a:r>
+              <a:rPr lang="en-US" b="0" i="0" dirty="0">
+                <a:solidFill>
+                  <a:srgbClr val="000000"/>
+                </a:solidFill>
+                <a:effectLst/>
+                <a:latin typeface="Roboto" panose="02000000000000000000" pitchFamily="2" charset="0"/>
+              </a:rPr>
+              <a:t> </a:t>
+            </a:r>
+            <a:r>
+              <a:rPr lang="en-US" b="0" i="0" dirty="0" err="1">
+                <a:solidFill>
+                  <a:srgbClr val="000000"/>
+                </a:solidFill>
+                <a:effectLst/>
+                <a:latin typeface="Roboto" panose="02000000000000000000" pitchFamily="2" charset="0"/>
+              </a:rPr>
+              <a:t>yüklemeye</a:t>
+            </a:r>
+            <a:r>
+              <a:rPr lang="en-US" b="0" i="0" dirty="0">
+                <a:solidFill>
+                  <a:srgbClr val="000000"/>
+                </a:solidFill>
+                <a:effectLst/>
+                <a:latin typeface="Roboto" panose="02000000000000000000" pitchFamily="2" charset="0"/>
+              </a:rPr>
+              <a:t> </a:t>
+            </a:r>
+            <a:r>
+              <a:rPr lang="en-US" b="0" i="0" dirty="0" err="1">
+                <a:solidFill>
+                  <a:srgbClr val="000000"/>
+                </a:solidFill>
+                <a:effectLst/>
+                <a:latin typeface="Roboto" panose="02000000000000000000" pitchFamily="2" charset="0"/>
+              </a:rPr>
+              <a:t>daha</a:t>
+            </a:r>
+            <a:r>
+              <a:rPr lang="en-US" b="0" i="0" dirty="0">
+                <a:solidFill>
+                  <a:srgbClr val="000000"/>
+                </a:solidFill>
+                <a:effectLst/>
+                <a:latin typeface="Roboto" panose="02000000000000000000" pitchFamily="2" charset="0"/>
+              </a:rPr>
+              <a:t> </a:t>
+            </a:r>
+            <a:r>
+              <a:rPr lang="en-US" b="0" i="0" dirty="0" err="1">
+                <a:solidFill>
+                  <a:srgbClr val="000000"/>
+                </a:solidFill>
+                <a:effectLst/>
+                <a:latin typeface="Roboto" panose="02000000000000000000" pitchFamily="2" charset="0"/>
+              </a:rPr>
+              <a:t>sahiptir</a:t>
+            </a:r>
+            <a:r>
+              <a:rPr lang="en-US" b="0" i="0" dirty="0">
+                <a:solidFill>
+                  <a:srgbClr val="000000"/>
+                </a:solidFill>
+                <a:effectLst/>
+                <a:latin typeface="Roboto" panose="02000000000000000000" pitchFamily="2" charset="0"/>
+              </a:rPr>
+              <a:t>. Bu </a:t>
+            </a:r>
+            <a:r>
+              <a:rPr lang="en-US" b="0" i="0" dirty="0" err="1">
+                <a:solidFill>
+                  <a:srgbClr val="000000"/>
+                </a:solidFill>
+                <a:effectLst/>
+                <a:latin typeface="Roboto" panose="02000000000000000000" pitchFamily="2" charset="0"/>
+              </a:rPr>
+              <a:t>arabirim</a:t>
+            </a:r>
+            <a:r>
+              <a:rPr lang="en-US" b="0" i="0" dirty="0">
+                <a:solidFill>
+                  <a:srgbClr val="000000"/>
+                </a:solidFill>
+                <a:effectLst/>
+                <a:latin typeface="Roboto" panose="02000000000000000000" pitchFamily="2" charset="0"/>
+              </a:rPr>
+              <a:t>, </a:t>
+            </a:r>
+            <a:r>
+              <a:rPr lang="en-US" b="0" i="0" dirty="0" err="1">
+                <a:solidFill>
+                  <a:srgbClr val="000000"/>
+                </a:solidFill>
+                <a:effectLst/>
+                <a:latin typeface="Roboto" panose="02000000000000000000" pitchFamily="2" charset="0"/>
+              </a:rPr>
+              <a:t>bir</a:t>
+            </a:r>
+            <a:r>
+              <a:rPr lang="en-US" b="0" i="0" dirty="0">
+                <a:solidFill>
+                  <a:srgbClr val="000000"/>
+                </a:solidFill>
+                <a:effectLst/>
+                <a:latin typeface="Roboto" panose="02000000000000000000" pitchFamily="2" charset="0"/>
+              </a:rPr>
+              <a:t> </a:t>
+            </a:r>
+            <a:r>
+              <a:rPr lang="en-US" b="0" i="0" dirty="0" err="1">
+                <a:solidFill>
+                  <a:srgbClr val="000000"/>
+                </a:solidFill>
+                <a:effectLst/>
+                <a:latin typeface="Roboto" panose="02000000000000000000" pitchFamily="2" charset="0"/>
+              </a:rPr>
+              <a:t>sonraki</a:t>
+            </a:r>
+            <a:r>
+              <a:rPr lang="en-US" b="0" i="0" dirty="0">
+                <a:solidFill>
+                  <a:srgbClr val="000000"/>
+                </a:solidFill>
+                <a:effectLst/>
+                <a:latin typeface="Roboto" panose="02000000000000000000" pitchFamily="2" charset="0"/>
+              </a:rPr>
+              <a:t> </a:t>
+            </a:r>
+            <a:r>
+              <a:rPr lang="en-US" b="0" i="0" dirty="0" err="1">
+                <a:solidFill>
+                  <a:srgbClr val="000000"/>
+                </a:solidFill>
+                <a:effectLst/>
+                <a:latin typeface="Roboto" panose="02000000000000000000" pitchFamily="2" charset="0"/>
+              </a:rPr>
+              <a:t>slaytta</a:t>
+            </a:r>
+            <a:r>
+              <a:rPr lang="en-US" b="0" i="0" dirty="0">
+                <a:solidFill>
+                  <a:srgbClr val="000000"/>
+                </a:solidFill>
+                <a:effectLst/>
+                <a:latin typeface="Roboto" panose="02000000000000000000" pitchFamily="2" charset="0"/>
+              </a:rPr>
+              <a:t> </a:t>
+            </a:r>
+            <a:r>
+              <a:rPr lang="en-US" b="0" i="0" dirty="0" err="1">
+                <a:solidFill>
+                  <a:srgbClr val="000000"/>
+                </a:solidFill>
+                <a:effectLst/>
+                <a:latin typeface="Roboto" panose="02000000000000000000" pitchFamily="2" charset="0"/>
+              </a:rPr>
+              <a:t>açıklayacağım</a:t>
+            </a:r>
+            <a:r>
+              <a:rPr lang="en-US" b="0" i="0" dirty="0">
+                <a:solidFill>
+                  <a:srgbClr val="000000"/>
+                </a:solidFill>
+                <a:effectLst/>
+                <a:latin typeface="Roboto" panose="02000000000000000000" pitchFamily="2" charset="0"/>
+              </a:rPr>
+              <a:t> </a:t>
+            </a:r>
+            <a:r>
+              <a:rPr lang="en-US" b="0" i="0" dirty="0" err="1">
+                <a:solidFill>
+                  <a:srgbClr val="000000"/>
+                </a:solidFill>
+                <a:effectLst/>
+                <a:latin typeface="Roboto" panose="02000000000000000000" pitchFamily="2" charset="0"/>
+              </a:rPr>
+              <a:t>RateLimiterOptions</a:t>
+            </a:r>
+            <a:r>
+              <a:rPr lang="en-US" b="0" i="0" dirty="0">
+                <a:solidFill>
+                  <a:srgbClr val="000000"/>
+                </a:solidFill>
+                <a:effectLst/>
+                <a:latin typeface="Roboto" panose="02000000000000000000" pitchFamily="2" charset="0"/>
+              </a:rPr>
+              <a:t> </a:t>
+            </a:r>
+            <a:r>
+              <a:rPr lang="en-US" b="0" i="0" dirty="0" err="1">
+                <a:solidFill>
+                  <a:srgbClr val="000000"/>
+                </a:solidFill>
+                <a:effectLst/>
+                <a:latin typeface="Roboto" panose="02000000000000000000" pitchFamily="2" charset="0"/>
+              </a:rPr>
+              <a:t>ile</a:t>
+            </a:r>
+            <a:r>
+              <a:rPr lang="en-US" b="0" i="0" dirty="0">
+                <a:solidFill>
+                  <a:srgbClr val="000000"/>
+                </a:solidFill>
+                <a:effectLst/>
+                <a:latin typeface="Roboto" panose="02000000000000000000" pitchFamily="2" charset="0"/>
+              </a:rPr>
+              <a:t> </a:t>
+            </a:r>
+            <a:r>
+              <a:rPr lang="en-US" b="0" i="0" dirty="0" err="1">
+                <a:solidFill>
+                  <a:srgbClr val="000000"/>
+                </a:solidFill>
+                <a:effectLst/>
+                <a:latin typeface="Roboto" panose="02000000000000000000" pitchFamily="2" charset="0"/>
+              </a:rPr>
+              <a:t>aynı</a:t>
+            </a:r>
+            <a:r>
+              <a:rPr lang="en-US" b="0" i="0" dirty="0">
+                <a:solidFill>
+                  <a:srgbClr val="000000"/>
+                </a:solidFill>
+                <a:effectLst/>
+                <a:latin typeface="Roboto" panose="02000000000000000000" pitchFamily="2" charset="0"/>
+              </a:rPr>
+              <a:t> </a:t>
+            </a:r>
+            <a:r>
+              <a:rPr lang="en-US" b="0" i="0" dirty="0" err="1">
+                <a:solidFill>
+                  <a:srgbClr val="000000"/>
+                </a:solidFill>
+                <a:effectLst/>
+                <a:latin typeface="Roboto" panose="02000000000000000000" pitchFamily="2" charset="0"/>
+              </a:rPr>
+              <a:t>olan</a:t>
+            </a:r>
+            <a:r>
+              <a:rPr lang="en-US" b="0" i="0" dirty="0">
+                <a:solidFill>
+                  <a:srgbClr val="000000"/>
+                </a:solidFill>
+                <a:effectLst/>
+                <a:latin typeface="Roboto" panose="02000000000000000000" pitchFamily="2" charset="0"/>
+              </a:rPr>
+              <a:t> </a:t>
+            </a:r>
+            <a:r>
+              <a:rPr lang="en-US" b="0" i="0" dirty="0" err="1">
+                <a:solidFill>
+                  <a:srgbClr val="000000"/>
+                </a:solidFill>
+                <a:effectLst/>
+                <a:latin typeface="Roboto" panose="02000000000000000000" pitchFamily="2" charset="0"/>
+              </a:rPr>
+              <a:t>bir</a:t>
+            </a:r>
+            <a:r>
+              <a:rPr lang="en-US" b="0" i="0" dirty="0">
+                <a:solidFill>
+                  <a:srgbClr val="000000"/>
+                </a:solidFill>
+                <a:effectLst/>
+                <a:latin typeface="Roboto" panose="02000000000000000000" pitchFamily="2" charset="0"/>
+              </a:rPr>
+              <a:t> </a:t>
+            </a:r>
+            <a:r>
+              <a:rPr lang="en-US" b="0" i="0" dirty="0" err="1">
+                <a:solidFill>
+                  <a:srgbClr val="000000"/>
+                </a:solidFill>
+                <a:effectLst/>
+                <a:latin typeface="Roboto" panose="02000000000000000000" pitchFamily="2" charset="0"/>
+              </a:rPr>
+              <a:t>OnRejected</a:t>
+            </a:r>
+            <a:r>
+              <a:rPr lang="en-US" b="0" i="0" dirty="0">
+                <a:solidFill>
+                  <a:srgbClr val="000000"/>
+                </a:solidFill>
+                <a:effectLst/>
+                <a:latin typeface="Roboto" panose="02000000000000000000" pitchFamily="2" charset="0"/>
+              </a:rPr>
+              <a:t> callback </a:t>
+            </a:r>
+            <a:r>
+              <a:rPr lang="en-US" b="0" i="0" dirty="0" err="1">
+                <a:solidFill>
+                  <a:srgbClr val="000000"/>
+                </a:solidFill>
+                <a:effectLst/>
+                <a:latin typeface="Roboto" panose="02000000000000000000" pitchFamily="2" charset="0"/>
+              </a:rPr>
+              <a:t>alan</a:t>
+            </a:r>
+            <a:r>
+              <a:rPr lang="en-US" b="0" i="0" dirty="0">
+                <a:solidFill>
+                  <a:srgbClr val="000000"/>
+                </a:solidFill>
+                <a:effectLst/>
+                <a:latin typeface="Roboto" panose="02000000000000000000" pitchFamily="2" charset="0"/>
+              </a:rPr>
+              <a:t> ve </a:t>
+            </a:r>
+            <a:r>
+              <a:rPr lang="en-US" b="0" i="0" dirty="0" err="1">
+                <a:solidFill>
+                  <a:srgbClr val="000000"/>
+                </a:solidFill>
+                <a:effectLst/>
+                <a:latin typeface="Roboto" panose="02000000000000000000" pitchFamily="2" charset="0"/>
+              </a:rPr>
+              <a:t>HttpContext'i</a:t>
+            </a:r>
+            <a:r>
+              <a:rPr lang="en-US" b="0" i="0" dirty="0">
+                <a:solidFill>
+                  <a:srgbClr val="000000"/>
+                </a:solidFill>
+                <a:effectLst/>
+                <a:latin typeface="Roboto" panose="02000000000000000000" pitchFamily="2" charset="0"/>
+              </a:rPr>
+              <a:t> </a:t>
+            </a:r>
+            <a:r>
+              <a:rPr lang="en-US" b="0" i="0" dirty="0" err="1">
+                <a:solidFill>
+                  <a:srgbClr val="000000"/>
+                </a:solidFill>
+                <a:effectLst/>
+                <a:latin typeface="Roboto" panose="02000000000000000000" pitchFamily="2" charset="0"/>
+              </a:rPr>
+              <a:t>argüman</a:t>
+            </a:r>
+            <a:r>
+              <a:rPr lang="en-US" b="0" i="0" dirty="0">
+                <a:solidFill>
+                  <a:srgbClr val="000000"/>
+                </a:solidFill>
+                <a:effectLst/>
+                <a:latin typeface="Roboto" panose="02000000000000000000" pitchFamily="2" charset="0"/>
+              </a:rPr>
+              <a:t> </a:t>
+            </a:r>
+            <a:r>
+              <a:rPr lang="en-US" b="0" i="0" dirty="0" err="1">
+                <a:solidFill>
+                  <a:srgbClr val="000000"/>
+                </a:solidFill>
+                <a:effectLst/>
+                <a:latin typeface="Roboto" panose="02000000000000000000" pitchFamily="2" charset="0"/>
+              </a:rPr>
+              <a:t>olarak</a:t>
+            </a:r>
+            <a:r>
+              <a:rPr lang="en-US" b="0" i="0" dirty="0">
+                <a:solidFill>
+                  <a:srgbClr val="000000"/>
+                </a:solidFill>
+                <a:effectLst/>
+                <a:latin typeface="Roboto" panose="02000000000000000000" pitchFamily="2" charset="0"/>
+              </a:rPr>
+              <a:t> </a:t>
+            </a:r>
+            <a:r>
+              <a:rPr lang="en-US" b="0" i="0" dirty="0" err="1">
+                <a:solidFill>
+                  <a:srgbClr val="000000"/>
+                </a:solidFill>
+                <a:effectLst/>
+                <a:latin typeface="Roboto" panose="02000000000000000000" pitchFamily="2" charset="0"/>
+              </a:rPr>
+              <a:t>alan</a:t>
+            </a:r>
+            <a:r>
+              <a:rPr lang="en-US" b="0" i="0" dirty="0">
+                <a:solidFill>
+                  <a:srgbClr val="000000"/>
+                </a:solidFill>
+                <a:effectLst/>
+                <a:latin typeface="Roboto" panose="02000000000000000000" pitchFamily="2" charset="0"/>
+              </a:rPr>
+              <a:t> ve </a:t>
+            </a:r>
+            <a:r>
+              <a:rPr lang="en-US" b="0" i="0" dirty="0" err="1">
+                <a:solidFill>
+                  <a:srgbClr val="000000"/>
+                </a:solidFill>
+                <a:effectLst/>
+                <a:latin typeface="Roboto" panose="02000000000000000000" pitchFamily="2" charset="0"/>
+              </a:rPr>
+              <a:t>bir</a:t>
+            </a:r>
+            <a:r>
+              <a:rPr lang="en-US" b="0" i="0" dirty="0">
+                <a:solidFill>
+                  <a:srgbClr val="000000"/>
+                </a:solidFill>
+                <a:effectLst/>
+                <a:latin typeface="Roboto" panose="02000000000000000000" pitchFamily="2" charset="0"/>
+              </a:rPr>
+              <a:t> </a:t>
+            </a:r>
+            <a:r>
+              <a:rPr lang="en-US" b="0" i="0" dirty="0" err="1">
+                <a:solidFill>
+                  <a:srgbClr val="000000"/>
+                </a:solidFill>
+                <a:effectLst/>
+                <a:latin typeface="Roboto" panose="02000000000000000000" pitchFamily="2" charset="0"/>
+              </a:rPr>
+              <a:t>RateLimitPartition</a:t>
+            </a:r>
+            <a:r>
+              <a:rPr lang="en-US" b="0" i="0" dirty="0">
+                <a:solidFill>
+                  <a:srgbClr val="000000"/>
+                </a:solidFill>
+                <a:effectLst/>
+                <a:latin typeface="Roboto" panose="02000000000000000000" pitchFamily="2" charset="0"/>
+              </a:rPr>
+              <a:t>&lt;</a:t>
+            </a:r>
+            <a:r>
+              <a:rPr lang="en-US" b="0" i="0" dirty="0" err="1">
+                <a:solidFill>
+                  <a:srgbClr val="000000"/>
+                </a:solidFill>
+                <a:effectLst/>
+                <a:latin typeface="Roboto" panose="02000000000000000000" pitchFamily="2" charset="0"/>
+              </a:rPr>
+              <a:t>TPartitionKey</a:t>
+            </a:r>
+            <a:r>
+              <a:rPr lang="en-US" b="0" i="0" dirty="0">
+                <a:solidFill>
+                  <a:srgbClr val="000000"/>
+                </a:solidFill>
+                <a:effectLst/>
+                <a:latin typeface="Roboto" panose="02000000000000000000" pitchFamily="2" charset="0"/>
+              </a:rPr>
+              <a:t>&gt; </a:t>
+            </a:r>
+            <a:r>
+              <a:rPr lang="en-US" b="0" i="0" dirty="0" err="1">
+                <a:solidFill>
+                  <a:srgbClr val="000000"/>
+                </a:solidFill>
+                <a:effectLst/>
+                <a:latin typeface="Roboto" panose="02000000000000000000" pitchFamily="2" charset="0"/>
+              </a:rPr>
+              <a:t>döndüren</a:t>
+            </a:r>
+            <a:r>
+              <a:rPr lang="en-US" b="0" i="0" dirty="0">
+                <a:solidFill>
+                  <a:srgbClr val="000000"/>
+                </a:solidFill>
+                <a:effectLst/>
+                <a:latin typeface="Roboto" panose="02000000000000000000" pitchFamily="2" charset="0"/>
+              </a:rPr>
+              <a:t> </a:t>
+            </a:r>
+            <a:r>
+              <a:rPr lang="en-US" b="0" i="0" dirty="0" err="1">
+                <a:solidFill>
+                  <a:srgbClr val="000000"/>
+                </a:solidFill>
+                <a:effectLst/>
+                <a:latin typeface="Roboto" panose="02000000000000000000" pitchFamily="2" charset="0"/>
+              </a:rPr>
+              <a:t>bir</a:t>
+            </a:r>
+            <a:r>
+              <a:rPr lang="en-US" b="0" i="0" dirty="0">
+                <a:solidFill>
+                  <a:srgbClr val="000000"/>
+                </a:solidFill>
+                <a:effectLst/>
+                <a:latin typeface="Roboto" panose="02000000000000000000" pitchFamily="2" charset="0"/>
+              </a:rPr>
+              <a:t> </a:t>
+            </a:r>
+            <a:r>
+              <a:rPr lang="en-US" b="0" i="0" dirty="0" err="1">
+                <a:solidFill>
+                  <a:srgbClr val="000000"/>
+                </a:solidFill>
+                <a:effectLst/>
+                <a:latin typeface="Roboto" panose="02000000000000000000" pitchFamily="2" charset="0"/>
+              </a:rPr>
+              <a:t>GetPartition</a:t>
+            </a:r>
+            <a:r>
+              <a:rPr lang="en-US" b="0" i="0" dirty="0">
+                <a:solidFill>
+                  <a:srgbClr val="000000"/>
+                </a:solidFill>
+                <a:effectLst/>
+                <a:latin typeface="Roboto" panose="02000000000000000000" pitchFamily="2" charset="0"/>
+              </a:rPr>
+              <a:t> </a:t>
+            </a:r>
+            <a:r>
+              <a:rPr lang="en-US" b="0" i="0" dirty="0" err="1">
+                <a:solidFill>
+                  <a:srgbClr val="000000"/>
+                </a:solidFill>
+                <a:effectLst/>
+                <a:latin typeface="Roboto" panose="02000000000000000000" pitchFamily="2" charset="0"/>
+              </a:rPr>
+              <a:t>yöntemini</a:t>
+            </a:r>
+            <a:r>
+              <a:rPr lang="en-US" b="0" i="0" dirty="0">
+                <a:solidFill>
+                  <a:srgbClr val="000000"/>
+                </a:solidFill>
+                <a:effectLst/>
+                <a:latin typeface="Roboto" panose="02000000000000000000" pitchFamily="2" charset="0"/>
+              </a:rPr>
+              <a:t> </a:t>
+            </a:r>
+            <a:r>
+              <a:rPr lang="en-US" b="0" i="0" dirty="0" err="1">
+                <a:solidFill>
+                  <a:srgbClr val="000000"/>
+                </a:solidFill>
+                <a:effectLst/>
+                <a:latin typeface="Roboto" panose="02000000000000000000" pitchFamily="2" charset="0"/>
+              </a:rPr>
+              <a:t>kullanıma</a:t>
+            </a:r>
+            <a:r>
+              <a:rPr lang="en-US" b="0" i="0" dirty="0">
+                <a:solidFill>
+                  <a:srgbClr val="000000"/>
+                </a:solidFill>
+                <a:effectLst/>
+                <a:latin typeface="Roboto" panose="02000000000000000000" pitchFamily="2" charset="0"/>
+              </a:rPr>
+              <a:t> </a:t>
+            </a:r>
+            <a:r>
+              <a:rPr lang="en-US" b="0" i="0" dirty="0" err="1">
+                <a:solidFill>
+                  <a:srgbClr val="000000"/>
+                </a:solidFill>
+                <a:effectLst/>
+                <a:latin typeface="Roboto" panose="02000000000000000000" pitchFamily="2" charset="0"/>
+              </a:rPr>
+              <a:t>sunar</a:t>
+            </a:r>
+            <a:r>
+              <a:rPr lang="en-US" b="0" i="0" dirty="0">
+                <a:solidFill>
+                  <a:srgbClr val="000000"/>
+                </a:solidFill>
+                <a:effectLst/>
+                <a:latin typeface="Roboto" panose="02000000000000000000" pitchFamily="2" charset="0"/>
+              </a:rPr>
+              <a:t>. </a:t>
+            </a:r>
+            <a:r>
+              <a:rPr lang="en-US" b="0" i="0" dirty="0" err="1">
+                <a:solidFill>
+                  <a:srgbClr val="000000"/>
+                </a:solidFill>
+                <a:effectLst/>
+                <a:latin typeface="Roboto" panose="02000000000000000000" pitchFamily="2" charset="0"/>
+              </a:rPr>
+              <a:t>AddPolicy'nin</a:t>
+            </a:r>
+            <a:r>
+              <a:rPr lang="en-US" b="0" i="0" dirty="0">
+                <a:solidFill>
+                  <a:srgbClr val="000000"/>
+                </a:solidFill>
+                <a:effectLst/>
+                <a:latin typeface="Roboto" panose="02000000000000000000" pitchFamily="2" charset="0"/>
+              </a:rPr>
+              <a:t> ilk </a:t>
+            </a:r>
+            <a:r>
+              <a:rPr lang="en-US" b="0" i="0" dirty="0" err="1">
+                <a:solidFill>
+                  <a:srgbClr val="000000"/>
+                </a:solidFill>
+                <a:effectLst/>
+                <a:latin typeface="Roboto" panose="02000000000000000000" pitchFamily="2" charset="0"/>
+              </a:rPr>
+              <a:t>aşırı</a:t>
+            </a:r>
+            <a:r>
+              <a:rPr lang="en-US" b="0" i="0" dirty="0">
+                <a:solidFill>
+                  <a:srgbClr val="000000"/>
+                </a:solidFill>
+                <a:effectLst/>
+                <a:latin typeface="Roboto" panose="02000000000000000000" pitchFamily="2" charset="0"/>
+              </a:rPr>
+              <a:t> </a:t>
+            </a:r>
+            <a:r>
+              <a:rPr lang="en-US" b="0" i="0" dirty="0" err="1">
+                <a:solidFill>
+                  <a:srgbClr val="000000"/>
+                </a:solidFill>
+                <a:effectLst/>
+                <a:latin typeface="Roboto" panose="02000000000000000000" pitchFamily="2" charset="0"/>
+              </a:rPr>
+              <a:t>yüklemesi</a:t>
+            </a:r>
+            <a:r>
+              <a:rPr lang="en-US" b="0" i="0" dirty="0">
+                <a:solidFill>
+                  <a:srgbClr val="000000"/>
+                </a:solidFill>
+                <a:effectLst/>
+                <a:latin typeface="Roboto" panose="02000000000000000000" pitchFamily="2" charset="0"/>
+              </a:rPr>
+              <a:t>, </a:t>
+            </a:r>
+            <a:r>
+              <a:rPr lang="en-US" b="0" i="0" dirty="0" err="1">
+                <a:solidFill>
+                  <a:srgbClr val="000000"/>
+                </a:solidFill>
+                <a:effectLst/>
+                <a:latin typeface="Roboto" panose="02000000000000000000" pitchFamily="2" charset="0"/>
+              </a:rPr>
+              <a:t>bir</a:t>
+            </a:r>
+            <a:r>
+              <a:rPr lang="en-US" b="0" i="0" dirty="0">
+                <a:solidFill>
+                  <a:srgbClr val="000000"/>
+                </a:solidFill>
+                <a:effectLst/>
+                <a:latin typeface="Roboto" panose="02000000000000000000" pitchFamily="2" charset="0"/>
+              </a:rPr>
+              <a:t> </a:t>
+            </a:r>
+            <a:r>
+              <a:rPr lang="en-US" b="0" i="0" dirty="0" err="1">
+                <a:solidFill>
+                  <a:srgbClr val="000000"/>
+                </a:solidFill>
+                <a:effectLst/>
+                <a:latin typeface="Roboto" panose="02000000000000000000" pitchFamily="2" charset="0"/>
+              </a:rPr>
+              <a:t>IRateLimiterPolicy</a:t>
+            </a:r>
+            <a:r>
+              <a:rPr lang="en-US" b="0" i="0" dirty="0">
+                <a:solidFill>
+                  <a:srgbClr val="000000"/>
+                </a:solidFill>
+                <a:effectLst/>
+                <a:latin typeface="Roboto" panose="02000000000000000000" pitchFamily="2" charset="0"/>
+              </a:rPr>
+              <a:t> </a:t>
+            </a:r>
+            <a:r>
+              <a:rPr lang="en-US" b="0" i="0" dirty="0" err="1">
+                <a:solidFill>
+                  <a:srgbClr val="000000"/>
+                </a:solidFill>
+                <a:effectLst/>
+                <a:latin typeface="Roboto" panose="02000000000000000000" pitchFamily="2" charset="0"/>
+              </a:rPr>
+              <a:t>örneğini</a:t>
+            </a:r>
+            <a:r>
+              <a:rPr lang="en-US" b="0" i="0" dirty="0">
+                <a:solidFill>
+                  <a:srgbClr val="000000"/>
+                </a:solidFill>
+                <a:effectLst/>
+                <a:latin typeface="Roboto" panose="02000000000000000000" pitchFamily="2" charset="0"/>
+              </a:rPr>
+              <a:t> </a:t>
+            </a:r>
+            <a:r>
+              <a:rPr lang="en-US" b="0" i="0" dirty="0" err="1">
+                <a:solidFill>
+                  <a:srgbClr val="000000"/>
+                </a:solidFill>
+                <a:effectLst/>
+                <a:latin typeface="Roboto" panose="02000000000000000000" pitchFamily="2" charset="0"/>
+              </a:rPr>
+              <a:t>alır</a:t>
+            </a:r>
+            <a:r>
+              <a:rPr lang="en-US" b="0" i="0" dirty="0">
+                <a:solidFill>
+                  <a:srgbClr val="000000"/>
+                </a:solidFill>
+                <a:effectLst/>
+                <a:latin typeface="Roboto" panose="02000000000000000000" pitchFamily="2" charset="0"/>
+              </a:rPr>
+              <a:t> ve </a:t>
+            </a:r>
+            <a:r>
+              <a:rPr lang="en-US" b="0" i="0" dirty="0" err="1">
+                <a:solidFill>
+                  <a:srgbClr val="000000"/>
+                </a:solidFill>
+                <a:effectLst/>
+                <a:latin typeface="Roboto" panose="02000000000000000000" pitchFamily="2" charset="0"/>
+              </a:rPr>
+              <a:t>ikincisi</a:t>
+            </a:r>
+            <a:r>
+              <a:rPr lang="en-US" b="0" i="0" dirty="0">
+                <a:solidFill>
+                  <a:srgbClr val="000000"/>
+                </a:solidFill>
+                <a:effectLst/>
+                <a:latin typeface="Roboto" panose="02000000000000000000" pitchFamily="2" charset="0"/>
+              </a:rPr>
+              <a:t>, generic argument </a:t>
+            </a:r>
+            <a:r>
+              <a:rPr lang="en-US" b="0" i="0" dirty="0" err="1">
+                <a:solidFill>
+                  <a:srgbClr val="000000"/>
+                </a:solidFill>
+                <a:effectLst/>
+                <a:latin typeface="Roboto" panose="02000000000000000000" pitchFamily="2" charset="0"/>
+              </a:rPr>
+              <a:t>olarak</a:t>
+            </a:r>
+            <a:r>
+              <a:rPr lang="en-US" b="0" i="0" dirty="0">
+                <a:solidFill>
+                  <a:srgbClr val="000000"/>
+                </a:solidFill>
+                <a:effectLst/>
+                <a:latin typeface="Roboto" panose="02000000000000000000" pitchFamily="2" charset="0"/>
+              </a:rPr>
+              <a:t> </a:t>
+            </a:r>
+            <a:r>
+              <a:rPr lang="en-US" b="0" i="0" dirty="0" err="1">
+                <a:solidFill>
+                  <a:srgbClr val="000000"/>
+                </a:solidFill>
+                <a:effectLst/>
+                <a:latin typeface="Roboto" panose="02000000000000000000" pitchFamily="2" charset="0"/>
+              </a:rPr>
+              <a:t>bir</a:t>
+            </a:r>
+            <a:r>
+              <a:rPr lang="en-US" b="0" i="0" dirty="0">
+                <a:solidFill>
+                  <a:srgbClr val="000000"/>
+                </a:solidFill>
+                <a:effectLst/>
+                <a:latin typeface="Roboto" panose="02000000000000000000" pitchFamily="2" charset="0"/>
+              </a:rPr>
+              <a:t> </a:t>
+            </a:r>
+            <a:r>
+              <a:rPr lang="en-US" b="0" i="0" dirty="0" err="1">
+                <a:solidFill>
+                  <a:srgbClr val="000000"/>
+                </a:solidFill>
+                <a:effectLst/>
+                <a:latin typeface="Roboto" panose="02000000000000000000" pitchFamily="2" charset="0"/>
+              </a:rPr>
+              <a:t>IRateLimiterPolicy</a:t>
+            </a:r>
+            <a:r>
+              <a:rPr lang="en-US" b="0" i="0" dirty="0">
+                <a:solidFill>
+                  <a:srgbClr val="000000"/>
+                </a:solidFill>
+                <a:effectLst/>
+                <a:latin typeface="Roboto" panose="02000000000000000000" pitchFamily="2" charset="0"/>
+              </a:rPr>
+              <a:t> </a:t>
+            </a:r>
+            <a:r>
+              <a:rPr lang="en-US" b="0" i="0" dirty="0" err="1">
+                <a:solidFill>
+                  <a:srgbClr val="000000"/>
+                </a:solidFill>
+                <a:effectLst/>
+                <a:latin typeface="Roboto" panose="02000000000000000000" pitchFamily="2" charset="0"/>
+              </a:rPr>
+              <a:t>alır</a:t>
+            </a:r>
+            <a:r>
+              <a:rPr lang="en-US" b="0" i="0" dirty="0">
+                <a:solidFill>
+                  <a:srgbClr val="000000"/>
+                </a:solidFill>
+                <a:effectLst/>
+                <a:latin typeface="Roboto" panose="02000000000000000000" pitchFamily="2" charset="0"/>
+              </a:rPr>
+              <a:t>. generic argument, constructor </a:t>
+            </a:r>
+            <a:r>
+              <a:rPr lang="en-US" b="0" i="0" dirty="0" err="1">
+                <a:solidFill>
+                  <a:srgbClr val="000000"/>
+                </a:solidFill>
+                <a:effectLst/>
+                <a:latin typeface="Roboto" panose="02000000000000000000" pitchFamily="2" charset="0"/>
+              </a:rPr>
+              <a:t>çağırmak</a:t>
+            </a:r>
+            <a:r>
+              <a:rPr lang="en-US" b="0" i="0" dirty="0">
+                <a:solidFill>
+                  <a:srgbClr val="000000"/>
+                </a:solidFill>
+                <a:effectLst/>
+                <a:latin typeface="Roboto" panose="02000000000000000000" pitchFamily="2" charset="0"/>
+              </a:rPr>
+              <a:t> </a:t>
+            </a:r>
+            <a:r>
+              <a:rPr lang="en-US" b="0" i="0" dirty="0" err="1">
+                <a:solidFill>
+                  <a:srgbClr val="000000"/>
+                </a:solidFill>
+                <a:effectLst/>
+                <a:latin typeface="Roboto" panose="02000000000000000000" pitchFamily="2" charset="0"/>
+              </a:rPr>
+              <a:t>için</a:t>
+            </a:r>
+            <a:r>
+              <a:rPr lang="en-US" b="0" i="0" dirty="0">
+                <a:solidFill>
+                  <a:srgbClr val="000000"/>
+                </a:solidFill>
+                <a:effectLst/>
+                <a:latin typeface="Roboto" panose="02000000000000000000" pitchFamily="2" charset="0"/>
+              </a:rPr>
+              <a:t> </a:t>
+            </a:r>
+            <a:r>
+              <a:rPr lang="en-US" b="0" i="0" dirty="0" err="1">
+                <a:solidFill>
+                  <a:srgbClr val="000000"/>
+                </a:solidFill>
+                <a:effectLst/>
+                <a:latin typeface="Roboto" panose="02000000000000000000" pitchFamily="2" charset="0"/>
+              </a:rPr>
+              <a:t>IRateLimiterPolicy'yi</a:t>
+            </a:r>
+            <a:r>
+              <a:rPr lang="en-US" b="0" i="0" dirty="0">
+                <a:solidFill>
+                  <a:srgbClr val="000000"/>
+                </a:solidFill>
+                <a:effectLst/>
+                <a:latin typeface="Roboto" panose="02000000000000000000" pitchFamily="2" charset="0"/>
+              </a:rPr>
+              <a:t> </a:t>
+            </a:r>
+            <a:r>
+              <a:rPr lang="en-US" b="0" i="0" dirty="0" err="1">
+                <a:solidFill>
+                  <a:srgbClr val="000000"/>
+                </a:solidFill>
+                <a:effectLst/>
+                <a:latin typeface="Roboto" panose="02000000000000000000" pitchFamily="2" charset="0"/>
+              </a:rPr>
+              <a:t>başlatmak</a:t>
+            </a:r>
+            <a:r>
+              <a:rPr lang="en-US" b="0" i="0" dirty="0">
+                <a:solidFill>
+                  <a:srgbClr val="000000"/>
+                </a:solidFill>
+                <a:effectLst/>
+                <a:latin typeface="Roboto" panose="02000000000000000000" pitchFamily="2" charset="0"/>
+              </a:rPr>
+              <a:t> </a:t>
+            </a:r>
+            <a:r>
+              <a:rPr lang="en-US" b="0" i="0" dirty="0" err="1">
+                <a:solidFill>
+                  <a:srgbClr val="000000"/>
+                </a:solidFill>
+                <a:effectLst/>
+                <a:latin typeface="Roboto" panose="02000000000000000000" pitchFamily="2" charset="0"/>
+              </a:rPr>
+              <a:t>için</a:t>
+            </a:r>
+            <a:r>
+              <a:rPr lang="en-US" b="0" i="0" dirty="0">
+                <a:solidFill>
+                  <a:srgbClr val="000000"/>
+                </a:solidFill>
+                <a:effectLst/>
+                <a:latin typeface="Roboto" panose="02000000000000000000" pitchFamily="2" charset="0"/>
+              </a:rPr>
+              <a:t> dependency injection </a:t>
+            </a:r>
+            <a:r>
+              <a:rPr lang="en-US" b="0" i="0" dirty="0" err="1">
+                <a:solidFill>
+                  <a:srgbClr val="000000"/>
+                </a:solidFill>
+                <a:effectLst/>
+                <a:latin typeface="Roboto" panose="02000000000000000000" pitchFamily="2" charset="0"/>
+              </a:rPr>
+              <a:t>kullanacaktır</a:t>
+            </a:r>
+            <a:r>
+              <a:rPr lang="en-US" b="0" i="0" dirty="0">
+                <a:solidFill>
+                  <a:srgbClr val="000000"/>
+                </a:solidFill>
+                <a:effectLst/>
+                <a:latin typeface="Roboto" panose="02000000000000000000" pitchFamily="2" charset="0"/>
+              </a:rPr>
+              <a:t>.</a:t>
+            </a:r>
+          </a:p>
+          <a:p>
+            <a:pPr marL="0" marR="0" lvl="0" indent="0" algn="l" defTabSz="914400" rtl="0" eaLnBrk="1" fontAlgn="auto" latinLnBrk="0" hangingPunct="1">
+              <a:lnSpc>
+                <a:spcPct val="100000"/>
+              </a:lnSpc>
+              <a:spcBef>
+                <a:spcPts val="0"/>
+              </a:spcBef>
+              <a:spcAft>
+                <a:spcPts val="0"/>
+              </a:spcAft>
+              <a:buClrTx/>
+              <a:buSzTx/>
+              <a:buFontTx/>
+              <a:buNone/>
+              <a:tabLst/>
+              <a:defRPr/>
+            </a:pPr>
+            <a:r>
+              <a:rPr lang="en-US" b="0" i="0" dirty="0">
+                <a:solidFill>
+                  <a:srgbClr val="000000"/>
+                </a:solidFill>
+                <a:effectLst/>
+                <a:latin typeface="Roboto" panose="02000000000000000000" pitchFamily="2" charset="0"/>
+              </a:rPr>
+              <a:t>- </a:t>
+            </a:r>
+            <a:r>
+              <a:rPr lang="en-US" b="0" i="0" dirty="0" err="1">
+                <a:solidFill>
+                  <a:srgbClr val="000000"/>
+                </a:solidFill>
+                <a:effectLst/>
+                <a:latin typeface="Roboto" panose="02000000000000000000" pitchFamily="2" charset="0"/>
+              </a:rPr>
+              <a:t>RateLimiterOptions'daki</a:t>
+            </a:r>
+            <a:r>
+              <a:rPr lang="en-US" b="0" i="0" dirty="0">
+                <a:solidFill>
+                  <a:srgbClr val="000000"/>
+                </a:solidFill>
+                <a:effectLst/>
+                <a:latin typeface="Roboto" panose="02000000000000000000" pitchFamily="2" charset="0"/>
+              </a:rPr>
+              <a:t> </a:t>
+            </a:r>
+            <a:r>
+              <a:rPr lang="en-US" b="0" i="0" dirty="0" err="1">
+                <a:solidFill>
+                  <a:srgbClr val="000000"/>
+                </a:solidFill>
+                <a:effectLst/>
+                <a:latin typeface="Roboto" panose="02000000000000000000" pitchFamily="2" charset="0"/>
+              </a:rPr>
+              <a:t>diğer</a:t>
+            </a:r>
+            <a:r>
+              <a:rPr lang="en-US" b="0" i="0" dirty="0">
+                <a:solidFill>
+                  <a:srgbClr val="000000"/>
+                </a:solidFill>
+                <a:effectLst/>
+                <a:latin typeface="Roboto" panose="02000000000000000000" pitchFamily="2" charset="0"/>
+              </a:rPr>
+              <a:t> </a:t>
+            </a:r>
+            <a:r>
+              <a:rPr lang="en-US" b="0" i="0" dirty="0" err="1">
+                <a:solidFill>
+                  <a:srgbClr val="000000"/>
+                </a:solidFill>
+                <a:effectLst/>
+                <a:latin typeface="Roboto" panose="02000000000000000000" pitchFamily="2" charset="0"/>
+              </a:rPr>
+              <a:t>yapılandırma</a:t>
+            </a:r>
+            <a:r>
+              <a:rPr lang="en-US" b="0" i="0" dirty="0">
+                <a:solidFill>
+                  <a:srgbClr val="000000"/>
+                </a:solidFill>
+                <a:effectLst/>
+                <a:latin typeface="Roboto" panose="02000000000000000000" pitchFamily="2" charset="0"/>
+              </a:rPr>
+              <a:t>, </a:t>
+            </a:r>
+            <a:r>
+              <a:rPr lang="en-US" b="0" i="0" dirty="0" err="1">
+                <a:solidFill>
+                  <a:srgbClr val="000000"/>
+                </a:solidFill>
+                <a:effectLst/>
+                <a:latin typeface="Roboto" panose="02000000000000000000" pitchFamily="2" charset="0"/>
+              </a:rPr>
+              <a:t>bir</a:t>
+            </a:r>
+            <a:r>
+              <a:rPr lang="en-US" b="0" i="0" dirty="0">
+                <a:solidFill>
+                  <a:srgbClr val="000000"/>
+                </a:solidFill>
+                <a:effectLst/>
+                <a:latin typeface="Roboto" panose="02000000000000000000" pitchFamily="2" charset="0"/>
+              </a:rPr>
+              <a:t> </a:t>
+            </a:r>
+            <a:r>
+              <a:rPr lang="en-US" b="0" i="0" dirty="0" err="1">
+                <a:solidFill>
+                  <a:srgbClr val="000000"/>
+                </a:solidFill>
+                <a:effectLst/>
+                <a:latin typeface="Roboto" panose="02000000000000000000" pitchFamily="2" charset="0"/>
+              </a:rPr>
+              <a:t>kiralamanın</a:t>
+            </a:r>
+            <a:r>
+              <a:rPr lang="en-US" b="0" i="0" dirty="0">
+                <a:solidFill>
+                  <a:srgbClr val="000000"/>
+                </a:solidFill>
+                <a:effectLst/>
+                <a:latin typeface="Roboto" panose="02000000000000000000" pitchFamily="2" charset="0"/>
+              </a:rPr>
+              <a:t> </a:t>
+            </a:r>
+            <a:r>
+              <a:rPr lang="en-US" b="0" i="0" dirty="0" err="1">
+                <a:solidFill>
+                  <a:srgbClr val="000000"/>
+                </a:solidFill>
+                <a:effectLst/>
+                <a:latin typeface="Roboto" panose="02000000000000000000" pitchFamily="2" charset="0"/>
+              </a:rPr>
+              <a:t>alınamaması</a:t>
+            </a:r>
+            <a:r>
+              <a:rPr lang="en-US" b="0" i="0" dirty="0">
+                <a:solidFill>
+                  <a:srgbClr val="000000"/>
+                </a:solidFill>
+                <a:effectLst/>
+                <a:latin typeface="Roboto" panose="02000000000000000000" pitchFamily="2" charset="0"/>
+              </a:rPr>
+              <a:t> </a:t>
+            </a:r>
+            <a:r>
+              <a:rPr lang="en-US" b="0" i="0" dirty="0" err="1">
+                <a:solidFill>
+                  <a:srgbClr val="000000"/>
+                </a:solidFill>
+                <a:effectLst/>
+                <a:latin typeface="Roboto" panose="02000000000000000000" pitchFamily="2" charset="0"/>
+              </a:rPr>
+              <a:t>durumunda</a:t>
+            </a:r>
+            <a:r>
+              <a:rPr lang="en-US" b="0" i="0" dirty="0">
+                <a:solidFill>
+                  <a:srgbClr val="000000"/>
+                </a:solidFill>
+                <a:effectLst/>
+                <a:latin typeface="Roboto" panose="02000000000000000000" pitchFamily="2" charset="0"/>
+              </a:rPr>
+              <a:t> </a:t>
+            </a:r>
+            <a:r>
+              <a:rPr lang="en-US" b="0" i="0" dirty="0" err="1">
+                <a:solidFill>
+                  <a:srgbClr val="000000"/>
+                </a:solidFill>
+                <a:effectLst/>
+                <a:latin typeface="Roboto" panose="02000000000000000000" pitchFamily="2" charset="0"/>
+              </a:rPr>
+              <a:t>döndürülecek</a:t>
+            </a:r>
+            <a:r>
+              <a:rPr lang="en-US" b="0" i="0" dirty="0">
+                <a:solidFill>
+                  <a:srgbClr val="000000"/>
+                </a:solidFill>
+                <a:effectLst/>
+                <a:latin typeface="Roboto" panose="02000000000000000000" pitchFamily="2" charset="0"/>
+              </a:rPr>
+              <a:t> durum </a:t>
+            </a:r>
+            <a:r>
+              <a:rPr lang="en-US" b="0" i="0" dirty="0" err="1">
+                <a:solidFill>
+                  <a:srgbClr val="000000"/>
+                </a:solidFill>
+                <a:effectLst/>
+                <a:latin typeface="Roboto" panose="02000000000000000000" pitchFamily="2" charset="0"/>
+              </a:rPr>
+              <a:t>kodu</a:t>
+            </a:r>
+            <a:r>
+              <a:rPr lang="en-US" b="0" i="0" dirty="0">
+                <a:solidFill>
+                  <a:srgbClr val="000000"/>
+                </a:solidFill>
+                <a:effectLst/>
+                <a:latin typeface="Roboto" panose="02000000000000000000" pitchFamily="2" charset="0"/>
+              </a:rPr>
+              <a:t> </a:t>
+            </a:r>
+            <a:r>
+              <a:rPr lang="en-US" b="0" i="0" dirty="0" err="1">
+                <a:solidFill>
+                  <a:srgbClr val="000000"/>
+                </a:solidFill>
+                <a:effectLst/>
+                <a:latin typeface="Roboto" panose="02000000000000000000" pitchFamily="2" charset="0"/>
+              </a:rPr>
+              <a:t>olan</a:t>
+            </a:r>
+            <a:r>
+              <a:rPr lang="en-US" b="0" i="0" dirty="0">
+                <a:solidFill>
+                  <a:srgbClr val="000000"/>
+                </a:solidFill>
+                <a:effectLst/>
+                <a:latin typeface="Roboto" panose="02000000000000000000" pitchFamily="2" charset="0"/>
+              </a:rPr>
+              <a:t> </a:t>
+            </a:r>
+            <a:r>
+              <a:rPr lang="en-US" b="0" i="0" dirty="0" err="1">
+                <a:solidFill>
+                  <a:srgbClr val="000000"/>
+                </a:solidFill>
+                <a:effectLst/>
+                <a:latin typeface="Roboto" panose="02000000000000000000" pitchFamily="2" charset="0"/>
+              </a:rPr>
+              <a:t>RejectionStatusCode'u</a:t>
+            </a:r>
+            <a:r>
+              <a:rPr lang="en-US" b="0" i="0" dirty="0">
+                <a:solidFill>
+                  <a:srgbClr val="000000"/>
+                </a:solidFill>
+                <a:effectLst/>
+                <a:latin typeface="Roboto" panose="02000000000000000000" pitchFamily="2" charset="0"/>
+              </a:rPr>
+              <a:t> </a:t>
+            </a:r>
+            <a:r>
+              <a:rPr lang="en-US" b="0" i="0" dirty="0" err="1">
+                <a:solidFill>
+                  <a:srgbClr val="000000"/>
+                </a:solidFill>
+                <a:effectLst/>
+                <a:latin typeface="Roboto" panose="02000000000000000000" pitchFamily="2" charset="0"/>
+              </a:rPr>
+              <a:t>içerir</a:t>
+            </a:r>
+            <a:r>
+              <a:rPr lang="en-US" b="0" i="0" dirty="0">
+                <a:solidFill>
+                  <a:srgbClr val="000000"/>
+                </a:solidFill>
+                <a:effectLst/>
+                <a:latin typeface="Roboto" panose="02000000000000000000" pitchFamily="2" charset="0"/>
+              </a:rPr>
+              <a:t>, </a:t>
+            </a:r>
+            <a:r>
+              <a:rPr lang="en-US" b="0" i="0" dirty="0" err="1">
+                <a:solidFill>
+                  <a:srgbClr val="000000"/>
+                </a:solidFill>
+                <a:effectLst/>
+                <a:latin typeface="Roboto" panose="02000000000000000000" pitchFamily="2" charset="0"/>
+              </a:rPr>
+              <a:t>varsayılan</a:t>
+            </a:r>
+            <a:r>
+              <a:rPr lang="en-US" b="0" i="0" dirty="0">
+                <a:solidFill>
+                  <a:srgbClr val="000000"/>
+                </a:solidFill>
+                <a:effectLst/>
+                <a:latin typeface="Roboto" panose="02000000000000000000" pitchFamily="2" charset="0"/>
+              </a:rPr>
+              <a:t> </a:t>
+            </a:r>
+            <a:r>
+              <a:rPr lang="en-US" b="0" i="0" dirty="0" err="1">
+                <a:solidFill>
+                  <a:srgbClr val="000000"/>
+                </a:solidFill>
+                <a:effectLst/>
+                <a:latin typeface="Roboto" panose="02000000000000000000" pitchFamily="2" charset="0"/>
+              </a:rPr>
+              <a:t>olarak</a:t>
+            </a:r>
+            <a:r>
+              <a:rPr lang="en-US" b="0" i="0" dirty="0">
+                <a:solidFill>
+                  <a:srgbClr val="000000"/>
+                </a:solidFill>
+                <a:effectLst/>
+                <a:latin typeface="Roboto" panose="02000000000000000000" pitchFamily="2" charset="0"/>
+              </a:rPr>
+              <a:t> 503 </a:t>
+            </a:r>
+            <a:r>
+              <a:rPr lang="en-US" b="0" i="0" dirty="0" err="1">
+                <a:solidFill>
+                  <a:srgbClr val="000000"/>
+                </a:solidFill>
+                <a:effectLst/>
+                <a:latin typeface="Roboto" panose="02000000000000000000" pitchFamily="2" charset="0"/>
+              </a:rPr>
+              <a:t>döndürülür</a:t>
+            </a:r>
+            <a:r>
+              <a:rPr lang="en-US" b="0" i="0" dirty="0">
+                <a:solidFill>
+                  <a:srgbClr val="000000"/>
+                </a:solidFill>
+                <a:effectLst/>
+                <a:latin typeface="Roboto" panose="02000000000000000000" pitchFamily="2" charset="0"/>
+              </a:rPr>
+              <a:t>. </a:t>
+            </a:r>
+            <a:r>
+              <a:rPr lang="en-US" b="0" i="0" dirty="0" err="1">
+                <a:solidFill>
+                  <a:srgbClr val="000000"/>
+                </a:solidFill>
+                <a:effectLst/>
+                <a:latin typeface="Roboto" panose="02000000000000000000" pitchFamily="2" charset="0"/>
+              </a:rPr>
+              <a:t>Daha</a:t>
+            </a:r>
+            <a:r>
+              <a:rPr lang="en-US" b="0" i="0" dirty="0">
+                <a:solidFill>
+                  <a:srgbClr val="000000"/>
+                </a:solidFill>
+                <a:effectLst/>
+                <a:latin typeface="Roboto" panose="02000000000000000000" pitchFamily="2" charset="0"/>
+              </a:rPr>
+              <a:t> </a:t>
+            </a:r>
+            <a:r>
+              <a:rPr lang="en-US" b="0" i="0" dirty="0" err="1">
+                <a:solidFill>
+                  <a:srgbClr val="000000"/>
+                </a:solidFill>
+                <a:effectLst/>
+                <a:latin typeface="Roboto" panose="02000000000000000000" pitchFamily="2" charset="0"/>
+              </a:rPr>
+              <a:t>gelişmiş</a:t>
+            </a:r>
+            <a:r>
+              <a:rPr lang="en-US" b="0" i="0" dirty="0">
+                <a:solidFill>
+                  <a:srgbClr val="000000"/>
+                </a:solidFill>
+                <a:effectLst/>
+                <a:latin typeface="Roboto" panose="02000000000000000000" pitchFamily="2" charset="0"/>
+              </a:rPr>
+              <a:t> </a:t>
+            </a:r>
+            <a:r>
+              <a:rPr lang="en-US" b="0" i="0" dirty="0" err="1">
+                <a:solidFill>
+                  <a:srgbClr val="000000"/>
+                </a:solidFill>
+                <a:effectLst/>
+                <a:latin typeface="Roboto" panose="02000000000000000000" pitchFamily="2" charset="0"/>
+              </a:rPr>
+              <a:t>kullanımlar</a:t>
+            </a:r>
+            <a:r>
+              <a:rPr lang="en-US" b="0" i="0" dirty="0">
+                <a:solidFill>
+                  <a:srgbClr val="000000"/>
+                </a:solidFill>
+                <a:effectLst/>
+                <a:latin typeface="Roboto" panose="02000000000000000000" pitchFamily="2" charset="0"/>
+              </a:rPr>
+              <a:t> </a:t>
+            </a:r>
+            <a:r>
+              <a:rPr lang="en-US" b="0" i="0" dirty="0" err="1">
+                <a:solidFill>
+                  <a:srgbClr val="000000"/>
+                </a:solidFill>
+                <a:effectLst/>
+                <a:latin typeface="Roboto" panose="02000000000000000000" pitchFamily="2" charset="0"/>
+              </a:rPr>
+              <a:t>için</a:t>
+            </a:r>
+            <a:r>
+              <a:rPr lang="en-US" b="0" i="0" dirty="0">
+                <a:solidFill>
+                  <a:srgbClr val="000000"/>
+                </a:solidFill>
+                <a:effectLst/>
+                <a:latin typeface="Roboto" panose="02000000000000000000" pitchFamily="2" charset="0"/>
+              </a:rPr>
+              <a:t>, </a:t>
+            </a:r>
+            <a:r>
+              <a:rPr lang="en-US" b="0" i="0" dirty="0" err="1">
+                <a:solidFill>
+                  <a:srgbClr val="000000"/>
+                </a:solidFill>
+                <a:effectLst/>
+                <a:latin typeface="Roboto" panose="02000000000000000000" pitchFamily="2" charset="0"/>
+              </a:rPr>
+              <a:t>RejectionStatusCode</a:t>
+            </a:r>
+            <a:r>
+              <a:rPr lang="en-US" b="0" i="0" dirty="0">
+                <a:solidFill>
+                  <a:srgbClr val="000000"/>
+                </a:solidFill>
+                <a:effectLst/>
+                <a:latin typeface="Roboto" panose="02000000000000000000" pitchFamily="2" charset="0"/>
+              </a:rPr>
+              <a:t> </a:t>
+            </a:r>
+            <a:r>
+              <a:rPr lang="en-US" b="0" i="0" dirty="0" err="1">
+                <a:solidFill>
+                  <a:srgbClr val="000000"/>
+                </a:solidFill>
+                <a:effectLst/>
+                <a:latin typeface="Roboto" panose="02000000000000000000" pitchFamily="2" charset="0"/>
+              </a:rPr>
+              <a:t>kullanıldıktan</a:t>
+            </a:r>
+            <a:r>
+              <a:rPr lang="en-US" b="0" i="0" dirty="0">
+                <a:solidFill>
+                  <a:srgbClr val="000000"/>
+                </a:solidFill>
+                <a:effectLst/>
+                <a:latin typeface="Roboto" panose="02000000000000000000" pitchFamily="2" charset="0"/>
+              </a:rPr>
+              <a:t> </a:t>
+            </a:r>
+            <a:r>
+              <a:rPr lang="en-US" b="0" i="0" dirty="0" err="1">
+                <a:solidFill>
+                  <a:srgbClr val="000000"/>
+                </a:solidFill>
+                <a:effectLst/>
+                <a:latin typeface="Roboto" panose="02000000000000000000" pitchFamily="2" charset="0"/>
+              </a:rPr>
+              <a:t>sonra</a:t>
+            </a:r>
+            <a:r>
+              <a:rPr lang="en-US" b="0" i="0" dirty="0">
+                <a:solidFill>
+                  <a:srgbClr val="000000"/>
+                </a:solidFill>
+                <a:effectLst/>
+                <a:latin typeface="Roboto" panose="02000000000000000000" pitchFamily="2" charset="0"/>
+              </a:rPr>
+              <a:t> </a:t>
+            </a:r>
+            <a:r>
+              <a:rPr lang="en-US" b="0" i="0" dirty="0" err="1">
+                <a:solidFill>
+                  <a:srgbClr val="000000"/>
+                </a:solidFill>
+                <a:effectLst/>
+                <a:latin typeface="Roboto" panose="02000000000000000000" pitchFamily="2" charset="0"/>
+              </a:rPr>
+              <a:t>çağrılacak</a:t>
+            </a:r>
+            <a:r>
+              <a:rPr lang="en-US" b="0" i="0" dirty="0">
+                <a:solidFill>
+                  <a:srgbClr val="000000"/>
+                </a:solidFill>
+                <a:effectLst/>
+                <a:latin typeface="Roboto" panose="02000000000000000000" pitchFamily="2" charset="0"/>
+              </a:rPr>
+              <a:t> </a:t>
+            </a:r>
+            <a:r>
+              <a:rPr lang="en-US" b="0" i="0" dirty="0" err="1">
+                <a:solidFill>
+                  <a:srgbClr val="000000"/>
+                </a:solidFill>
+                <a:effectLst/>
+                <a:latin typeface="Roboto" panose="02000000000000000000" pitchFamily="2" charset="0"/>
+              </a:rPr>
+              <a:t>olan</a:t>
+            </a:r>
+            <a:r>
+              <a:rPr lang="en-US" b="0" i="0" dirty="0">
+                <a:solidFill>
+                  <a:srgbClr val="000000"/>
+                </a:solidFill>
+                <a:effectLst/>
+                <a:latin typeface="Roboto" panose="02000000000000000000" pitchFamily="2" charset="0"/>
+              </a:rPr>
+              <a:t> ve </a:t>
+            </a:r>
+            <a:r>
+              <a:rPr lang="en-US" b="0" i="0" dirty="0" err="1">
+                <a:solidFill>
+                  <a:srgbClr val="000000"/>
+                </a:solidFill>
+                <a:effectLst/>
+                <a:latin typeface="Roboto" panose="02000000000000000000" pitchFamily="2" charset="0"/>
+              </a:rPr>
+              <a:t>argüman</a:t>
+            </a:r>
+            <a:r>
+              <a:rPr lang="en-US" b="0" i="0" dirty="0">
+                <a:solidFill>
+                  <a:srgbClr val="000000"/>
+                </a:solidFill>
+                <a:effectLst/>
+                <a:latin typeface="Roboto" panose="02000000000000000000" pitchFamily="2" charset="0"/>
+              </a:rPr>
+              <a:t> </a:t>
+            </a:r>
+            <a:r>
+              <a:rPr lang="en-US" b="0" i="0" dirty="0" err="1">
+                <a:solidFill>
+                  <a:srgbClr val="000000"/>
+                </a:solidFill>
+                <a:effectLst/>
+                <a:latin typeface="Roboto" panose="02000000000000000000" pitchFamily="2" charset="0"/>
+              </a:rPr>
+              <a:t>olarak</a:t>
+            </a:r>
+            <a:r>
+              <a:rPr lang="en-US" b="0" i="0" dirty="0">
+                <a:solidFill>
+                  <a:srgbClr val="000000"/>
+                </a:solidFill>
+                <a:effectLst/>
+                <a:latin typeface="Roboto" panose="02000000000000000000" pitchFamily="2" charset="0"/>
+              </a:rPr>
+              <a:t> </a:t>
+            </a:r>
+            <a:r>
+              <a:rPr lang="en-US" b="0" i="0" dirty="0" err="1">
+                <a:solidFill>
+                  <a:srgbClr val="000000"/>
+                </a:solidFill>
+                <a:effectLst/>
+                <a:latin typeface="Roboto" panose="02000000000000000000" pitchFamily="2" charset="0"/>
+              </a:rPr>
+              <a:t>OnRejectedContext'i</a:t>
+            </a:r>
+            <a:r>
+              <a:rPr lang="en-US" b="0" i="0" dirty="0">
+                <a:solidFill>
+                  <a:srgbClr val="000000"/>
+                </a:solidFill>
+                <a:effectLst/>
+                <a:latin typeface="Roboto" panose="02000000000000000000" pitchFamily="2" charset="0"/>
+              </a:rPr>
+              <a:t> </a:t>
+            </a:r>
+            <a:r>
+              <a:rPr lang="en-US" b="0" i="0" dirty="0" err="1">
+                <a:solidFill>
+                  <a:srgbClr val="000000"/>
+                </a:solidFill>
+                <a:effectLst/>
+                <a:latin typeface="Roboto" panose="02000000000000000000" pitchFamily="2" charset="0"/>
+              </a:rPr>
+              <a:t>alan</a:t>
+            </a:r>
+            <a:r>
+              <a:rPr lang="en-US" b="0" i="0" dirty="0">
+                <a:solidFill>
+                  <a:srgbClr val="000000"/>
+                </a:solidFill>
+                <a:effectLst/>
+                <a:latin typeface="Roboto" panose="02000000000000000000" pitchFamily="2" charset="0"/>
+              </a:rPr>
+              <a:t> </a:t>
+            </a:r>
+            <a:r>
+              <a:rPr lang="en-US" b="0" i="0" dirty="0" err="1">
+                <a:solidFill>
+                  <a:srgbClr val="000000"/>
+                </a:solidFill>
+                <a:effectLst/>
+                <a:latin typeface="Roboto" panose="02000000000000000000" pitchFamily="2" charset="0"/>
+              </a:rPr>
+              <a:t>OnRejected</a:t>
+            </a:r>
+            <a:r>
+              <a:rPr lang="en-US" b="0" i="0" dirty="0">
+                <a:solidFill>
+                  <a:srgbClr val="000000"/>
+                </a:solidFill>
+                <a:effectLst/>
+                <a:latin typeface="Roboto" panose="02000000000000000000" pitchFamily="2" charset="0"/>
+              </a:rPr>
+              <a:t> </a:t>
+            </a:r>
+            <a:r>
+              <a:rPr lang="en-US" b="0" i="0" dirty="0" err="1">
+                <a:solidFill>
+                  <a:srgbClr val="000000"/>
+                </a:solidFill>
+                <a:effectLst/>
+                <a:latin typeface="Roboto" panose="02000000000000000000" pitchFamily="2" charset="0"/>
+              </a:rPr>
+              <a:t>işlevi</a:t>
+            </a:r>
+            <a:r>
+              <a:rPr lang="en-US" b="0" i="0" dirty="0">
+                <a:solidFill>
+                  <a:srgbClr val="000000"/>
+                </a:solidFill>
+                <a:effectLst/>
+                <a:latin typeface="Roboto" panose="02000000000000000000" pitchFamily="2" charset="0"/>
+              </a:rPr>
+              <a:t> de </a:t>
+            </a:r>
+            <a:r>
+              <a:rPr lang="en-US" b="0" i="0" dirty="0" err="1">
+                <a:solidFill>
+                  <a:srgbClr val="000000"/>
+                </a:solidFill>
+                <a:effectLst/>
+                <a:latin typeface="Roboto" panose="02000000000000000000" pitchFamily="2" charset="0"/>
+              </a:rPr>
+              <a:t>vardır</a:t>
+            </a:r>
+            <a:r>
+              <a:rPr lang="en-US" b="0" i="0" dirty="0">
+                <a:solidFill>
+                  <a:srgbClr val="000000"/>
+                </a:solidFill>
+                <a:effectLst/>
+                <a:latin typeface="Roboto" panose="02000000000000000000" pitchFamily="2" charset="0"/>
+              </a:rPr>
+              <a:t>.</a:t>
+            </a:r>
+          </a:p>
+          <a:p>
+            <a:endParaRPr lang="en-US" dirty="0"/>
+          </a:p>
+        </p:txBody>
+      </p:sp>
+      <p:sp>
+        <p:nvSpPr>
+          <p:cNvPr id="4" name="Slide Number Placeholder 3"/>
+          <p:cNvSpPr>
+            <a:spLocks noGrp="1"/>
+          </p:cNvSpPr>
+          <p:nvPr>
+            <p:ph type="sldNum" sz="quarter" idx="5"/>
+          </p:nvPr>
+        </p:nvSpPr>
+        <p:spPr/>
+        <p:txBody>
+          <a:bodyPr/>
+          <a:lstStyle/>
+          <a:p>
+            <a:fld id="{76B03066-73DC-4439-8C21-B2AF40CF105D}" type="slidenum">
+              <a:rPr lang="en-US" smtClean="0"/>
+              <a:t>30</a:t>
+            </a:fld>
+            <a:endParaRPr lang="en-US"/>
+          </a:p>
+        </p:txBody>
+      </p:sp>
+    </p:spTree>
+    <p:extLst>
+      <p:ext uri="{BB962C8B-B14F-4D97-AF65-F5344CB8AC3E}">
+        <p14:creationId xmlns:p14="http://schemas.microsoft.com/office/powerpoint/2010/main" val="1343630636"/>
+      </p:ext>
+    </p:extLst>
+  </p:cSld>
+  <p:clrMapOvr>
+    <a:masterClrMapping/>
+  </p:clrMapOvr>
+</p:notes>
+</file>
+
+<file path=ppt/notesSlides/notesSlide11.xml><?xml version="1.0" encoding="utf-8"?>
+<p:notes xmlns:a="http://schemas.openxmlformats.org/drawingml/2006/main" xmlns:r="http://schemas.openxmlformats.org/officeDocument/2006/relationships" xmlns:p="http://schemas.openxmlformats.org/presentationml/2006/main">
+  <p:cSld>
+    <p:spTree>
+      <p:nvGrpSpPr>
+        <p:cNvPr id="1" name=""/>
+        <p:cNvGrpSpPr/>
+        <p:nvPr/>
+      </p:nvGrpSpPr>
+      <p:grpSpPr>
+        <a:xfrm>
+          <a:off x="0" y="0"/>
+          <a:ext cx="0" cy="0"/>
+          <a:chOff x="0" y="0"/>
+          <a:chExt cx="0" cy="0"/>
+        </a:xfrm>
+      </p:grpSpPr>
+      <p:sp>
+        <p:nvSpPr>
+          <p:cNvPr id="2" name="Slide Image Placeholder 1"/>
+          <p:cNvSpPr>
+            <a:spLocks noGrp="1" noRot="1" noChangeAspect="1"/>
+          </p:cNvSpPr>
+          <p:nvPr>
+            <p:ph type="sldImg"/>
+          </p:nvPr>
+        </p:nvSpPr>
+        <p:spPr/>
+      </p:sp>
+      <p:sp>
+        <p:nvSpPr>
+          <p:cNvPr id="3" name="Notes Placeholder 2"/>
+          <p:cNvSpPr>
+            <a:spLocks noGrp="1"/>
+          </p:cNvSpPr>
+          <p:nvPr>
+            <p:ph type="body" idx="1"/>
+          </p:nvPr>
+        </p:nvSpPr>
+        <p:spPr/>
+        <p:txBody>
+          <a:bodyPr/>
+          <a:lstStyle/>
+          <a:p>
+            <a:r>
+              <a:rPr lang="en-US" b="0" i="0" dirty="0">
+                <a:solidFill>
+                  <a:srgbClr val="000000"/>
+                </a:solidFill>
+                <a:effectLst/>
+                <a:latin typeface="Roboto" panose="02000000000000000000" pitchFamily="2" charset="0"/>
+              </a:rPr>
+              <a:t>Son </a:t>
+            </a:r>
+            <a:r>
+              <a:rPr lang="en-US" b="0" i="0" dirty="0" err="1">
+                <a:solidFill>
+                  <a:srgbClr val="000000"/>
+                </a:solidFill>
+                <a:effectLst/>
+                <a:latin typeface="Roboto" panose="02000000000000000000" pitchFamily="2" charset="0"/>
+              </a:rPr>
+              <a:t>olarak</a:t>
+            </a:r>
+            <a:r>
+              <a:rPr lang="en-US" b="0" i="0" dirty="0">
+                <a:solidFill>
+                  <a:srgbClr val="000000"/>
+                </a:solidFill>
+                <a:effectLst/>
+                <a:latin typeface="Roboto" panose="02000000000000000000" pitchFamily="2" charset="0"/>
+              </a:rPr>
+              <a:t>, </a:t>
+            </a:r>
+            <a:r>
+              <a:rPr lang="en-US" b="0" i="0" dirty="0" err="1">
+                <a:solidFill>
+                  <a:srgbClr val="000000"/>
+                </a:solidFill>
+                <a:effectLst/>
+                <a:latin typeface="Roboto" panose="02000000000000000000" pitchFamily="2" charset="0"/>
+              </a:rPr>
+              <a:t>RateLimiterOptions</a:t>
+            </a:r>
+            <a:r>
+              <a:rPr lang="en-US" b="0" i="0" dirty="0">
+                <a:solidFill>
+                  <a:srgbClr val="000000"/>
+                </a:solidFill>
+                <a:effectLst/>
+                <a:latin typeface="Roboto" panose="02000000000000000000" pitchFamily="2" charset="0"/>
+              </a:rPr>
+              <a:t>, </a:t>
+            </a:r>
+            <a:r>
+              <a:rPr lang="en-US" b="0" i="0" dirty="0" err="1">
+                <a:solidFill>
+                  <a:srgbClr val="000000"/>
+                </a:solidFill>
+                <a:effectLst/>
+                <a:latin typeface="Roboto" panose="02000000000000000000" pitchFamily="2" charset="0"/>
+              </a:rPr>
+              <a:t>RateLimiterOptions.GlobalLimiter</a:t>
+            </a:r>
+            <a:r>
+              <a:rPr lang="en-US" b="0" i="0" dirty="0">
+                <a:solidFill>
+                  <a:srgbClr val="000000"/>
+                </a:solidFill>
+                <a:effectLst/>
+                <a:latin typeface="Roboto" panose="02000000000000000000" pitchFamily="2" charset="0"/>
+              </a:rPr>
+              <a:t> </a:t>
+            </a:r>
+            <a:r>
+              <a:rPr lang="en-US" b="0" i="0" dirty="0" err="1">
+                <a:solidFill>
+                  <a:srgbClr val="000000"/>
+                </a:solidFill>
+                <a:effectLst/>
+                <a:latin typeface="Roboto" panose="02000000000000000000" pitchFamily="2" charset="0"/>
+              </a:rPr>
+              <a:t>aracılığıyla</a:t>
+            </a:r>
+            <a:r>
+              <a:rPr lang="en-US" b="0" i="0" dirty="0">
+                <a:solidFill>
+                  <a:srgbClr val="000000"/>
+                </a:solidFill>
+                <a:effectLst/>
+                <a:latin typeface="Roboto" panose="02000000000000000000" pitchFamily="2" charset="0"/>
+              </a:rPr>
+              <a:t> global </a:t>
+            </a:r>
+            <a:r>
+              <a:rPr lang="en-US" b="0" i="0" dirty="0" err="1">
+                <a:solidFill>
+                  <a:srgbClr val="000000"/>
+                </a:solidFill>
+                <a:effectLst/>
+                <a:latin typeface="Roboto" panose="02000000000000000000" pitchFamily="2" charset="0"/>
+              </a:rPr>
+              <a:t>bir</a:t>
+            </a:r>
+            <a:r>
+              <a:rPr lang="en-US" b="0" i="0" dirty="0">
+                <a:solidFill>
+                  <a:srgbClr val="000000"/>
+                </a:solidFill>
+                <a:effectLst/>
+                <a:latin typeface="Roboto" panose="02000000000000000000" pitchFamily="2" charset="0"/>
+              </a:rPr>
+              <a:t> </a:t>
+            </a:r>
+            <a:r>
+              <a:rPr lang="en-US" b="0" i="0" dirty="0" err="1">
+                <a:solidFill>
+                  <a:srgbClr val="000000"/>
+                </a:solidFill>
+                <a:effectLst/>
+                <a:latin typeface="Roboto" panose="02000000000000000000" pitchFamily="2" charset="0"/>
+              </a:rPr>
+              <a:t>PartitionedRateLimiter</a:t>
+            </a:r>
+            <a:r>
+              <a:rPr lang="en-US" b="0" i="0" dirty="0">
+                <a:solidFill>
+                  <a:srgbClr val="000000"/>
+                </a:solidFill>
+                <a:effectLst/>
+                <a:latin typeface="Roboto" panose="02000000000000000000" pitchFamily="2" charset="0"/>
+              </a:rPr>
+              <a:t>&lt;</a:t>
+            </a:r>
+            <a:r>
+              <a:rPr lang="en-US" b="0" i="0" dirty="0" err="1">
+                <a:solidFill>
+                  <a:srgbClr val="000000"/>
+                </a:solidFill>
+                <a:effectLst/>
+                <a:latin typeface="Roboto" panose="02000000000000000000" pitchFamily="2" charset="0"/>
+              </a:rPr>
+              <a:t>HttpContext</a:t>
+            </a:r>
+            <a:r>
+              <a:rPr lang="en-US" b="0" i="0" dirty="0">
+                <a:solidFill>
+                  <a:srgbClr val="000000"/>
+                </a:solidFill>
+                <a:effectLst/>
+                <a:latin typeface="Roboto" panose="02000000000000000000" pitchFamily="2" charset="0"/>
+              </a:rPr>
+              <a:t>&gt; </a:t>
+            </a:r>
+            <a:r>
+              <a:rPr lang="en-US" b="0" i="0" dirty="0" err="1">
+                <a:solidFill>
+                  <a:srgbClr val="000000"/>
+                </a:solidFill>
+                <a:effectLst/>
+                <a:latin typeface="Roboto" panose="02000000000000000000" pitchFamily="2" charset="0"/>
+              </a:rPr>
+              <a:t>yapılandırmaya</a:t>
+            </a:r>
+            <a:r>
+              <a:rPr lang="en-US" b="0" i="0" dirty="0">
+                <a:solidFill>
+                  <a:srgbClr val="000000"/>
+                </a:solidFill>
+                <a:effectLst/>
+                <a:latin typeface="Roboto" panose="02000000000000000000" pitchFamily="2" charset="0"/>
+              </a:rPr>
+              <a:t> </a:t>
+            </a:r>
+            <a:r>
+              <a:rPr lang="en-US" b="0" i="0" dirty="0" err="1">
+                <a:solidFill>
+                  <a:srgbClr val="000000"/>
+                </a:solidFill>
+                <a:effectLst/>
+                <a:latin typeface="Roboto" panose="02000000000000000000" pitchFamily="2" charset="0"/>
+              </a:rPr>
+              <a:t>izin</a:t>
+            </a:r>
+            <a:r>
+              <a:rPr lang="en-US" b="0" i="0" dirty="0">
+                <a:solidFill>
+                  <a:srgbClr val="000000"/>
+                </a:solidFill>
+                <a:effectLst/>
+                <a:latin typeface="Roboto" panose="02000000000000000000" pitchFamily="2" charset="0"/>
+              </a:rPr>
+              <a:t> </a:t>
+            </a:r>
+            <a:r>
+              <a:rPr lang="en-US" b="0" i="0" dirty="0" err="1">
+                <a:solidFill>
+                  <a:srgbClr val="000000"/>
+                </a:solidFill>
+                <a:effectLst/>
+                <a:latin typeface="Roboto" panose="02000000000000000000" pitchFamily="2" charset="0"/>
+              </a:rPr>
+              <a:t>verir</a:t>
+            </a:r>
+            <a:r>
+              <a:rPr lang="en-US" b="0" i="0" dirty="0">
+                <a:solidFill>
+                  <a:srgbClr val="000000"/>
+                </a:solidFill>
+                <a:effectLst/>
+                <a:latin typeface="Roboto" panose="02000000000000000000" pitchFamily="2" charset="0"/>
+              </a:rPr>
+              <a:t>. Bir </a:t>
+            </a:r>
+            <a:r>
+              <a:rPr lang="en-US" b="0" i="0" dirty="0" err="1">
+                <a:solidFill>
+                  <a:srgbClr val="000000"/>
+                </a:solidFill>
+                <a:effectLst/>
+                <a:latin typeface="Roboto" panose="02000000000000000000" pitchFamily="2" charset="0"/>
+              </a:rPr>
+              <a:t>GlobalLimiter</a:t>
+            </a:r>
+            <a:r>
+              <a:rPr lang="en-US" b="0" i="0" dirty="0">
+                <a:solidFill>
+                  <a:srgbClr val="000000"/>
+                </a:solidFill>
+                <a:effectLst/>
+                <a:latin typeface="Roboto" panose="02000000000000000000" pitchFamily="2" charset="0"/>
+              </a:rPr>
+              <a:t> </a:t>
+            </a:r>
+            <a:r>
+              <a:rPr lang="en-US" b="0" i="0" dirty="0" err="1">
+                <a:solidFill>
+                  <a:srgbClr val="000000"/>
+                </a:solidFill>
+                <a:effectLst/>
+                <a:latin typeface="Roboto" panose="02000000000000000000" pitchFamily="2" charset="0"/>
+              </a:rPr>
+              <a:t>sağlanırsa</a:t>
+            </a:r>
+            <a:r>
+              <a:rPr lang="en-US" b="0" i="0" dirty="0">
+                <a:solidFill>
+                  <a:srgbClr val="000000"/>
+                </a:solidFill>
+                <a:effectLst/>
+                <a:latin typeface="Roboto" panose="02000000000000000000" pitchFamily="2" charset="0"/>
+              </a:rPr>
+              <a:t>, </a:t>
+            </a:r>
+            <a:r>
+              <a:rPr lang="en-US" b="0" i="0" dirty="0" err="1">
+                <a:solidFill>
+                  <a:srgbClr val="000000"/>
+                </a:solidFill>
+                <a:effectLst/>
+                <a:latin typeface="Roboto" panose="02000000000000000000" pitchFamily="2" charset="0"/>
+              </a:rPr>
+              <a:t>bir</a:t>
+            </a:r>
+            <a:r>
+              <a:rPr lang="en-US" b="0" i="0" dirty="0">
+                <a:solidFill>
+                  <a:srgbClr val="000000"/>
+                </a:solidFill>
+                <a:effectLst/>
+                <a:latin typeface="Roboto" panose="02000000000000000000" pitchFamily="2" charset="0"/>
+              </a:rPr>
+              <a:t> </a:t>
+            </a:r>
+            <a:r>
+              <a:rPr lang="en-US" b="0" i="0" dirty="0" err="1">
+                <a:solidFill>
+                  <a:srgbClr val="000000"/>
+                </a:solidFill>
+                <a:effectLst/>
+                <a:latin typeface="Roboto" panose="02000000000000000000" pitchFamily="2" charset="0"/>
+              </a:rPr>
+              <a:t>uç</a:t>
+            </a:r>
+            <a:r>
+              <a:rPr lang="en-US" b="0" i="0" dirty="0">
+                <a:solidFill>
+                  <a:srgbClr val="000000"/>
+                </a:solidFill>
+                <a:effectLst/>
+                <a:latin typeface="Roboto" panose="02000000000000000000" pitchFamily="2" charset="0"/>
+              </a:rPr>
+              <a:t> </a:t>
+            </a:r>
+            <a:r>
+              <a:rPr lang="en-US" b="0" i="0" dirty="0" err="1">
+                <a:solidFill>
+                  <a:srgbClr val="000000"/>
+                </a:solidFill>
+                <a:effectLst/>
+                <a:latin typeface="Roboto" panose="02000000000000000000" pitchFamily="2" charset="0"/>
+              </a:rPr>
+              <a:t>noktada</a:t>
+            </a:r>
+            <a:r>
+              <a:rPr lang="en-US" b="0" i="0" dirty="0">
+                <a:solidFill>
+                  <a:srgbClr val="000000"/>
+                </a:solidFill>
+                <a:effectLst/>
+                <a:latin typeface="Roboto" panose="02000000000000000000" pitchFamily="2" charset="0"/>
+              </a:rPr>
+              <a:t> </a:t>
+            </a:r>
+            <a:r>
+              <a:rPr lang="en-US" b="0" i="0" dirty="0" err="1">
+                <a:solidFill>
+                  <a:srgbClr val="000000"/>
+                </a:solidFill>
+                <a:effectLst/>
+                <a:latin typeface="Roboto" panose="02000000000000000000" pitchFamily="2" charset="0"/>
+              </a:rPr>
+              <a:t>belirtilen</a:t>
+            </a:r>
+            <a:r>
+              <a:rPr lang="en-US" b="0" i="0" dirty="0">
+                <a:solidFill>
+                  <a:srgbClr val="000000"/>
+                </a:solidFill>
+                <a:effectLst/>
+                <a:latin typeface="Roboto" panose="02000000000000000000" pitchFamily="2" charset="0"/>
+              </a:rPr>
+              <a:t> </a:t>
+            </a:r>
+            <a:r>
+              <a:rPr lang="en-US" b="0" i="0" dirty="0" err="1">
+                <a:solidFill>
+                  <a:srgbClr val="000000"/>
+                </a:solidFill>
+                <a:effectLst/>
+                <a:latin typeface="Roboto" panose="02000000000000000000" pitchFamily="2" charset="0"/>
+              </a:rPr>
+              <a:t>herhangi</a:t>
+            </a:r>
+            <a:r>
+              <a:rPr lang="en-US" b="0" i="0" dirty="0">
+                <a:solidFill>
+                  <a:srgbClr val="000000"/>
+                </a:solidFill>
+                <a:effectLst/>
+                <a:latin typeface="Roboto" panose="02000000000000000000" pitchFamily="2" charset="0"/>
+              </a:rPr>
+              <a:t> </a:t>
+            </a:r>
+            <a:r>
+              <a:rPr lang="en-US" b="0" i="0" dirty="0" err="1">
+                <a:solidFill>
+                  <a:srgbClr val="000000"/>
+                </a:solidFill>
+                <a:effectLst/>
+                <a:latin typeface="Roboto" panose="02000000000000000000" pitchFamily="2" charset="0"/>
+              </a:rPr>
+              <a:t>bir</a:t>
+            </a:r>
+            <a:r>
+              <a:rPr lang="en-US" b="0" i="0" dirty="0">
+                <a:solidFill>
+                  <a:srgbClr val="000000"/>
+                </a:solidFill>
+                <a:effectLst/>
+                <a:latin typeface="Roboto" panose="02000000000000000000" pitchFamily="2" charset="0"/>
+              </a:rPr>
+              <a:t> </a:t>
+            </a:r>
+            <a:r>
+              <a:rPr lang="en-US" b="0" i="0" dirty="0" err="1">
+                <a:solidFill>
+                  <a:srgbClr val="000000"/>
+                </a:solidFill>
+                <a:effectLst/>
+                <a:latin typeface="Roboto" panose="02000000000000000000" pitchFamily="2" charset="0"/>
+              </a:rPr>
+              <a:t>ilkeden</a:t>
+            </a:r>
+            <a:r>
+              <a:rPr lang="en-US" b="0" i="0" dirty="0">
+                <a:solidFill>
+                  <a:srgbClr val="000000"/>
+                </a:solidFill>
+                <a:effectLst/>
+                <a:latin typeface="Roboto" panose="02000000000000000000" pitchFamily="2" charset="0"/>
+              </a:rPr>
+              <a:t> </a:t>
+            </a:r>
+            <a:r>
+              <a:rPr lang="en-US" b="0" i="0" dirty="0" err="1">
+                <a:solidFill>
+                  <a:srgbClr val="000000"/>
+                </a:solidFill>
+                <a:effectLst/>
+                <a:latin typeface="Roboto" panose="02000000000000000000" pitchFamily="2" charset="0"/>
+              </a:rPr>
+              <a:t>önce</a:t>
+            </a:r>
+            <a:r>
+              <a:rPr lang="en-US" b="0" i="0" dirty="0">
+                <a:solidFill>
+                  <a:srgbClr val="000000"/>
+                </a:solidFill>
+                <a:effectLst/>
+                <a:latin typeface="Roboto" panose="02000000000000000000" pitchFamily="2" charset="0"/>
+              </a:rPr>
+              <a:t> </a:t>
+            </a:r>
+            <a:r>
+              <a:rPr lang="en-US" b="0" i="0" dirty="0" err="1">
+                <a:solidFill>
+                  <a:srgbClr val="000000"/>
+                </a:solidFill>
+                <a:effectLst/>
+                <a:latin typeface="Roboto" panose="02000000000000000000" pitchFamily="2" charset="0"/>
+              </a:rPr>
+              <a:t>çalışır</a:t>
+            </a:r>
+            <a:r>
+              <a:rPr lang="en-US" b="0" i="0" dirty="0">
+                <a:solidFill>
+                  <a:srgbClr val="000000"/>
+                </a:solidFill>
+                <a:effectLst/>
+                <a:latin typeface="Roboto" panose="02000000000000000000" pitchFamily="2" charset="0"/>
+              </a:rPr>
+              <a:t>. </a:t>
+            </a:r>
+            <a:r>
+              <a:rPr lang="en-US" b="0" i="0" dirty="0" err="1">
+                <a:solidFill>
+                  <a:srgbClr val="000000"/>
+                </a:solidFill>
+                <a:effectLst/>
+                <a:latin typeface="Roboto" panose="02000000000000000000" pitchFamily="2" charset="0"/>
+              </a:rPr>
+              <a:t>Örneğin</a:t>
+            </a:r>
+            <a:r>
+              <a:rPr lang="en-US" b="0" i="0" dirty="0">
+                <a:solidFill>
+                  <a:srgbClr val="000000"/>
+                </a:solidFill>
+                <a:effectLst/>
+                <a:latin typeface="Roboto" panose="02000000000000000000" pitchFamily="2" charset="0"/>
+              </a:rPr>
+              <a:t>, </a:t>
+            </a:r>
+            <a:r>
+              <a:rPr lang="en-US" b="0" i="0" dirty="0" err="1">
+                <a:solidFill>
+                  <a:srgbClr val="000000"/>
+                </a:solidFill>
+                <a:effectLst/>
+                <a:latin typeface="Roboto" panose="02000000000000000000" pitchFamily="2" charset="0"/>
+              </a:rPr>
+              <a:t>hangi</a:t>
+            </a:r>
+            <a:r>
+              <a:rPr lang="en-US" b="0" i="0" dirty="0">
+                <a:solidFill>
+                  <a:srgbClr val="000000"/>
+                </a:solidFill>
+                <a:effectLst/>
+                <a:latin typeface="Roboto" panose="02000000000000000000" pitchFamily="2" charset="0"/>
+              </a:rPr>
+              <a:t> </a:t>
+            </a:r>
+            <a:r>
+              <a:rPr lang="en-US" b="0" i="0" dirty="0" err="1">
+                <a:solidFill>
+                  <a:srgbClr val="000000"/>
+                </a:solidFill>
+                <a:effectLst/>
+                <a:latin typeface="Roboto" panose="02000000000000000000" pitchFamily="2" charset="0"/>
+              </a:rPr>
+              <a:t>uç</a:t>
+            </a:r>
+            <a:r>
+              <a:rPr lang="en-US" b="0" i="0" dirty="0">
+                <a:solidFill>
+                  <a:srgbClr val="000000"/>
+                </a:solidFill>
+                <a:effectLst/>
+                <a:latin typeface="Roboto" panose="02000000000000000000" pitchFamily="2" charset="0"/>
+              </a:rPr>
+              <a:t> </a:t>
+            </a:r>
+            <a:r>
+              <a:rPr lang="en-US" b="0" i="0" dirty="0" err="1">
+                <a:solidFill>
+                  <a:srgbClr val="000000"/>
+                </a:solidFill>
+                <a:effectLst/>
+                <a:latin typeface="Roboto" panose="02000000000000000000" pitchFamily="2" charset="0"/>
+              </a:rPr>
+              <a:t>nokta</a:t>
+            </a:r>
+            <a:r>
+              <a:rPr lang="en-US" b="0" i="0" dirty="0">
+                <a:solidFill>
+                  <a:srgbClr val="000000"/>
+                </a:solidFill>
+                <a:effectLst/>
+                <a:latin typeface="Roboto" panose="02000000000000000000" pitchFamily="2" charset="0"/>
+              </a:rPr>
+              <a:t> </a:t>
+            </a:r>
+            <a:r>
+              <a:rPr lang="en-US" b="0" i="0" dirty="0" err="1">
+                <a:solidFill>
+                  <a:srgbClr val="000000"/>
+                </a:solidFill>
+                <a:effectLst/>
+                <a:latin typeface="Roboto" panose="02000000000000000000" pitchFamily="2" charset="0"/>
+              </a:rPr>
+              <a:t>ilkeleri</a:t>
+            </a:r>
+            <a:r>
+              <a:rPr lang="en-US" b="0" i="0" dirty="0">
+                <a:solidFill>
+                  <a:srgbClr val="000000"/>
+                </a:solidFill>
+                <a:effectLst/>
+                <a:latin typeface="Roboto" panose="02000000000000000000" pitchFamily="2" charset="0"/>
+              </a:rPr>
+              <a:t> </a:t>
+            </a:r>
+            <a:r>
+              <a:rPr lang="en-US" b="0" i="0" dirty="0" err="1">
+                <a:solidFill>
+                  <a:srgbClr val="000000"/>
+                </a:solidFill>
+                <a:effectLst/>
+                <a:latin typeface="Roboto" panose="02000000000000000000" pitchFamily="2" charset="0"/>
+              </a:rPr>
+              <a:t>belirtilirse</a:t>
+            </a:r>
+            <a:r>
+              <a:rPr lang="en-US" b="0" i="0" dirty="0">
+                <a:solidFill>
+                  <a:srgbClr val="000000"/>
+                </a:solidFill>
+                <a:effectLst/>
+                <a:latin typeface="Roboto" panose="02000000000000000000" pitchFamily="2" charset="0"/>
+              </a:rPr>
+              <a:t> </a:t>
+            </a:r>
+            <a:r>
+              <a:rPr lang="en-US" b="0" i="0" dirty="0" err="1">
+                <a:solidFill>
+                  <a:srgbClr val="000000"/>
+                </a:solidFill>
+                <a:effectLst/>
+                <a:latin typeface="Roboto" panose="02000000000000000000" pitchFamily="2" charset="0"/>
+              </a:rPr>
+              <a:t>belirtilsin</a:t>
+            </a:r>
+            <a:r>
+              <a:rPr lang="en-US" b="0" i="0" dirty="0">
+                <a:solidFill>
+                  <a:srgbClr val="000000"/>
+                </a:solidFill>
+                <a:effectLst/>
+                <a:latin typeface="Roboto" panose="02000000000000000000" pitchFamily="2" charset="0"/>
+              </a:rPr>
+              <a:t>, </a:t>
+            </a:r>
+            <a:r>
+              <a:rPr lang="en-US" b="0" i="0" dirty="0" err="1">
+                <a:solidFill>
+                  <a:srgbClr val="000000"/>
+                </a:solidFill>
+                <a:effectLst/>
+                <a:latin typeface="Roboto" panose="02000000000000000000" pitchFamily="2" charset="0"/>
+              </a:rPr>
+              <a:t>uygulamanızı</a:t>
+            </a:r>
+            <a:r>
+              <a:rPr lang="en-US" b="0" i="0" dirty="0">
+                <a:solidFill>
+                  <a:srgbClr val="000000"/>
+                </a:solidFill>
+                <a:effectLst/>
+                <a:latin typeface="Roboto" panose="02000000000000000000" pitchFamily="2" charset="0"/>
+              </a:rPr>
+              <a:t> 1000 </a:t>
+            </a:r>
+            <a:r>
+              <a:rPr lang="en-US" b="0" i="0" dirty="0" err="1">
+                <a:solidFill>
+                  <a:srgbClr val="000000"/>
+                </a:solidFill>
+                <a:effectLst/>
+                <a:latin typeface="Roboto" panose="02000000000000000000" pitchFamily="2" charset="0"/>
+              </a:rPr>
+              <a:t>eşzamanlı</a:t>
+            </a:r>
+            <a:r>
+              <a:rPr lang="en-US" b="0" i="0" dirty="0">
+                <a:solidFill>
+                  <a:srgbClr val="000000"/>
+                </a:solidFill>
+                <a:effectLst/>
+                <a:latin typeface="Roboto" panose="02000000000000000000" pitchFamily="2" charset="0"/>
+              </a:rPr>
+              <a:t> </a:t>
+            </a:r>
+            <a:r>
+              <a:rPr lang="en-US" b="0" i="0" dirty="0" err="1">
+                <a:solidFill>
+                  <a:srgbClr val="000000"/>
+                </a:solidFill>
+                <a:effectLst/>
+                <a:latin typeface="Roboto" panose="02000000000000000000" pitchFamily="2" charset="0"/>
+              </a:rPr>
+              <a:t>isteği</a:t>
+            </a:r>
+            <a:r>
+              <a:rPr lang="en-US" b="0" i="0" dirty="0">
+                <a:solidFill>
+                  <a:srgbClr val="000000"/>
+                </a:solidFill>
+                <a:effectLst/>
+                <a:latin typeface="Roboto" panose="02000000000000000000" pitchFamily="2" charset="0"/>
+              </a:rPr>
+              <a:t> </a:t>
+            </a:r>
+            <a:r>
+              <a:rPr lang="en-US" b="0" i="0" dirty="0" err="1">
+                <a:solidFill>
+                  <a:srgbClr val="000000"/>
+                </a:solidFill>
+                <a:effectLst/>
+                <a:latin typeface="Roboto" panose="02000000000000000000" pitchFamily="2" charset="0"/>
+              </a:rPr>
+              <a:t>işleyecek</a:t>
+            </a:r>
+            <a:r>
+              <a:rPr lang="en-US" b="0" i="0" dirty="0">
+                <a:solidFill>
+                  <a:srgbClr val="000000"/>
+                </a:solidFill>
+                <a:effectLst/>
+                <a:latin typeface="Roboto" panose="02000000000000000000" pitchFamily="2" charset="0"/>
+              </a:rPr>
+              <a:t> </a:t>
+            </a:r>
+            <a:r>
+              <a:rPr lang="en-US" b="0" i="0" dirty="0" err="1">
+                <a:solidFill>
+                  <a:srgbClr val="000000"/>
+                </a:solidFill>
+                <a:effectLst/>
+                <a:latin typeface="Roboto" panose="02000000000000000000" pitchFamily="2" charset="0"/>
+              </a:rPr>
+              <a:t>şekilde</a:t>
+            </a:r>
+            <a:r>
+              <a:rPr lang="en-US" b="0" i="0" dirty="0">
+                <a:solidFill>
+                  <a:srgbClr val="000000"/>
+                </a:solidFill>
+                <a:effectLst/>
+                <a:latin typeface="Roboto" panose="02000000000000000000" pitchFamily="2" charset="0"/>
+              </a:rPr>
+              <a:t> </a:t>
+            </a:r>
+            <a:r>
+              <a:rPr lang="en-US" b="0" i="0" dirty="0" err="1">
+                <a:solidFill>
+                  <a:srgbClr val="000000"/>
+                </a:solidFill>
+                <a:effectLst/>
+                <a:latin typeface="Roboto" panose="02000000000000000000" pitchFamily="2" charset="0"/>
+              </a:rPr>
+              <a:t>sınırlamak</a:t>
+            </a:r>
+            <a:r>
+              <a:rPr lang="en-US" b="0" i="0" dirty="0">
+                <a:solidFill>
+                  <a:srgbClr val="000000"/>
+                </a:solidFill>
+                <a:effectLst/>
+                <a:latin typeface="Roboto" panose="02000000000000000000" pitchFamily="2" charset="0"/>
+              </a:rPr>
+              <a:t> </a:t>
+            </a:r>
+            <a:r>
+              <a:rPr lang="en-US" b="0" i="0" dirty="0" err="1">
+                <a:solidFill>
+                  <a:srgbClr val="000000"/>
+                </a:solidFill>
+                <a:effectLst/>
+                <a:latin typeface="Roboto" panose="02000000000000000000" pitchFamily="2" charset="0"/>
+              </a:rPr>
+              <a:t>istiyorsanız</a:t>
+            </a:r>
+            <a:r>
+              <a:rPr lang="en-US" b="0" i="0" dirty="0">
+                <a:solidFill>
+                  <a:srgbClr val="000000"/>
+                </a:solidFill>
+                <a:effectLst/>
+                <a:latin typeface="Roboto" panose="02000000000000000000" pitchFamily="2" charset="0"/>
+              </a:rPr>
+              <a:t>, </a:t>
+            </a:r>
+            <a:r>
+              <a:rPr lang="en-US" b="0" i="0" dirty="0" err="1">
+                <a:solidFill>
+                  <a:srgbClr val="000000"/>
+                </a:solidFill>
+                <a:effectLst/>
+                <a:latin typeface="Roboto" panose="02000000000000000000" pitchFamily="2" charset="0"/>
+              </a:rPr>
+              <a:t>bu</a:t>
+            </a:r>
+            <a:r>
+              <a:rPr lang="en-US" b="0" i="0" dirty="0">
+                <a:solidFill>
+                  <a:srgbClr val="000000"/>
+                </a:solidFill>
+                <a:effectLst/>
+                <a:latin typeface="Roboto" panose="02000000000000000000" pitchFamily="2" charset="0"/>
+              </a:rPr>
+              <a:t> </a:t>
+            </a:r>
+            <a:r>
+              <a:rPr lang="en-US" b="0" i="0" dirty="0" err="1">
+                <a:solidFill>
+                  <a:srgbClr val="000000"/>
+                </a:solidFill>
+                <a:effectLst/>
+                <a:latin typeface="Roboto" panose="02000000000000000000" pitchFamily="2" charset="0"/>
+              </a:rPr>
+              <a:t>ayarlarla</a:t>
+            </a:r>
+            <a:r>
+              <a:rPr lang="en-US" b="0" i="0" dirty="0">
+                <a:solidFill>
+                  <a:srgbClr val="000000"/>
+                </a:solidFill>
+                <a:effectLst/>
+                <a:latin typeface="Roboto" panose="02000000000000000000" pitchFamily="2" charset="0"/>
+              </a:rPr>
+              <a:t> </a:t>
+            </a:r>
+            <a:r>
+              <a:rPr lang="en-US" b="0" i="0" dirty="0" err="1">
+                <a:solidFill>
+                  <a:srgbClr val="000000"/>
+                </a:solidFill>
+                <a:effectLst/>
+                <a:latin typeface="Roboto" panose="02000000000000000000" pitchFamily="2" charset="0"/>
+              </a:rPr>
+              <a:t>bir</a:t>
+            </a:r>
+            <a:r>
+              <a:rPr lang="en-US" b="0" i="0" dirty="0">
+                <a:solidFill>
+                  <a:srgbClr val="000000"/>
+                </a:solidFill>
+                <a:effectLst/>
+                <a:latin typeface="Roboto" panose="02000000000000000000" pitchFamily="2" charset="0"/>
+              </a:rPr>
+              <a:t> </a:t>
+            </a:r>
+            <a:r>
+              <a:rPr lang="en-US" b="0" i="0" dirty="0" err="1">
+                <a:solidFill>
+                  <a:srgbClr val="000000"/>
+                </a:solidFill>
+                <a:effectLst/>
+                <a:latin typeface="Roboto" panose="02000000000000000000" pitchFamily="2" charset="0"/>
+              </a:rPr>
+              <a:t>PartitionedRateLimiter</a:t>
+            </a:r>
+            <a:r>
+              <a:rPr lang="en-US" b="0" i="0" dirty="0">
+                <a:solidFill>
+                  <a:srgbClr val="000000"/>
+                </a:solidFill>
+                <a:effectLst/>
+                <a:latin typeface="Roboto" panose="02000000000000000000" pitchFamily="2" charset="0"/>
+              </a:rPr>
+              <a:t> </a:t>
+            </a:r>
+            <a:r>
+              <a:rPr lang="en-US" b="0" i="0" dirty="0" err="1">
+                <a:solidFill>
+                  <a:srgbClr val="000000"/>
+                </a:solidFill>
+                <a:effectLst/>
+                <a:latin typeface="Roboto" panose="02000000000000000000" pitchFamily="2" charset="0"/>
+              </a:rPr>
+              <a:t>yapılandırabilir</a:t>
+            </a:r>
+            <a:r>
+              <a:rPr lang="en-US" b="0" i="0" dirty="0">
+                <a:solidFill>
+                  <a:srgbClr val="000000"/>
+                </a:solidFill>
+                <a:effectLst/>
+                <a:latin typeface="Roboto" panose="02000000000000000000" pitchFamily="2" charset="0"/>
+              </a:rPr>
+              <a:t> ve </a:t>
+            </a:r>
+            <a:r>
+              <a:rPr lang="en-US" b="0" i="0" dirty="0" err="1">
+                <a:solidFill>
+                  <a:srgbClr val="000000"/>
+                </a:solidFill>
+                <a:effectLst/>
+                <a:latin typeface="Roboto" panose="02000000000000000000" pitchFamily="2" charset="0"/>
+              </a:rPr>
+              <a:t>GlobalLimiter</a:t>
+            </a:r>
+            <a:r>
+              <a:rPr lang="en-US" b="0" i="0" dirty="0">
+                <a:solidFill>
+                  <a:srgbClr val="000000"/>
+                </a:solidFill>
+                <a:effectLst/>
+                <a:latin typeface="Roboto" panose="02000000000000000000" pitchFamily="2" charset="0"/>
+              </a:rPr>
+              <a:t> </a:t>
+            </a:r>
+            <a:r>
+              <a:rPr lang="en-US" b="0" i="0" dirty="0" err="1">
+                <a:solidFill>
+                  <a:srgbClr val="000000"/>
+                </a:solidFill>
+                <a:effectLst/>
+                <a:latin typeface="Roboto" panose="02000000000000000000" pitchFamily="2" charset="0"/>
+              </a:rPr>
+              <a:t>özelliğini</a:t>
+            </a:r>
+            <a:r>
+              <a:rPr lang="en-US" b="0" i="0" dirty="0">
+                <a:solidFill>
+                  <a:srgbClr val="000000"/>
+                </a:solidFill>
+                <a:effectLst/>
+                <a:latin typeface="Roboto" panose="02000000000000000000" pitchFamily="2" charset="0"/>
+              </a:rPr>
+              <a:t> </a:t>
+            </a:r>
+            <a:r>
+              <a:rPr lang="en-US" b="0" i="0" dirty="0" err="1">
+                <a:solidFill>
+                  <a:srgbClr val="000000"/>
+                </a:solidFill>
+                <a:effectLst/>
+                <a:latin typeface="Roboto" panose="02000000000000000000" pitchFamily="2" charset="0"/>
+              </a:rPr>
+              <a:t>ayarlayabilirsiniz</a:t>
+            </a:r>
+            <a:r>
+              <a:rPr lang="en-US" b="0" i="0" dirty="0">
+                <a:solidFill>
+                  <a:srgbClr val="000000"/>
+                </a:solidFill>
+                <a:effectLst/>
+                <a:latin typeface="Roboto" panose="02000000000000000000" pitchFamily="2" charset="0"/>
+              </a:rPr>
+              <a:t>.</a:t>
+            </a:r>
+            <a:endParaRPr lang="en-US" dirty="0"/>
+          </a:p>
+        </p:txBody>
+      </p:sp>
+      <p:sp>
+        <p:nvSpPr>
+          <p:cNvPr id="4" name="Slide Number Placeholder 3"/>
+          <p:cNvSpPr>
+            <a:spLocks noGrp="1"/>
+          </p:cNvSpPr>
+          <p:nvPr>
+            <p:ph type="sldNum" sz="quarter" idx="5"/>
+          </p:nvPr>
+        </p:nvSpPr>
+        <p:spPr/>
+        <p:txBody>
+          <a:bodyPr/>
+          <a:lstStyle/>
+          <a:p>
+            <a:fld id="{76B03066-73DC-4439-8C21-B2AF40CF105D}" type="slidenum">
+              <a:rPr lang="en-US" smtClean="0"/>
+              <a:t>31</a:t>
+            </a:fld>
+            <a:endParaRPr lang="en-US"/>
+          </a:p>
+        </p:txBody>
+      </p:sp>
+    </p:spTree>
+    <p:extLst>
+      <p:ext uri="{BB962C8B-B14F-4D97-AF65-F5344CB8AC3E}">
+        <p14:creationId xmlns:p14="http://schemas.microsoft.com/office/powerpoint/2010/main" val="2875114734"/>
+      </p:ext>
+    </p:extLst>
+  </p:cSld>
+  <p:clrMapOvr>
+    <a:masterClrMapping/>
+  </p:clrMapOvr>
+</p:notes>
+</file>
+
+<file path=ppt/notesSlides/notesSlide12.xml><?xml version="1.0" encoding="utf-8"?>
+<p:notes xmlns:a="http://schemas.openxmlformats.org/drawingml/2006/main" xmlns:r="http://schemas.openxmlformats.org/officeDocument/2006/relationships" xmlns:p="http://schemas.openxmlformats.org/presentationml/2006/main">
+  <p:cSld>
+    <p:spTree>
+      <p:nvGrpSpPr>
+        <p:cNvPr id="1" name=""/>
+        <p:cNvGrpSpPr/>
+        <p:nvPr/>
+      </p:nvGrpSpPr>
+      <p:grpSpPr>
+        <a:xfrm>
+          <a:off x="0" y="0"/>
+          <a:ext cx="0" cy="0"/>
+          <a:chOff x="0" y="0"/>
+          <a:chExt cx="0" cy="0"/>
+        </a:xfrm>
+      </p:grpSpPr>
+      <p:sp>
+        <p:nvSpPr>
+          <p:cNvPr id="2" name="Slide Image Placeholder 1"/>
+          <p:cNvSpPr>
+            <a:spLocks noGrp="1" noRot="1" noChangeAspect="1"/>
+          </p:cNvSpPr>
+          <p:nvPr>
+            <p:ph type="sldImg"/>
+          </p:nvPr>
+        </p:nvSpPr>
+        <p:spPr/>
+      </p:sp>
+      <p:sp>
+        <p:nvSpPr>
+          <p:cNvPr id="3" name="Notes Placeholder 2"/>
+          <p:cNvSpPr>
+            <a:spLocks noGrp="1"/>
+          </p:cNvSpPr>
+          <p:nvPr>
+            <p:ph type="body" idx="1"/>
+          </p:nvPr>
+        </p:nvSpPr>
+        <p:spPr/>
+        <p:txBody>
+          <a:bodyPr/>
+          <a:lstStyle/>
+          <a:p>
             <a:endParaRPr lang="en-US"/>
           </a:p>
         </p:txBody>
@@ -6186,7 +8970,7 @@
           <a:p>
             <a:fld id="{76B03066-73DC-4439-8C21-B2AF40CF105D}" type="slidenum">
               <a:rPr lang="en-US" smtClean="0"/>
-              <a:t>30</a:t>
+              <a:t>32</a:t>
             </a:fld>
             <a:endParaRPr lang="en-US"/>
           </a:p>
@@ -31671,6 +34455,344 @@
 <file path=ppt/slides/slide30.xml><?xml version="1.0" encoding="utf-8"?>
 <p:sld xmlns:a="http://schemas.openxmlformats.org/drawingml/2006/main" xmlns:r="http://schemas.openxmlformats.org/officeDocument/2006/relationships" xmlns:p="http://schemas.openxmlformats.org/presentationml/2006/main">
   <p:cSld>
+    <p:bg>
+      <p:bgPr>
+        <a:blipFill rotWithShape="1">
+          <a:blip r:embed="rId3">
+            <a:duotone>
+              <a:schemeClr val="bg2">
+                <a:shade val="28000"/>
+                <a:satMod val="94000"/>
+                <a:lumMod val="20000"/>
+              </a:schemeClr>
+              <a:schemeClr val="bg2">
+                <a:tint val="94000"/>
+                <a:shade val="84000"/>
+                <a:satMod val="148000"/>
+                <a:lumMod val="114000"/>
+              </a:schemeClr>
+            </a:duotone>
+          </a:blip>
+          <a:stretch/>
+        </a:blipFill>
+        <a:effectLst/>
+      </p:bgPr>
+    </p:bg>
+    <p:spTree>
+      <p:nvGrpSpPr>
+        <p:cNvPr id="1" name=""/>
+        <p:cNvGrpSpPr/>
+        <p:nvPr/>
+      </p:nvGrpSpPr>
+      <p:grpSpPr>
+        <a:xfrm>
+          <a:off x="0" y="0"/>
+          <a:ext cx="0" cy="0"/>
+          <a:chOff x="0" y="0"/>
+          <a:chExt cx="0" cy="0"/>
+        </a:xfrm>
+      </p:grpSpPr>
+      <p:sp>
+        <p:nvSpPr>
+          <p:cNvPr id="4" name="Title 3">
+            <a:extLst>
+              <a:ext uri="{FF2B5EF4-FFF2-40B4-BE49-F238E27FC236}">
+                <a16:creationId xmlns:a16="http://schemas.microsoft.com/office/drawing/2014/main" id="{14BB8BF4-4725-1897-3C00-8A6F689A685D}"/>
+              </a:ext>
+            </a:extLst>
+          </p:cNvPr>
+          <p:cNvSpPr>
+            <a:spLocks noGrp="1"/>
+          </p:cNvSpPr>
+          <p:nvPr>
+            <p:ph type="title"/>
+          </p:nvPr>
+        </p:nvSpPr>
+        <p:spPr>
+          <a:xfrm>
+            <a:off x="8164106" y="609600"/>
+            <a:ext cx="3369133" cy="3642851"/>
+          </a:xfrm>
+        </p:spPr>
+        <p:txBody>
+          <a:bodyPr vert="horz" lIns="91440" tIns="45720" rIns="91440" bIns="45720" rtlCol="0" anchor="b">
+            <a:normAutofit/>
+          </a:bodyPr>
+          <a:lstStyle/>
+          <a:p>
+            <a:pPr algn="ctr">
+              <a:lnSpc>
+                <a:spcPct val="90000"/>
+              </a:lnSpc>
+            </a:pPr>
+            <a:r>
+              <a:rPr lang="en-US" sz="3700">
+                <a:effectLst>
+                  <a:glow rad="38100">
+                    <a:schemeClr val="bg1">
+                      <a:lumMod val="65000"/>
+                      <a:lumOff val="35000"/>
+                      <a:alpha val="50000"/>
+                    </a:schemeClr>
+                  </a:glow>
+                  <a:outerShdw blurRad="28575" dist="31750" dir="13200000" algn="tl" rotWithShape="0">
+                    <a:srgbClr val="000000">
+                      <a:alpha val="25000"/>
+                    </a:srgbClr>
+                  </a:outerShdw>
+                </a:effectLst>
+              </a:rPr>
+              <a:t>.NET 7 - RATE LIMITING middleware </a:t>
+            </a:r>
+          </a:p>
+        </p:txBody>
+      </p:sp>
+      <p:pic>
+        <p:nvPicPr>
+          <p:cNvPr id="7" name="Content Placeholder 6">
+            <a:extLst>
+              <a:ext uri="{FF2B5EF4-FFF2-40B4-BE49-F238E27FC236}">
+                <a16:creationId xmlns:a16="http://schemas.microsoft.com/office/drawing/2014/main" id="{F2B89849-8468-F910-AF73-EBB0E01F28D3}"/>
+              </a:ext>
+            </a:extLst>
+          </p:cNvPr>
+          <p:cNvPicPr>
+            <a:picLocks noGrp="1" noChangeAspect="1"/>
+          </p:cNvPicPr>
+          <p:nvPr>
+            <p:ph idx="1"/>
+          </p:nvPr>
+        </p:nvPicPr>
+        <p:blipFill>
+          <a:blip r:embed="rId4">
+            <a:extLst>
+              <a:ext uri="{28A0092B-C50C-407E-A947-70E740481C1C}">
+                <a14:useLocalDpi xmlns:a14="http://schemas.microsoft.com/office/drawing/2010/main" val="0"/>
+              </a:ext>
+            </a:extLst>
+          </a:blip>
+          <a:stretch/>
+        </p:blipFill>
+        <p:spPr>
+          <a:xfrm>
+            <a:off x="210313" y="128905"/>
+            <a:ext cx="7598664" cy="6600190"/>
+          </a:xfrm>
+          <a:prstGeom prst="roundRect">
+            <a:avLst>
+              <a:gd name="adj" fmla="val 3517"/>
+            </a:avLst>
+          </a:prstGeom>
+          <a:ln w="38100">
+            <a:gradFill flip="none" rotWithShape="1">
+              <a:gsLst>
+                <a:gs pos="0">
+                  <a:srgbClr val="363D46"/>
+                </a:gs>
+                <a:gs pos="100000">
+                  <a:srgbClr val="363D46">
+                    <a:lumMod val="75000"/>
+                  </a:srgbClr>
+                </a:gs>
+              </a:gsLst>
+              <a:lin ang="5400000" scaled="0"/>
+              <a:tileRect/>
+            </a:gradFill>
+          </a:ln>
+          <a:effectLst>
+            <a:innerShdw blurRad="57150" dist="38100" dir="14460000">
+              <a:srgbClr val="000000">
+                <a:alpha val="70000"/>
+              </a:srgbClr>
+            </a:innerShdw>
+          </a:effectLst>
+        </p:spPr>
+      </p:pic>
+    </p:spTree>
+    <p:extLst>
+      <p:ext uri="{BB962C8B-B14F-4D97-AF65-F5344CB8AC3E}">
+        <p14:creationId xmlns:p14="http://schemas.microsoft.com/office/powerpoint/2010/main" val="1274513587"/>
+      </p:ext>
+    </p:extLst>
+  </p:cSld>
+  <p:clrMapOvr>
+    <a:masterClrMapping/>
+  </p:clrMapOvr>
+</p:sld>
+</file>
+
+<file path=ppt/slides/slide31.xml><?xml version="1.0" encoding="utf-8"?>
+<p:sld xmlns:a="http://schemas.openxmlformats.org/drawingml/2006/main" xmlns:r="http://schemas.openxmlformats.org/officeDocument/2006/relationships" xmlns:p="http://schemas.openxmlformats.org/presentationml/2006/main">
+  <p:cSld>
+    <p:bg>
+      <p:bgPr>
+        <a:blipFill rotWithShape="1">
+          <a:blip r:embed="rId3">
+            <a:duotone>
+              <a:schemeClr val="bg2">
+                <a:shade val="28000"/>
+                <a:satMod val="94000"/>
+                <a:lumMod val="20000"/>
+              </a:schemeClr>
+              <a:schemeClr val="bg2">
+                <a:tint val="94000"/>
+                <a:shade val="84000"/>
+                <a:satMod val="148000"/>
+                <a:lumMod val="114000"/>
+              </a:schemeClr>
+            </a:duotone>
+          </a:blip>
+          <a:stretch/>
+        </a:blipFill>
+        <a:effectLst/>
+      </p:bgPr>
+    </p:bg>
+    <p:spTree>
+      <p:nvGrpSpPr>
+        <p:cNvPr id="1" name=""/>
+        <p:cNvGrpSpPr/>
+        <p:nvPr/>
+      </p:nvGrpSpPr>
+      <p:grpSpPr>
+        <a:xfrm>
+          <a:off x="0" y="0"/>
+          <a:ext cx="0" cy="0"/>
+          <a:chOff x="0" y="0"/>
+          <a:chExt cx="0" cy="0"/>
+        </a:xfrm>
+      </p:grpSpPr>
+      <p:sp>
+        <p:nvSpPr>
+          <p:cNvPr id="4" name="Title 3">
+            <a:extLst>
+              <a:ext uri="{FF2B5EF4-FFF2-40B4-BE49-F238E27FC236}">
+                <a16:creationId xmlns:a16="http://schemas.microsoft.com/office/drawing/2014/main" id="{14BB8BF4-4725-1897-3C00-8A6F689A685D}"/>
+              </a:ext>
+            </a:extLst>
+          </p:cNvPr>
+          <p:cNvSpPr>
+            <a:spLocks noGrp="1"/>
+          </p:cNvSpPr>
+          <p:nvPr>
+            <p:ph type="title"/>
+          </p:nvPr>
+        </p:nvSpPr>
+        <p:spPr>
+          <a:xfrm>
+            <a:off x="1751012" y="4363271"/>
+            <a:ext cx="8676222" cy="1066801"/>
+          </a:xfrm>
+        </p:spPr>
+        <p:txBody>
+          <a:bodyPr vert="horz" lIns="91440" tIns="45720" rIns="91440" bIns="45720" rtlCol="0" anchor="b">
+            <a:normAutofit/>
+          </a:bodyPr>
+          <a:lstStyle/>
+          <a:p>
+            <a:pPr algn="ctr">
+              <a:lnSpc>
+                <a:spcPct val="90000"/>
+              </a:lnSpc>
+            </a:pPr>
+            <a:r>
+              <a:rPr lang="en-US" sz="3700">
+                <a:effectLst>
+                  <a:glow rad="38100">
+                    <a:schemeClr val="bg1">
+                      <a:lumMod val="65000"/>
+                      <a:lumOff val="35000"/>
+                      <a:alpha val="50000"/>
+                    </a:schemeClr>
+                  </a:glow>
+                  <a:outerShdw blurRad="28575" dist="31750" dir="13200000" algn="tl" rotWithShape="0">
+                    <a:srgbClr val="000000">
+                      <a:alpha val="25000"/>
+                    </a:srgbClr>
+                  </a:outerShdw>
+                </a:effectLst>
+              </a:rPr>
+              <a:t>.NET 7 - RATE LIMITING middleware </a:t>
+            </a:r>
+          </a:p>
+        </p:txBody>
+      </p:sp>
+      <p:pic>
+        <p:nvPicPr>
+          <p:cNvPr id="7" name="Content Placeholder 6">
+            <a:extLst>
+              <a:ext uri="{FF2B5EF4-FFF2-40B4-BE49-F238E27FC236}">
+                <a16:creationId xmlns:a16="http://schemas.microsoft.com/office/drawing/2014/main" id="{F2B89849-8468-F910-AF73-EBB0E01F28D3}"/>
+              </a:ext>
+            </a:extLst>
+          </p:cNvPr>
+          <p:cNvPicPr>
+            <a:picLocks noGrp="1" noChangeAspect="1"/>
+          </p:cNvPicPr>
+          <p:nvPr>
+            <p:ph idx="1"/>
+          </p:nvPr>
+        </p:nvPicPr>
+        <p:blipFill>
+          <a:blip r:embed="rId4">
+            <a:extLst>
+              <a:ext uri="{28A0092B-C50C-407E-A947-70E740481C1C}">
+                <a14:useLocalDpi xmlns:a14="http://schemas.microsoft.com/office/drawing/2010/main" val="0"/>
+              </a:ext>
+            </a:extLst>
+          </a:blip>
+          <a:stretch/>
+        </p:blipFill>
+        <p:spPr>
+          <a:xfrm>
+            <a:off x="983425" y="640080"/>
+            <a:ext cx="10220527" cy="3602736"/>
+          </a:xfrm>
+          <a:prstGeom prst="roundRect">
+            <a:avLst>
+              <a:gd name="adj" fmla="val 3517"/>
+            </a:avLst>
+          </a:prstGeom>
+          <a:ln w="38100">
+            <a:gradFill flip="none" rotWithShape="1">
+              <a:gsLst>
+                <a:gs pos="0">
+                  <a:srgbClr val="363D46"/>
+                </a:gs>
+                <a:gs pos="100000">
+                  <a:srgbClr val="363D46">
+                    <a:lumMod val="75000"/>
+                  </a:srgbClr>
+                </a:gs>
+              </a:gsLst>
+              <a:lin ang="5400000" scaled="0"/>
+              <a:tileRect/>
+            </a:gradFill>
+          </a:ln>
+          <a:effectLst>
+            <a:innerShdw blurRad="57150" dist="38100" dir="14460000">
+              <a:srgbClr val="000000">
+                <a:alpha val="70000"/>
+              </a:srgbClr>
+            </a:innerShdw>
+          </a:effectLst>
+        </p:spPr>
+      </p:pic>
+    </p:spTree>
+    <p:extLst>
+      <p:ext uri="{BB962C8B-B14F-4D97-AF65-F5344CB8AC3E}">
+        <p14:creationId xmlns:p14="http://schemas.microsoft.com/office/powerpoint/2010/main" val="1558538500"/>
+      </p:ext>
+    </p:extLst>
+  </p:cSld>
+  <p:clrMapOvr>
+    <a:masterClrMapping/>
+  </p:clrMapOvr>
+</p:sld>
+</file>
+
+<file path=ppt/slides/slide32.xml><?xml version="1.0" encoding="utf-8"?>
+<p:sld xmlns:a="http://schemas.openxmlformats.org/drawingml/2006/main" xmlns:r="http://schemas.openxmlformats.org/officeDocument/2006/relationships" xmlns:p="http://schemas.openxmlformats.org/presentationml/2006/main">
+  <p:cSld>
     <p:spTree>
       <p:nvGrpSpPr>
         <p:cNvPr id="1" name=""/>
